--- a/GHG_Regression_Analysis.pptx
+++ b/GHG_Regression_Analysis.pptx
@@ -5,22 +5,24 @@
     <p:sldMasterId id="2147483732" r:id="rId1"/>
   </p:sldMasterIdLst>
   <p:notesMasterIdLst>
-    <p:notesMasterId r:id="rId15"/>
+    <p:notesMasterId r:id="rId17"/>
   </p:notesMasterIdLst>
   <p:sldIdLst>
     <p:sldId id="256" r:id="rId2"/>
     <p:sldId id="270" r:id="rId3"/>
     <p:sldId id="258" r:id="rId4"/>
-    <p:sldId id="271" r:id="rId5"/>
-    <p:sldId id="280" r:id="rId6"/>
-    <p:sldId id="281" r:id="rId7"/>
-    <p:sldId id="282" r:id="rId8"/>
-    <p:sldId id="274" r:id="rId9"/>
-    <p:sldId id="283" r:id="rId10"/>
-    <p:sldId id="277" r:id="rId11"/>
-    <p:sldId id="279" r:id="rId12"/>
-    <p:sldId id="278" r:id="rId13"/>
-    <p:sldId id="264" r:id="rId14"/>
+    <p:sldId id="285" r:id="rId5"/>
+    <p:sldId id="271" r:id="rId6"/>
+    <p:sldId id="280" r:id="rId7"/>
+    <p:sldId id="281" r:id="rId8"/>
+    <p:sldId id="282" r:id="rId9"/>
+    <p:sldId id="284" r:id="rId10"/>
+    <p:sldId id="274" r:id="rId11"/>
+    <p:sldId id="283" r:id="rId12"/>
+    <p:sldId id="277" r:id="rId13"/>
+    <p:sldId id="279" r:id="rId14"/>
+    <p:sldId id="278" r:id="rId15"/>
+    <p:sldId id="264" r:id="rId16"/>
   </p:sldIdLst>
   <p:sldSz cx="12192000" cy="6858000"/>
   <p:notesSz cx="6858000" cy="9144000"/>
@@ -209,7 +211,7 @@
           <a:p>
             <a:fld id="{8BD3D38F-DFE6-8243-A26F-91224F8836D8}" type="datetimeFigureOut">
               <a:rPr lang="en-US" smtClean="0"/>
-              <a:t>9/14/21</a:t>
+              <a:t>1/17/22</a:t>
             </a:fld>
             <a:endParaRPr lang="en-US"/>
           </a:p>
@@ -477,6 +479,1165 @@
 </p:notesMaster>
 </file>
 
+<file path=ppt/notesSlides/notesSlide1.xml><?xml version="1.0" encoding="utf-8"?>
+<p:notes xmlns:a="http://schemas.openxmlformats.org/drawingml/2006/main" xmlns:r="http://schemas.openxmlformats.org/officeDocument/2006/relationships" xmlns:p="http://schemas.openxmlformats.org/presentationml/2006/main">
+  <p:cSld>
+    <p:spTree>
+      <p:nvGrpSpPr>
+        <p:cNvPr id="1" name=""/>
+        <p:cNvGrpSpPr/>
+        <p:nvPr/>
+      </p:nvGrpSpPr>
+      <p:grpSpPr>
+        <a:xfrm>
+          <a:off x="0" y="0"/>
+          <a:ext cx="0" cy="0"/>
+          <a:chOff x="0" y="0"/>
+          <a:chExt cx="0" cy="0"/>
+        </a:xfrm>
+      </p:grpSpPr>
+      <p:sp>
+        <p:nvSpPr>
+          <p:cNvPr id="2" name="Slide Image Placeholder 1"/>
+          <p:cNvSpPr>
+            <a:spLocks noGrp="1" noRot="1" noChangeAspect="1"/>
+          </p:cNvSpPr>
+          <p:nvPr>
+            <p:ph type="sldImg"/>
+          </p:nvPr>
+        </p:nvSpPr>
+        <p:spPr/>
+      </p:sp>
+      <p:sp>
+        <p:nvSpPr>
+          <p:cNvPr id="3" name="Notes Placeholder 2"/>
+          <p:cNvSpPr>
+            <a:spLocks noGrp="1"/>
+          </p:cNvSpPr>
+          <p:nvPr>
+            <p:ph type="body" idx="1"/>
+          </p:nvPr>
+        </p:nvSpPr>
+        <p:spPr/>
+        <p:txBody>
+          <a:bodyPr/>
+          <a:lstStyle/>
+          <a:p>
+            <a:r>
+              <a:rPr lang="en-US" dirty="0" smtClean="0"/>
+              <a:t>(intro) -</a:t>
+            </a:r>
+            <a:r>
+              <a:rPr lang="en-US" baseline="0" dirty="0" smtClean="0"/>
+              <a:t> hiya my name is </a:t>
+            </a:r>
+            <a:r>
+              <a:rPr lang="en-US" baseline="0" dirty="0" err="1" smtClean="0"/>
+              <a:t>sam</a:t>
+            </a:r>
+            <a:r>
+              <a:rPr lang="en-US" baseline="0" dirty="0" smtClean="0"/>
+              <a:t>, background in the earth sciences so I chose to perform a regression analysis on GHG emissions across various industry sectors.</a:t>
+            </a:r>
+            <a:endParaRPr lang="en-US" dirty="0"/>
+          </a:p>
+        </p:txBody>
+      </p:sp>
+      <p:sp>
+        <p:nvSpPr>
+          <p:cNvPr id="4" name="Slide Number Placeholder 3"/>
+          <p:cNvSpPr>
+            <a:spLocks noGrp="1"/>
+          </p:cNvSpPr>
+          <p:nvPr>
+            <p:ph type="sldNum" sz="quarter" idx="10"/>
+          </p:nvPr>
+        </p:nvSpPr>
+        <p:spPr/>
+        <p:txBody>
+          <a:bodyPr/>
+          <a:lstStyle/>
+          <a:p>
+            <a:fld id="{72DD419D-9304-874E-8957-B8DC89C884FF}" type="slidenum">
+              <a:rPr lang="en-US" smtClean="0"/>
+              <a:t>1</a:t>
+            </a:fld>
+            <a:endParaRPr lang="en-US"/>
+          </a:p>
+        </p:txBody>
+      </p:sp>
+    </p:spTree>
+    <p:extLst>
+      <p:ext uri="{BB962C8B-B14F-4D97-AF65-F5344CB8AC3E}">
+        <p14:creationId xmlns:p14="http://schemas.microsoft.com/office/powerpoint/2010/main" val="1979697679"/>
+      </p:ext>
+    </p:extLst>
+  </p:cSld>
+  <p:clrMapOvr>
+    <a:masterClrMapping/>
+  </p:clrMapOvr>
+</p:notes>
+</file>
+
+<file path=ppt/notesSlides/notesSlide10.xml><?xml version="1.0" encoding="utf-8"?>
+<p:notes xmlns:a="http://schemas.openxmlformats.org/drawingml/2006/main" xmlns:r="http://schemas.openxmlformats.org/officeDocument/2006/relationships" xmlns:p="http://schemas.openxmlformats.org/presentationml/2006/main">
+  <p:cSld>
+    <p:spTree>
+      <p:nvGrpSpPr>
+        <p:cNvPr id="1" name=""/>
+        <p:cNvGrpSpPr/>
+        <p:nvPr/>
+      </p:nvGrpSpPr>
+      <p:grpSpPr>
+        <a:xfrm>
+          <a:off x="0" y="0"/>
+          <a:ext cx="0" cy="0"/>
+          <a:chOff x="0" y="0"/>
+          <a:chExt cx="0" cy="0"/>
+        </a:xfrm>
+      </p:grpSpPr>
+      <p:sp>
+        <p:nvSpPr>
+          <p:cNvPr id="2" name="Slide Image Placeholder 1"/>
+          <p:cNvSpPr>
+            <a:spLocks noGrp="1" noRot="1" noChangeAspect="1"/>
+          </p:cNvSpPr>
+          <p:nvPr>
+            <p:ph type="sldImg"/>
+          </p:nvPr>
+        </p:nvSpPr>
+        <p:spPr/>
+      </p:sp>
+      <p:sp>
+        <p:nvSpPr>
+          <p:cNvPr id="3" name="Notes Placeholder 2"/>
+          <p:cNvSpPr>
+            <a:spLocks noGrp="1"/>
+          </p:cNvSpPr>
+          <p:nvPr>
+            <p:ph type="body" idx="1"/>
+          </p:nvPr>
+        </p:nvSpPr>
+        <p:spPr/>
+        <p:txBody>
+          <a:bodyPr/>
+          <a:lstStyle/>
+          <a:p>
+            <a:r>
+              <a:rPr lang="en-US" dirty="0" smtClean="0"/>
+              <a:t>So to fix some of the</a:t>
+            </a:r>
+            <a:r>
+              <a:rPr lang="en-US" baseline="0" dirty="0" smtClean="0"/>
+              <a:t> issues and low r2 of our baseline model, I did some transformations on both the target and features and the best for the target ended up being a box-cox transformation which clearly gives us a much better target </a:t>
+            </a:r>
+            <a:r>
+              <a:rPr lang="en-US" baseline="0" dirty="0" err="1" smtClean="0"/>
+              <a:t>distrubution</a:t>
+            </a:r>
+            <a:r>
+              <a:rPr lang="en-US" baseline="0" dirty="0" smtClean="0"/>
+              <a:t> moving forward. I also tried log and </a:t>
+            </a:r>
+            <a:r>
+              <a:rPr lang="en-US" baseline="0" dirty="0" err="1" smtClean="0"/>
+              <a:t>sqrt</a:t>
+            </a:r>
+            <a:r>
+              <a:rPr lang="en-US" baseline="0" dirty="0" smtClean="0"/>
+              <a:t> on some of the features but those largely didn’t perform as well</a:t>
+            </a:r>
+            <a:endParaRPr lang="en-US" dirty="0"/>
+          </a:p>
+        </p:txBody>
+      </p:sp>
+      <p:sp>
+        <p:nvSpPr>
+          <p:cNvPr id="4" name="Slide Number Placeholder 3"/>
+          <p:cNvSpPr>
+            <a:spLocks noGrp="1"/>
+          </p:cNvSpPr>
+          <p:nvPr>
+            <p:ph type="sldNum" sz="quarter" idx="10"/>
+          </p:nvPr>
+        </p:nvSpPr>
+        <p:spPr/>
+        <p:txBody>
+          <a:bodyPr/>
+          <a:lstStyle/>
+          <a:p>
+            <a:fld id="{72DD419D-9304-874E-8957-B8DC89C884FF}" type="slidenum">
+              <a:rPr lang="en-US" smtClean="0"/>
+              <a:t>11</a:t>
+            </a:fld>
+            <a:endParaRPr lang="en-US"/>
+          </a:p>
+        </p:txBody>
+      </p:sp>
+    </p:spTree>
+    <p:extLst>
+      <p:ext uri="{BB962C8B-B14F-4D97-AF65-F5344CB8AC3E}">
+        <p14:creationId xmlns:p14="http://schemas.microsoft.com/office/powerpoint/2010/main" val="631030396"/>
+      </p:ext>
+    </p:extLst>
+  </p:cSld>
+  <p:clrMapOvr>
+    <a:masterClrMapping/>
+  </p:clrMapOvr>
+</p:notes>
+</file>
+
+<file path=ppt/notesSlides/notesSlide11.xml><?xml version="1.0" encoding="utf-8"?>
+<p:notes xmlns:a="http://schemas.openxmlformats.org/drawingml/2006/main" xmlns:r="http://schemas.openxmlformats.org/officeDocument/2006/relationships" xmlns:p="http://schemas.openxmlformats.org/presentationml/2006/main">
+  <p:cSld>
+    <p:spTree>
+      <p:nvGrpSpPr>
+        <p:cNvPr id="1" name=""/>
+        <p:cNvGrpSpPr/>
+        <p:nvPr/>
+      </p:nvGrpSpPr>
+      <p:grpSpPr>
+        <a:xfrm>
+          <a:off x="0" y="0"/>
+          <a:ext cx="0" cy="0"/>
+          <a:chOff x="0" y="0"/>
+          <a:chExt cx="0" cy="0"/>
+        </a:xfrm>
+      </p:grpSpPr>
+      <p:sp>
+        <p:nvSpPr>
+          <p:cNvPr id="2" name="Slide Image Placeholder 1"/>
+          <p:cNvSpPr>
+            <a:spLocks noGrp="1" noRot="1" noChangeAspect="1"/>
+          </p:cNvSpPr>
+          <p:nvPr>
+            <p:ph type="sldImg"/>
+          </p:nvPr>
+        </p:nvSpPr>
+        <p:spPr/>
+      </p:sp>
+      <p:sp>
+        <p:nvSpPr>
+          <p:cNvPr id="3" name="Notes Placeholder 2"/>
+          <p:cNvSpPr>
+            <a:spLocks noGrp="1"/>
+          </p:cNvSpPr>
+          <p:nvPr>
+            <p:ph type="body" idx="1"/>
+          </p:nvPr>
+        </p:nvSpPr>
+        <p:spPr/>
+        <p:txBody>
+          <a:bodyPr/>
+          <a:lstStyle/>
+          <a:p>
+            <a:r>
+              <a:rPr lang="en-US" dirty="0" smtClean="0"/>
+              <a:t>So the final model I arrived at, was</a:t>
+            </a:r>
+            <a:r>
+              <a:rPr lang="en-US" baseline="0" dirty="0" smtClean="0"/>
+              <a:t> transforming the target via a box-cox transformation, dropping Operating Income, Net income, and total equity, and performing a ridge regression. It dramatically improves the distribution of the residuals and the only deviation we see in the normal Q-Q plot is on the tails and a much smaller magnitude than the original model. </a:t>
+            </a:r>
+            <a:endParaRPr lang="en-US" dirty="0"/>
+          </a:p>
+        </p:txBody>
+      </p:sp>
+      <p:sp>
+        <p:nvSpPr>
+          <p:cNvPr id="4" name="Slide Number Placeholder 3"/>
+          <p:cNvSpPr>
+            <a:spLocks noGrp="1"/>
+          </p:cNvSpPr>
+          <p:nvPr>
+            <p:ph type="sldNum" sz="quarter" idx="10"/>
+          </p:nvPr>
+        </p:nvSpPr>
+        <p:spPr/>
+        <p:txBody>
+          <a:bodyPr/>
+          <a:lstStyle/>
+          <a:p>
+            <a:fld id="{72DD419D-9304-874E-8957-B8DC89C884FF}" type="slidenum">
+              <a:rPr lang="en-US" smtClean="0"/>
+              <a:t>12</a:t>
+            </a:fld>
+            <a:endParaRPr lang="en-US"/>
+          </a:p>
+        </p:txBody>
+      </p:sp>
+    </p:spTree>
+    <p:extLst>
+      <p:ext uri="{BB962C8B-B14F-4D97-AF65-F5344CB8AC3E}">
+        <p14:creationId xmlns:p14="http://schemas.microsoft.com/office/powerpoint/2010/main" val="1561979994"/>
+      </p:ext>
+    </p:extLst>
+  </p:cSld>
+  <p:clrMapOvr>
+    <a:masterClrMapping/>
+  </p:clrMapOvr>
+</p:notes>
+</file>
+
+<file path=ppt/notesSlides/notesSlide12.xml><?xml version="1.0" encoding="utf-8"?>
+<p:notes xmlns:a="http://schemas.openxmlformats.org/drawingml/2006/main" xmlns:r="http://schemas.openxmlformats.org/officeDocument/2006/relationships" xmlns:p="http://schemas.openxmlformats.org/presentationml/2006/main">
+  <p:cSld>
+    <p:spTree>
+      <p:nvGrpSpPr>
+        <p:cNvPr id="1" name=""/>
+        <p:cNvGrpSpPr/>
+        <p:nvPr/>
+      </p:nvGrpSpPr>
+      <p:grpSpPr>
+        <a:xfrm>
+          <a:off x="0" y="0"/>
+          <a:ext cx="0" cy="0"/>
+          <a:chOff x="0" y="0"/>
+          <a:chExt cx="0" cy="0"/>
+        </a:xfrm>
+      </p:grpSpPr>
+      <p:sp>
+        <p:nvSpPr>
+          <p:cNvPr id="2" name="Slide Image Placeholder 1"/>
+          <p:cNvSpPr>
+            <a:spLocks noGrp="1" noRot="1" noChangeAspect="1"/>
+          </p:cNvSpPr>
+          <p:nvPr>
+            <p:ph type="sldImg"/>
+          </p:nvPr>
+        </p:nvSpPr>
+        <p:spPr/>
+      </p:sp>
+      <p:sp>
+        <p:nvSpPr>
+          <p:cNvPr id="3" name="Notes Placeholder 2"/>
+          <p:cNvSpPr>
+            <a:spLocks noGrp="1"/>
+          </p:cNvSpPr>
+          <p:nvPr>
+            <p:ph type="body" idx="1"/>
+          </p:nvPr>
+        </p:nvSpPr>
+        <p:spPr/>
+        <p:txBody>
+          <a:bodyPr/>
+          <a:lstStyle/>
+          <a:p>
+            <a:r>
+              <a:rPr lang="en-US" dirty="0" smtClean="0"/>
+              <a:t>More data sets – get subsidiaries of</a:t>
+            </a:r>
+            <a:r>
+              <a:rPr lang="en-US" baseline="0" dirty="0" smtClean="0"/>
+              <a:t> parent companies, more facility by facility information. </a:t>
+            </a:r>
+            <a:endParaRPr lang="en-US" dirty="0"/>
+          </a:p>
+        </p:txBody>
+      </p:sp>
+      <p:sp>
+        <p:nvSpPr>
+          <p:cNvPr id="4" name="Slide Number Placeholder 3"/>
+          <p:cNvSpPr>
+            <a:spLocks noGrp="1"/>
+          </p:cNvSpPr>
+          <p:nvPr>
+            <p:ph type="sldNum" sz="quarter" idx="10"/>
+          </p:nvPr>
+        </p:nvSpPr>
+        <p:spPr/>
+        <p:txBody>
+          <a:bodyPr/>
+          <a:lstStyle/>
+          <a:p>
+            <a:fld id="{72DD419D-9304-874E-8957-B8DC89C884FF}" type="slidenum">
+              <a:rPr lang="en-US" smtClean="0"/>
+              <a:t>13</a:t>
+            </a:fld>
+            <a:endParaRPr lang="en-US"/>
+          </a:p>
+        </p:txBody>
+      </p:sp>
+    </p:spTree>
+    <p:extLst>
+      <p:ext uri="{BB962C8B-B14F-4D97-AF65-F5344CB8AC3E}">
+        <p14:creationId xmlns:p14="http://schemas.microsoft.com/office/powerpoint/2010/main" val="1802075913"/>
+      </p:ext>
+    </p:extLst>
+  </p:cSld>
+  <p:clrMapOvr>
+    <a:masterClrMapping/>
+  </p:clrMapOvr>
+</p:notes>
+</file>
+
+<file path=ppt/notesSlides/notesSlide2.xml><?xml version="1.0" encoding="utf-8"?>
+<p:notes xmlns:a="http://schemas.openxmlformats.org/drawingml/2006/main" xmlns:r="http://schemas.openxmlformats.org/officeDocument/2006/relationships" xmlns:p="http://schemas.openxmlformats.org/presentationml/2006/main">
+  <p:cSld>
+    <p:spTree>
+      <p:nvGrpSpPr>
+        <p:cNvPr id="1" name=""/>
+        <p:cNvGrpSpPr/>
+        <p:nvPr/>
+      </p:nvGrpSpPr>
+      <p:grpSpPr>
+        <a:xfrm>
+          <a:off x="0" y="0"/>
+          <a:ext cx="0" cy="0"/>
+          <a:chOff x="0" y="0"/>
+          <a:chExt cx="0" cy="0"/>
+        </a:xfrm>
+      </p:grpSpPr>
+      <p:sp>
+        <p:nvSpPr>
+          <p:cNvPr id="2" name="Slide Image Placeholder 1"/>
+          <p:cNvSpPr>
+            <a:spLocks noGrp="1" noRot="1" noChangeAspect="1"/>
+          </p:cNvSpPr>
+          <p:nvPr>
+            <p:ph type="sldImg"/>
+          </p:nvPr>
+        </p:nvSpPr>
+        <p:spPr/>
+      </p:sp>
+      <p:sp>
+        <p:nvSpPr>
+          <p:cNvPr id="3" name="Notes Placeholder 2"/>
+          <p:cNvSpPr>
+            <a:spLocks noGrp="1"/>
+          </p:cNvSpPr>
+          <p:nvPr>
+            <p:ph type="body" idx="1"/>
+          </p:nvPr>
+        </p:nvSpPr>
+        <p:spPr/>
+        <p:txBody>
+          <a:bodyPr/>
+          <a:lstStyle/>
+          <a:p>
+            <a:r>
+              <a:rPr lang="en-US" dirty="0" smtClean="0"/>
+              <a:t>The overriding premise</a:t>
+            </a:r>
+            <a:r>
+              <a:rPr lang="en-US" baseline="0" dirty="0" smtClean="0"/>
+              <a:t> motivating my project is the fact that increasing – or not decreasing – GHG emissions are a significant driver of continued and worsening climate change. While technology works to develop new techniques to decrease overall emissions in the future and capture what’s already out there, the goal of this analysis is to predict which facilities are likely to be heavy emitters, based on their industry, size, location, etc. with the intention of focusing regulatory action on those emerging heavy emitters. </a:t>
+            </a:r>
+            <a:endParaRPr lang="en-US" dirty="0"/>
+          </a:p>
+        </p:txBody>
+      </p:sp>
+      <p:sp>
+        <p:nvSpPr>
+          <p:cNvPr id="4" name="Slide Number Placeholder 3"/>
+          <p:cNvSpPr>
+            <a:spLocks noGrp="1"/>
+          </p:cNvSpPr>
+          <p:nvPr>
+            <p:ph type="sldNum" sz="quarter" idx="10"/>
+          </p:nvPr>
+        </p:nvSpPr>
+        <p:spPr/>
+        <p:txBody>
+          <a:bodyPr/>
+          <a:lstStyle/>
+          <a:p>
+            <a:fld id="{72DD419D-9304-874E-8957-B8DC89C884FF}" type="slidenum">
+              <a:rPr lang="en-US" smtClean="0"/>
+              <a:t>2</a:t>
+            </a:fld>
+            <a:endParaRPr lang="en-US"/>
+          </a:p>
+        </p:txBody>
+      </p:sp>
+    </p:spTree>
+    <p:extLst>
+      <p:ext uri="{BB962C8B-B14F-4D97-AF65-F5344CB8AC3E}">
+        <p14:creationId xmlns:p14="http://schemas.microsoft.com/office/powerpoint/2010/main" val="270181792"/>
+      </p:ext>
+    </p:extLst>
+  </p:cSld>
+  <p:clrMapOvr>
+    <a:masterClrMapping/>
+  </p:clrMapOvr>
+</p:notes>
+</file>
+
+<file path=ppt/notesSlides/notesSlide3.xml><?xml version="1.0" encoding="utf-8"?>
+<p:notes xmlns:a="http://schemas.openxmlformats.org/drawingml/2006/main" xmlns:r="http://schemas.openxmlformats.org/officeDocument/2006/relationships" xmlns:p="http://schemas.openxmlformats.org/presentationml/2006/main">
+  <p:cSld>
+    <p:spTree>
+      <p:nvGrpSpPr>
+        <p:cNvPr id="1" name=""/>
+        <p:cNvGrpSpPr/>
+        <p:nvPr/>
+      </p:nvGrpSpPr>
+      <p:grpSpPr>
+        <a:xfrm>
+          <a:off x="0" y="0"/>
+          <a:ext cx="0" cy="0"/>
+          <a:chOff x="0" y="0"/>
+          <a:chExt cx="0" cy="0"/>
+        </a:xfrm>
+      </p:grpSpPr>
+      <p:sp>
+        <p:nvSpPr>
+          <p:cNvPr id="2" name="Slide Image Placeholder 1"/>
+          <p:cNvSpPr>
+            <a:spLocks noGrp="1" noRot="1" noChangeAspect="1"/>
+          </p:cNvSpPr>
+          <p:nvPr>
+            <p:ph type="sldImg"/>
+          </p:nvPr>
+        </p:nvSpPr>
+        <p:spPr/>
+      </p:sp>
+      <p:sp>
+        <p:nvSpPr>
+          <p:cNvPr id="3" name="Notes Placeholder 2"/>
+          <p:cNvSpPr>
+            <a:spLocks noGrp="1"/>
+          </p:cNvSpPr>
+          <p:nvPr>
+            <p:ph type="body" idx="1"/>
+          </p:nvPr>
+        </p:nvSpPr>
+        <p:spPr/>
+        <p:txBody>
+          <a:bodyPr/>
+          <a:lstStyle/>
+          <a:p>
+            <a:r>
+              <a:rPr lang="en-US" dirty="0" smtClean="0"/>
+              <a:t>GHG’s have been in the zeitgeist lately</a:t>
+            </a:r>
+            <a:r>
+              <a:rPr lang="en-US" baseline="0" dirty="0" smtClean="0"/>
+              <a:t> so this is clearly a very deep drive to understand emission levels and what/who the largest contributors. This last article I didn't stumble across until I was putting this </a:t>
+            </a:r>
+            <a:r>
+              <a:rPr lang="en-US" baseline="0" dirty="0" err="1" smtClean="0"/>
+              <a:t>ppt</a:t>
+            </a:r>
+            <a:r>
+              <a:rPr lang="en-US" baseline="0" dirty="0" smtClean="0"/>
+              <a:t> together, and </a:t>
+            </a:r>
+            <a:r>
+              <a:rPr lang="en-US" baseline="0" dirty="0" err="1" smtClean="0"/>
+              <a:t>im</a:t>
+            </a:r>
+            <a:r>
+              <a:rPr lang="en-US" baseline="0" dirty="0" smtClean="0"/>
+              <a:t> not sure I’m quite to AI level yet but this will hopefully be an interesting first look. </a:t>
+            </a:r>
+            <a:endParaRPr lang="en-US" dirty="0"/>
+          </a:p>
+        </p:txBody>
+      </p:sp>
+      <p:sp>
+        <p:nvSpPr>
+          <p:cNvPr id="4" name="Slide Number Placeholder 3"/>
+          <p:cNvSpPr>
+            <a:spLocks noGrp="1"/>
+          </p:cNvSpPr>
+          <p:nvPr>
+            <p:ph type="sldNum" sz="quarter" idx="10"/>
+          </p:nvPr>
+        </p:nvSpPr>
+        <p:spPr/>
+        <p:txBody>
+          <a:bodyPr/>
+          <a:lstStyle/>
+          <a:p>
+            <a:fld id="{72DD419D-9304-874E-8957-B8DC89C884FF}" type="slidenum">
+              <a:rPr lang="en-US" smtClean="0"/>
+              <a:t>3</a:t>
+            </a:fld>
+            <a:endParaRPr lang="en-US"/>
+          </a:p>
+        </p:txBody>
+      </p:sp>
+    </p:spTree>
+    <p:extLst>
+      <p:ext uri="{BB962C8B-B14F-4D97-AF65-F5344CB8AC3E}">
+        <p14:creationId xmlns:p14="http://schemas.microsoft.com/office/powerpoint/2010/main" val="22370975"/>
+      </p:ext>
+    </p:extLst>
+  </p:cSld>
+  <p:clrMapOvr>
+    <a:masterClrMapping/>
+  </p:clrMapOvr>
+</p:notes>
+</file>
+
+<file path=ppt/notesSlides/notesSlide4.xml><?xml version="1.0" encoding="utf-8"?>
+<p:notes xmlns:a="http://schemas.openxmlformats.org/drawingml/2006/main" xmlns:r="http://schemas.openxmlformats.org/officeDocument/2006/relationships" xmlns:p="http://schemas.openxmlformats.org/presentationml/2006/main">
+  <p:cSld>
+    <p:spTree>
+      <p:nvGrpSpPr>
+        <p:cNvPr id="1" name=""/>
+        <p:cNvGrpSpPr/>
+        <p:nvPr/>
+      </p:nvGrpSpPr>
+      <p:grpSpPr>
+        <a:xfrm>
+          <a:off x="0" y="0"/>
+          <a:ext cx="0" cy="0"/>
+          <a:chOff x="0" y="0"/>
+          <a:chExt cx="0" cy="0"/>
+        </a:xfrm>
+      </p:grpSpPr>
+      <p:sp>
+        <p:nvSpPr>
+          <p:cNvPr id="2" name="Slide Image Placeholder 1"/>
+          <p:cNvSpPr>
+            <a:spLocks noGrp="1" noRot="1" noChangeAspect="1"/>
+          </p:cNvSpPr>
+          <p:nvPr>
+            <p:ph type="sldImg"/>
+          </p:nvPr>
+        </p:nvSpPr>
+        <p:spPr/>
+      </p:sp>
+      <p:sp>
+        <p:nvSpPr>
+          <p:cNvPr id="3" name="Notes Placeholder 2"/>
+          <p:cNvSpPr>
+            <a:spLocks noGrp="1"/>
+          </p:cNvSpPr>
+          <p:nvPr>
+            <p:ph type="body" idx="1"/>
+          </p:nvPr>
+        </p:nvSpPr>
+        <p:spPr/>
+        <p:txBody>
+          <a:bodyPr/>
+          <a:lstStyle/>
+          <a:p>
+            <a:r>
+              <a:rPr lang="en-US" dirty="0" smtClean="0"/>
+              <a:t>So moving onto</a:t>
+            </a:r>
+            <a:r>
+              <a:rPr lang="en-US" baseline="0" dirty="0" smtClean="0"/>
+              <a:t> the data sets I used, the first was a detailed look GHG emitters organized by facility and unit/fuel type – good for grouping of categorical variables down the line. And as this talk continues the total GHG </a:t>
+            </a:r>
+            <a:r>
+              <a:rPr lang="en-US" baseline="0" dirty="0" err="1" smtClean="0"/>
+              <a:t>im</a:t>
+            </a:r>
+            <a:r>
+              <a:rPr lang="en-US" baseline="0" dirty="0" smtClean="0"/>
+              <a:t> referring to is the sum of CO2, methane, nitrous oxide, and biogenic CO2 emitted by a unit at these facilities. </a:t>
+            </a:r>
+            <a:endParaRPr lang="en-US" dirty="0"/>
+          </a:p>
+        </p:txBody>
+      </p:sp>
+      <p:sp>
+        <p:nvSpPr>
+          <p:cNvPr id="4" name="Slide Number Placeholder 3"/>
+          <p:cNvSpPr>
+            <a:spLocks noGrp="1"/>
+          </p:cNvSpPr>
+          <p:nvPr>
+            <p:ph type="sldNum" sz="quarter" idx="10"/>
+          </p:nvPr>
+        </p:nvSpPr>
+        <p:spPr/>
+        <p:txBody>
+          <a:bodyPr/>
+          <a:lstStyle/>
+          <a:p>
+            <a:fld id="{72DD419D-9304-874E-8957-B8DC89C884FF}" type="slidenum">
+              <a:rPr lang="en-US" smtClean="0"/>
+              <a:t>5</a:t>
+            </a:fld>
+            <a:endParaRPr lang="en-US"/>
+          </a:p>
+        </p:txBody>
+      </p:sp>
+    </p:spTree>
+    <p:extLst>
+      <p:ext uri="{BB962C8B-B14F-4D97-AF65-F5344CB8AC3E}">
+        <p14:creationId xmlns:p14="http://schemas.microsoft.com/office/powerpoint/2010/main" val="1015020853"/>
+      </p:ext>
+    </p:extLst>
+  </p:cSld>
+  <p:clrMapOvr>
+    <a:masterClrMapping/>
+  </p:clrMapOvr>
+</p:notes>
+</file>
+
+<file path=ppt/notesSlides/notesSlide5.xml><?xml version="1.0" encoding="utf-8"?>
+<p:notes xmlns:a="http://schemas.openxmlformats.org/drawingml/2006/main" xmlns:r="http://schemas.openxmlformats.org/officeDocument/2006/relationships" xmlns:p="http://schemas.openxmlformats.org/presentationml/2006/main">
+  <p:cSld>
+    <p:spTree>
+      <p:nvGrpSpPr>
+        <p:cNvPr id="1" name=""/>
+        <p:cNvGrpSpPr/>
+        <p:nvPr/>
+      </p:nvGrpSpPr>
+      <p:grpSpPr>
+        <a:xfrm>
+          <a:off x="0" y="0"/>
+          <a:ext cx="0" cy="0"/>
+          <a:chOff x="0" y="0"/>
+          <a:chExt cx="0" cy="0"/>
+        </a:xfrm>
+      </p:grpSpPr>
+      <p:sp>
+        <p:nvSpPr>
+          <p:cNvPr id="2" name="Slide Image Placeholder 1"/>
+          <p:cNvSpPr>
+            <a:spLocks noGrp="1" noRot="1" noChangeAspect="1"/>
+          </p:cNvSpPr>
+          <p:nvPr>
+            <p:ph type="sldImg"/>
+          </p:nvPr>
+        </p:nvSpPr>
+        <p:spPr/>
+      </p:sp>
+      <p:sp>
+        <p:nvSpPr>
+          <p:cNvPr id="3" name="Notes Placeholder 2"/>
+          <p:cNvSpPr>
+            <a:spLocks noGrp="1"/>
+          </p:cNvSpPr>
+          <p:nvPr>
+            <p:ph type="body" idx="1"/>
+          </p:nvPr>
+        </p:nvSpPr>
+        <p:spPr/>
+        <p:txBody>
+          <a:bodyPr/>
+          <a:lstStyle/>
+          <a:p>
+            <a:r>
+              <a:rPr lang="en-US" dirty="0" smtClean="0"/>
+              <a:t>The next data set linked each facility to its</a:t>
+            </a:r>
+            <a:r>
+              <a:rPr lang="en-US" baseline="0" dirty="0" smtClean="0"/>
+              <a:t> parent company</a:t>
+            </a:r>
+            <a:endParaRPr lang="en-US" dirty="0"/>
+          </a:p>
+        </p:txBody>
+      </p:sp>
+      <p:sp>
+        <p:nvSpPr>
+          <p:cNvPr id="4" name="Slide Number Placeholder 3"/>
+          <p:cNvSpPr>
+            <a:spLocks noGrp="1"/>
+          </p:cNvSpPr>
+          <p:nvPr>
+            <p:ph type="sldNum" sz="quarter" idx="10"/>
+          </p:nvPr>
+        </p:nvSpPr>
+        <p:spPr/>
+        <p:txBody>
+          <a:bodyPr/>
+          <a:lstStyle/>
+          <a:p>
+            <a:fld id="{72DD419D-9304-874E-8957-B8DC89C884FF}" type="slidenum">
+              <a:rPr lang="en-US" smtClean="0"/>
+              <a:t>6</a:t>
+            </a:fld>
+            <a:endParaRPr lang="en-US"/>
+          </a:p>
+        </p:txBody>
+      </p:sp>
+    </p:spTree>
+    <p:extLst>
+      <p:ext uri="{BB962C8B-B14F-4D97-AF65-F5344CB8AC3E}">
+        <p14:creationId xmlns:p14="http://schemas.microsoft.com/office/powerpoint/2010/main" val="1181190674"/>
+      </p:ext>
+    </p:extLst>
+  </p:cSld>
+  <p:clrMapOvr>
+    <a:masterClrMapping/>
+  </p:clrMapOvr>
+</p:notes>
+</file>
+
+<file path=ppt/notesSlides/notesSlide6.xml><?xml version="1.0" encoding="utf-8"?>
+<p:notes xmlns:a="http://schemas.openxmlformats.org/drawingml/2006/main" xmlns:r="http://schemas.openxmlformats.org/officeDocument/2006/relationships" xmlns:p="http://schemas.openxmlformats.org/presentationml/2006/main">
+  <p:cSld>
+    <p:spTree>
+      <p:nvGrpSpPr>
+        <p:cNvPr id="1" name=""/>
+        <p:cNvGrpSpPr/>
+        <p:nvPr/>
+      </p:nvGrpSpPr>
+      <p:grpSpPr>
+        <a:xfrm>
+          <a:off x="0" y="0"/>
+          <a:ext cx="0" cy="0"/>
+          <a:chOff x="0" y="0"/>
+          <a:chExt cx="0" cy="0"/>
+        </a:xfrm>
+      </p:grpSpPr>
+      <p:sp>
+        <p:nvSpPr>
+          <p:cNvPr id="2" name="Slide Image Placeholder 1"/>
+          <p:cNvSpPr>
+            <a:spLocks noGrp="1" noRot="1" noChangeAspect="1"/>
+          </p:cNvSpPr>
+          <p:nvPr>
+            <p:ph type="sldImg"/>
+          </p:nvPr>
+        </p:nvSpPr>
+        <p:spPr/>
+      </p:sp>
+      <p:sp>
+        <p:nvSpPr>
+          <p:cNvPr id="3" name="Notes Placeholder 2"/>
+          <p:cNvSpPr>
+            <a:spLocks noGrp="1"/>
+          </p:cNvSpPr>
+          <p:nvPr>
+            <p:ph type="body" idx="1"/>
+          </p:nvPr>
+        </p:nvSpPr>
+        <p:spPr/>
+        <p:txBody>
+          <a:bodyPr/>
+          <a:lstStyle/>
+          <a:p>
+            <a:r>
+              <a:rPr lang="en-US" dirty="0" smtClean="0"/>
+              <a:t>Which allowed me</a:t>
+            </a:r>
+            <a:r>
+              <a:rPr lang="en-US" baseline="0" dirty="0" smtClean="0"/>
+              <a:t> to build a web scraping pipeline to extract financial information – like revenue, operating income, assets, and number of employees – for each parent company of a GHG emitting facility. To make the dataset more manageable I limited the data to only those facilities that are owned by the top 100 parent companies – defined by the number of facilities under their control. This brought the dataset from a size of &gt;20,000 entries to around 5,000, so still a very thorough dataset.</a:t>
+            </a:r>
+            <a:endParaRPr lang="en-US" dirty="0"/>
+          </a:p>
+        </p:txBody>
+      </p:sp>
+      <p:sp>
+        <p:nvSpPr>
+          <p:cNvPr id="4" name="Slide Number Placeholder 3"/>
+          <p:cNvSpPr>
+            <a:spLocks noGrp="1"/>
+          </p:cNvSpPr>
+          <p:nvPr>
+            <p:ph type="sldNum" sz="quarter" idx="10"/>
+          </p:nvPr>
+        </p:nvSpPr>
+        <p:spPr/>
+        <p:txBody>
+          <a:bodyPr/>
+          <a:lstStyle/>
+          <a:p>
+            <a:fld id="{72DD419D-9304-874E-8957-B8DC89C884FF}" type="slidenum">
+              <a:rPr lang="en-US" smtClean="0"/>
+              <a:t>7</a:t>
+            </a:fld>
+            <a:endParaRPr lang="en-US"/>
+          </a:p>
+        </p:txBody>
+      </p:sp>
+    </p:spTree>
+    <p:extLst>
+      <p:ext uri="{BB962C8B-B14F-4D97-AF65-F5344CB8AC3E}">
+        <p14:creationId xmlns:p14="http://schemas.microsoft.com/office/powerpoint/2010/main" val="1716925278"/>
+      </p:ext>
+    </p:extLst>
+  </p:cSld>
+  <p:clrMapOvr>
+    <a:masterClrMapping/>
+  </p:clrMapOvr>
+</p:notes>
+</file>
+
+<file path=ppt/notesSlides/notesSlide7.xml><?xml version="1.0" encoding="utf-8"?>
+<p:notes xmlns:a="http://schemas.openxmlformats.org/drawingml/2006/main" xmlns:r="http://schemas.openxmlformats.org/officeDocument/2006/relationships" xmlns:p="http://schemas.openxmlformats.org/presentationml/2006/main">
+  <p:cSld>
+    <p:spTree>
+      <p:nvGrpSpPr>
+        <p:cNvPr id="1" name=""/>
+        <p:cNvGrpSpPr/>
+        <p:nvPr/>
+      </p:nvGrpSpPr>
+      <p:grpSpPr>
+        <a:xfrm>
+          <a:off x="0" y="0"/>
+          <a:ext cx="0" cy="0"/>
+          <a:chOff x="0" y="0"/>
+          <a:chExt cx="0" cy="0"/>
+        </a:xfrm>
+      </p:grpSpPr>
+      <p:sp>
+        <p:nvSpPr>
+          <p:cNvPr id="2" name="Slide Image Placeholder 1"/>
+          <p:cNvSpPr>
+            <a:spLocks noGrp="1" noRot="1" noChangeAspect="1"/>
+          </p:cNvSpPr>
+          <p:nvPr>
+            <p:ph type="sldImg"/>
+          </p:nvPr>
+        </p:nvSpPr>
+        <p:spPr/>
+      </p:sp>
+      <p:sp>
+        <p:nvSpPr>
+          <p:cNvPr id="3" name="Notes Placeholder 2"/>
+          <p:cNvSpPr>
+            <a:spLocks noGrp="1"/>
+          </p:cNvSpPr>
+          <p:nvPr>
+            <p:ph type="body" idx="1"/>
+          </p:nvPr>
+        </p:nvSpPr>
+        <p:spPr/>
+        <p:txBody>
+          <a:bodyPr/>
+          <a:lstStyle/>
+          <a:p>
+            <a:r>
+              <a:rPr lang="en-US" dirty="0" smtClean="0"/>
+              <a:t>And the final data</a:t>
+            </a:r>
+            <a:r>
+              <a:rPr lang="en-US" baseline="0" dirty="0" smtClean="0"/>
+              <a:t> set I extracted, also via web scraping, was the election swing from every election since 2000. The purpose of this is to map onto the state of the facilities, with the idea being that states that swing more democratic are likely to have more restrictive emission regulations. So each state will be mapped to its average swing toward the democratic party, taking a 50 category variable and turning it into a continuous numeric value for modeling. </a:t>
+            </a:r>
+          </a:p>
+        </p:txBody>
+      </p:sp>
+      <p:sp>
+        <p:nvSpPr>
+          <p:cNvPr id="4" name="Slide Number Placeholder 3"/>
+          <p:cNvSpPr>
+            <a:spLocks noGrp="1"/>
+          </p:cNvSpPr>
+          <p:nvPr>
+            <p:ph type="sldNum" sz="quarter" idx="10"/>
+          </p:nvPr>
+        </p:nvSpPr>
+        <p:spPr/>
+        <p:txBody>
+          <a:bodyPr/>
+          <a:lstStyle/>
+          <a:p>
+            <a:fld id="{72DD419D-9304-874E-8957-B8DC89C884FF}" type="slidenum">
+              <a:rPr lang="en-US" smtClean="0"/>
+              <a:t>8</a:t>
+            </a:fld>
+            <a:endParaRPr lang="en-US"/>
+          </a:p>
+        </p:txBody>
+      </p:sp>
+    </p:spTree>
+    <p:extLst>
+      <p:ext uri="{BB962C8B-B14F-4D97-AF65-F5344CB8AC3E}">
+        <p14:creationId xmlns:p14="http://schemas.microsoft.com/office/powerpoint/2010/main" val="1807672543"/>
+      </p:ext>
+    </p:extLst>
+  </p:cSld>
+  <p:clrMapOvr>
+    <a:masterClrMapping/>
+  </p:clrMapOvr>
+</p:notes>
+</file>
+
+<file path=ppt/notesSlides/notesSlide8.xml><?xml version="1.0" encoding="utf-8"?>
+<p:notes xmlns:a="http://schemas.openxmlformats.org/drawingml/2006/main" xmlns:r="http://schemas.openxmlformats.org/officeDocument/2006/relationships" xmlns:p="http://schemas.openxmlformats.org/presentationml/2006/main">
+  <p:cSld>
+    <p:spTree>
+      <p:nvGrpSpPr>
+        <p:cNvPr id="1" name=""/>
+        <p:cNvGrpSpPr/>
+        <p:nvPr/>
+      </p:nvGrpSpPr>
+      <p:grpSpPr>
+        <a:xfrm>
+          <a:off x="0" y="0"/>
+          <a:ext cx="0" cy="0"/>
+          <a:chOff x="0" y="0"/>
+          <a:chExt cx="0" cy="0"/>
+        </a:xfrm>
+      </p:grpSpPr>
+      <p:sp>
+        <p:nvSpPr>
+          <p:cNvPr id="2" name="Slide Image Placeholder 1"/>
+          <p:cNvSpPr>
+            <a:spLocks noGrp="1" noRot="1" noChangeAspect="1"/>
+          </p:cNvSpPr>
+          <p:nvPr>
+            <p:ph type="sldImg"/>
+          </p:nvPr>
+        </p:nvSpPr>
+        <p:spPr/>
+      </p:sp>
+      <p:sp>
+        <p:nvSpPr>
+          <p:cNvPr id="3" name="Notes Placeholder 2"/>
+          <p:cNvSpPr>
+            <a:spLocks noGrp="1"/>
+          </p:cNvSpPr>
+          <p:nvPr>
+            <p:ph type="body" idx="1"/>
+          </p:nvPr>
+        </p:nvSpPr>
+        <p:spPr/>
+        <p:txBody>
+          <a:bodyPr/>
+          <a:lstStyle/>
+          <a:p>
+            <a:r>
+              <a:rPr lang="en-US" dirty="0" smtClean="0"/>
+              <a:t>So</a:t>
+            </a:r>
+            <a:r>
+              <a:rPr lang="en-US" baseline="0" dirty="0" smtClean="0"/>
+              <a:t> this is the final dataset, with </a:t>
+            </a:r>
+            <a:r>
+              <a:rPr lang="en-US" baseline="0" dirty="0" err="1" smtClean="0"/>
+              <a:t>GHG_total</a:t>
+            </a:r>
+            <a:r>
+              <a:rPr lang="en-US" baseline="0" dirty="0" smtClean="0"/>
+              <a:t> being the target of the analysis, 3 categorical variables culled down to distinct groups from very large variety categorical feature.</a:t>
+            </a:r>
+            <a:endParaRPr lang="en-US" dirty="0"/>
+          </a:p>
+        </p:txBody>
+      </p:sp>
+      <p:sp>
+        <p:nvSpPr>
+          <p:cNvPr id="4" name="Slide Number Placeholder 3"/>
+          <p:cNvSpPr>
+            <a:spLocks noGrp="1"/>
+          </p:cNvSpPr>
+          <p:nvPr>
+            <p:ph type="sldNum" sz="quarter" idx="10"/>
+          </p:nvPr>
+        </p:nvSpPr>
+        <p:spPr/>
+        <p:txBody>
+          <a:bodyPr/>
+          <a:lstStyle/>
+          <a:p>
+            <a:fld id="{72DD419D-9304-874E-8957-B8DC89C884FF}" type="slidenum">
+              <a:rPr lang="en-US" smtClean="0"/>
+              <a:t>9</a:t>
+            </a:fld>
+            <a:endParaRPr lang="en-US"/>
+          </a:p>
+        </p:txBody>
+      </p:sp>
+    </p:spTree>
+    <p:extLst>
+      <p:ext uri="{BB962C8B-B14F-4D97-AF65-F5344CB8AC3E}">
+        <p14:creationId xmlns:p14="http://schemas.microsoft.com/office/powerpoint/2010/main" val="2076532193"/>
+      </p:ext>
+    </p:extLst>
+  </p:cSld>
+  <p:clrMapOvr>
+    <a:masterClrMapping/>
+  </p:clrMapOvr>
+</p:notes>
+</file>
+
+<file path=ppt/notesSlides/notesSlide9.xml><?xml version="1.0" encoding="utf-8"?>
+<p:notes xmlns:a="http://schemas.openxmlformats.org/drawingml/2006/main" xmlns:r="http://schemas.openxmlformats.org/officeDocument/2006/relationships" xmlns:p="http://schemas.openxmlformats.org/presentationml/2006/main">
+  <p:cSld>
+    <p:spTree>
+      <p:nvGrpSpPr>
+        <p:cNvPr id="1" name=""/>
+        <p:cNvGrpSpPr/>
+        <p:nvPr/>
+      </p:nvGrpSpPr>
+      <p:grpSpPr>
+        <a:xfrm>
+          <a:off x="0" y="0"/>
+          <a:ext cx="0" cy="0"/>
+          <a:chOff x="0" y="0"/>
+          <a:chExt cx="0" cy="0"/>
+        </a:xfrm>
+      </p:grpSpPr>
+      <p:sp>
+        <p:nvSpPr>
+          <p:cNvPr id="2" name="Slide Image Placeholder 1"/>
+          <p:cNvSpPr>
+            <a:spLocks noGrp="1" noRot="1" noChangeAspect="1"/>
+          </p:cNvSpPr>
+          <p:nvPr>
+            <p:ph type="sldImg"/>
+          </p:nvPr>
+        </p:nvSpPr>
+        <p:spPr/>
+      </p:sp>
+      <p:sp>
+        <p:nvSpPr>
+          <p:cNvPr id="3" name="Notes Placeholder 2"/>
+          <p:cNvSpPr>
+            <a:spLocks noGrp="1"/>
+          </p:cNvSpPr>
+          <p:nvPr>
+            <p:ph type="body" idx="1"/>
+          </p:nvPr>
+        </p:nvSpPr>
+        <p:spPr/>
+        <p:txBody>
+          <a:bodyPr/>
+          <a:lstStyle/>
+          <a:p>
+            <a:r>
+              <a:rPr lang="en-US" dirty="0" smtClean="0"/>
+              <a:t>So to get into modeling, after</a:t>
+            </a:r>
+            <a:r>
+              <a:rPr lang="en-US" baseline="0" dirty="0" smtClean="0"/>
+              <a:t> making dummy variables I was left with about a 30 feature model, and a baseline model with an r2 of .209 and we some clearly non-normal behavior in the residuals. Also from the correlation matrix we see strong correlations between all of the company financial values so that tells us we’re going to have to drop some of those to deal with multicollinearity. Interestingly, when I ran the models with only categorical or numerical values the categorical variables actually had a better r2 value. </a:t>
+            </a:r>
+            <a:endParaRPr lang="en-US" dirty="0"/>
+          </a:p>
+        </p:txBody>
+      </p:sp>
+      <p:sp>
+        <p:nvSpPr>
+          <p:cNvPr id="4" name="Slide Number Placeholder 3"/>
+          <p:cNvSpPr>
+            <a:spLocks noGrp="1"/>
+          </p:cNvSpPr>
+          <p:nvPr>
+            <p:ph type="sldNum" sz="quarter" idx="10"/>
+          </p:nvPr>
+        </p:nvSpPr>
+        <p:spPr/>
+        <p:txBody>
+          <a:bodyPr/>
+          <a:lstStyle/>
+          <a:p>
+            <a:fld id="{72DD419D-9304-874E-8957-B8DC89C884FF}" type="slidenum">
+              <a:rPr lang="en-US" smtClean="0"/>
+              <a:t>10</a:t>
+            </a:fld>
+            <a:endParaRPr lang="en-US"/>
+          </a:p>
+        </p:txBody>
+      </p:sp>
+    </p:spTree>
+    <p:extLst>
+      <p:ext uri="{BB962C8B-B14F-4D97-AF65-F5344CB8AC3E}">
+        <p14:creationId xmlns:p14="http://schemas.microsoft.com/office/powerpoint/2010/main" val="838122998"/>
+      </p:ext>
+    </p:extLst>
+  </p:cSld>
+  <p:clrMapOvr>
+    <a:masterClrMapping/>
+  </p:clrMapOvr>
+</p:notes>
+</file>
+
 <file path=ppt/slideLayouts/slideLayout1.xml><?xml version="1.0" encoding="utf-8"?>
 <p:sldLayout xmlns:a="http://schemas.openxmlformats.org/drawingml/2006/main" xmlns:r="http://schemas.openxmlformats.org/officeDocument/2006/relationships" xmlns:p="http://schemas.openxmlformats.org/presentationml/2006/main" showMasterSp="0" type="title" preserve="1">
   <p:cSld name="Title Slide">
@@ -847,7 +2008,7 @@
           <a:p>
             <a:fld id="{1D4CD3F6-D90B-BC43-8B55-94F98B0F7797}" type="datetimeFigureOut">
               <a:rPr lang="en-US" smtClean="0"/>
-              <a:t>9/14/21</a:t>
+              <a:t>1/17/22</a:t>
             </a:fld>
             <a:endParaRPr lang="en-US"/>
           </a:p>
@@ -1089,7 +2250,7 @@
           <a:p>
             <a:fld id="{1D4CD3F6-D90B-BC43-8B55-94F98B0F7797}" type="datetimeFigureOut">
               <a:rPr lang="en-US" smtClean="0"/>
-              <a:t>9/14/21</a:t>
+              <a:t>1/17/22</a:t>
             </a:fld>
             <a:endParaRPr lang="en-US"/>
           </a:p>
@@ -1470,7 +2631,7 @@
           <a:p>
             <a:fld id="{1D4CD3F6-D90B-BC43-8B55-94F98B0F7797}" type="datetimeFigureOut">
               <a:rPr lang="en-US" smtClean="0"/>
-              <a:t>9/14/21</a:t>
+              <a:t>1/17/22</a:t>
             </a:fld>
             <a:endParaRPr lang="en-US"/>
           </a:p>
@@ -1691,7 +2852,7 @@
           <a:p>
             <a:fld id="{1D4CD3F6-D90B-BC43-8B55-94F98B0F7797}" type="datetimeFigureOut">
               <a:rPr lang="en-US" smtClean="0"/>
-              <a:t>9/14/21</a:t>
+              <a:t>1/17/22</a:t>
             </a:fld>
             <a:endParaRPr lang="en-US"/>
           </a:p>
@@ -2165,7 +3326,7 @@
           <a:p>
             <a:fld id="{1D4CD3F6-D90B-BC43-8B55-94F98B0F7797}" type="datetimeFigureOut">
               <a:rPr lang="en-US" smtClean="0"/>
-              <a:t>9/14/21</a:t>
+              <a:t>1/17/22</a:t>
             </a:fld>
             <a:endParaRPr lang="en-US"/>
           </a:p>
@@ -2464,7 +3625,7 @@
           <a:p>
             <a:fld id="{1D4CD3F6-D90B-BC43-8B55-94F98B0F7797}" type="datetimeFigureOut">
               <a:rPr lang="en-US" smtClean="0"/>
-              <a:t>9/14/21</a:t>
+              <a:t>1/17/22</a:t>
             </a:fld>
             <a:endParaRPr lang="en-US"/>
           </a:p>
@@ -2850,7 +4011,7 @@
           <a:p>
             <a:fld id="{1D4CD3F6-D90B-BC43-8B55-94F98B0F7797}" type="datetimeFigureOut">
               <a:rPr lang="en-US" smtClean="0"/>
-              <a:t>9/14/21</a:t>
+              <a:t>1/17/22</a:t>
             </a:fld>
             <a:endParaRPr lang="en-US"/>
           </a:p>
@@ -2963,7 +4124,7 @@
           <a:p>
             <a:fld id="{1D4CD3F6-D90B-BC43-8B55-94F98B0F7797}" type="datetimeFigureOut">
               <a:rPr lang="en-US" smtClean="0"/>
-              <a:t>9/14/21</a:t>
+              <a:t>1/17/22</a:t>
             </a:fld>
             <a:endParaRPr lang="en-US"/>
           </a:p>
@@ -3053,7 +4214,7 @@
           <a:p>
             <a:fld id="{1D4CD3F6-D90B-BC43-8B55-94F98B0F7797}" type="datetimeFigureOut">
               <a:rPr lang="en-US" smtClean="0"/>
-              <a:t>9/14/21</a:t>
+              <a:t>1/17/22</a:t>
             </a:fld>
             <a:endParaRPr lang="en-US"/>
           </a:p>
@@ -3348,7 +4509,7 @@
           <a:p>
             <a:fld id="{1D4CD3F6-D90B-BC43-8B55-94F98B0F7797}" type="datetimeFigureOut">
               <a:rPr lang="en-US" smtClean="0"/>
-              <a:t>9/14/21</a:t>
+              <a:t>1/17/22</a:t>
             </a:fld>
             <a:endParaRPr lang="en-US"/>
           </a:p>
@@ -3608,7 +4769,7 @@
           <a:p>
             <a:fld id="{1D4CD3F6-D90B-BC43-8B55-94F98B0F7797}" type="datetimeFigureOut">
               <a:rPr lang="en-US" smtClean="0"/>
-              <a:t>9/14/21</a:t>
+              <a:t>1/17/22</a:t>
             </a:fld>
             <a:endParaRPr lang="en-US"/>
           </a:p>
@@ -4015,7 +5176,7 @@
           <a:p>
             <a:fld id="{1D4CD3F6-D90B-BC43-8B55-94F98B0F7797}" type="datetimeFigureOut">
               <a:rPr lang="en-US" smtClean="0"/>
-              <a:t>9/14/21</a:t>
+              <a:t>1/17/22</a:t>
             </a:fld>
             <a:endParaRPr lang="en-US"/>
           </a:p>
@@ -4548,17 +5709,86 @@
         </p:nvSpPr>
         <p:spPr/>
         <p:txBody>
-          <a:bodyPr/>
+          <a:bodyPr>
+            <a:normAutofit lnSpcReduction="10000"/>
+          </a:bodyPr>
           <a:lstStyle/>
           <a:p>
             <a:r>
+              <a:rPr lang="en-US" smtClean="0"/>
+              <a:t>Presented by </a:t>
+            </a:r>
+            <a:r>
               <a:rPr lang="en-US" dirty="0" smtClean="0"/>
-              <a:t>By Samuel Robbins</a:t>
-            </a:r>
-            <a:endParaRPr lang="en-US" dirty="0"/>
-          </a:p>
-        </p:txBody>
-      </p:sp>
+              <a:t>Samuel </a:t>
+            </a:r>
+            <a:r>
+              <a:rPr lang="en-US" dirty="0" smtClean="0"/>
+              <a:t>Robbins</a:t>
+            </a:r>
+          </a:p>
+          <a:p>
+            <a:r>
+              <a:rPr lang="en-US" sz="1700" dirty="0" smtClean="0">
+                <a:solidFill>
+                  <a:schemeClr val="tx2">
+                    <a:lumMod val="75000"/>
+                  </a:schemeClr>
+                </a:solidFill>
+              </a:rPr>
+              <a:t>METIS | September 2021</a:t>
+            </a:r>
+            <a:endParaRPr lang="en-US" sz="1700" dirty="0">
+              <a:solidFill>
+                <a:schemeClr val="tx2">
+                  <a:lumMod val="75000"/>
+                </a:schemeClr>
+              </a:solidFill>
+            </a:endParaRPr>
+          </a:p>
+        </p:txBody>
+      </p:sp>
+      <p:pic>
+        <p:nvPicPr>
+          <p:cNvPr id="1026" name="Picture 2" descr="copes of GHG Emissions - Industry Tap"/>
+          <p:cNvPicPr>
+            <a:picLocks noChangeAspect="1" noChangeArrowheads="1"/>
+          </p:cNvPicPr>
+          <p:nvPr/>
+        </p:nvPicPr>
+        <p:blipFill>
+          <a:blip r:embed="rId3">
+            <a:extLst>
+              <a:ext uri="{28A0092B-C50C-407E-A947-70E740481C1C}">
+                <a14:useLocalDpi xmlns:a14="http://schemas.microsoft.com/office/drawing/2010/main" val="0"/>
+              </a:ext>
+            </a:extLst>
+          </a:blip>
+          <a:srcRect/>
+          <a:stretch>
+            <a:fillRect/>
+          </a:stretch>
+        </p:blipFill>
+        <p:spPr bwMode="auto">
+          <a:xfrm>
+            <a:off x="6139542" y="3713855"/>
+            <a:ext cx="5698671" cy="2829820"/>
+          </a:xfrm>
+          <a:prstGeom prst="rect">
+            <a:avLst/>
+          </a:prstGeom>
+          <a:noFill/>
+          <a:extLst>
+            <a:ext uri="{909E8E84-426E-40DD-AFC4-6F175D3DCCD1}">
+              <a14:hiddenFill xmlns:a14="http://schemas.microsoft.com/office/drawing/2010/main">
+                <a:solidFill>
+                  <a:srgbClr val="FFFFFF"/>
+                </a:solidFill>
+              </a14:hiddenFill>
+            </a:ext>
+          </a:extLst>
+        </p:spPr>
+      </p:pic>
     </p:spTree>
     <p:extLst>
       <p:ext uri="{BB962C8B-B14F-4D97-AF65-F5344CB8AC3E}">
@@ -4580,6 +5810,672 @@
 </file>
 
 <file path=ppt/slides/slide10.xml><?xml version="1.0" encoding="utf-8"?>
+<p:sld xmlns:a="http://schemas.openxmlformats.org/drawingml/2006/main" xmlns:r="http://schemas.openxmlformats.org/officeDocument/2006/relationships" xmlns:p="http://schemas.openxmlformats.org/presentationml/2006/main">
+  <p:cSld>
+    <p:spTree>
+      <p:nvGrpSpPr>
+        <p:cNvPr id="1" name=""/>
+        <p:cNvGrpSpPr/>
+        <p:nvPr/>
+      </p:nvGrpSpPr>
+      <p:grpSpPr>
+        <a:xfrm>
+          <a:off x="0" y="0"/>
+          <a:ext cx="0" cy="0"/>
+          <a:chOff x="0" y="0"/>
+          <a:chExt cx="0" cy="0"/>
+        </a:xfrm>
+      </p:grpSpPr>
+      <p:sp>
+        <p:nvSpPr>
+          <p:cNvPr id="2" name="Title 1"/>
+          <p:cNvSpPr>
+            <a:spLocks noGrp="1"/>
+          </p:cNvSpPr>
+          <p:nvPr>
+            <p:ph type="title"/>
+          </p:nvPr>
+        </p:nvSpPr>
+        <p:spPr>
+          <a:xfrm>
+            <a:off x="276447" y="559676"/>
+            <a:ext cx="4451195" cy="1930605"/>
+          </a:xfrm>
+        </p:spPr>
+        <p:txBody>
+          <a:bodyPr>
+            <a:noAutofit/>
+          </a:bodyPr>
+          <a:lstStyle/>
+          <a:p>
+            <a:r>
+              <a:rPr lang="en-US" sz="4000" dirty="0" smtClean="0"/>
+              <a:t>Modeling and </a:t>
+            </a:r>
+            <a:r>
+              <a:rPr lang="en-US" sz="4000" smtClean="0"/>
+              <a:t>Feature Transformations</a:t>
+            </a:r>
+            <a:endParaRPr lang="en-US" sz="4000" dirty="0"/>
+          </a:p>
+        </p:txBody>
+      </p:sp>
+      <p:pic>
+        <p:nvPicPr>
+          <p:cNvPr id="5" name="Picture 4"/>
+          <p:cNvPicPr>
+            <a:picLocks noChangeAspect="1"/>
+          </p:cNvPicPr>
+          <p:nvPr/>
+        </p:nvPicPr>
+        <p:blipFill>
+          <a:blip r:embed="rId3">
+            <a:extLst>
+              <a:ext uri="{28A0092B-C50C-407E-A947-70E740481C1C}">
+                <a14:useLocalDpi xmlns:a14="http://schemas.microsoft.com/office/drawing/2010/main" val="0"/>
+              </a:ext>
+            </a:extLst>
+          </a:blip>
+          <a:stretch>
+            <a:fillRect/>
+          </a:stretch>
+        </p:blipFill>
+        <p:spPr>
+          <a:xfrm>
+            <a:off x="8888818" y="213826"/>
+            <a:ext cx="2926962" cy="2105304"/>
+          </a:xfrm>
+          <a:prstGeom prst="rect">
+            <a:avLst/>
+          </a:prstGeom>
+        </p:spPr>
+      </p:pic>
+      <p:pic>
+        <p:nvPicPr>
+          <p:cNvPr id="6" name="Picture 5"/>
+          <p:cNvPicPr>
+            <a:picLocks noChangeAspect="1"/>
+          </p:cNvPicPr>
+          <p:nvPr/>
+        </p:nvPicPr>
+        <p:blipFill>
+          <a:blip r:embed="rId4">
+            <a:extLst>
+              <a:ext uri="{28A0092B-C50C-407E-A947-70E740481C1C}">
+                <a14:useLocalDpi xmlns:a14="http://schemas.microsoft.com/office/drawing/2010/main" val="0"/>
+              </a:ext>
+            </a:extLst>
+          </a:blip>
+          <a:stretch>
+            <a:fillRect/>
+          </a:stretch>
+        </p:blipFill>
+        <p:spPr>
+          <a:xfrm>
+            <a:off x="1481874" y="2490281"/>
+            <a:ext cx="9228252" cy="3939113"/>
+          </a:xfrm>
+          <a:prstGeom prst="rect">
+            <a:avLst/>
+          </a:prstGeom>
+        </p:spPr>
+      </p:pic>
+    </p:spTree>
+    <p:extLst>
+      <p:ext uri="{BB962C8B-B14F-4D97-AF65-F5344CB8AC3E}">
+        <p14:creationId xmlns:p14="http://schemas.microsoft.com/office/powerpoint/2010/main" val="2026589745"/>
+      </p:ext>
+    </p:extLst>
+  </p:cSld>
+  <p:clrMapOvr>
+    <a:masterClrMapping/>
+  </p:clrMapOvr>
+  <p:timing>
+    <p:tnLst>
+      <p:par>
+        <p:cTn id="1" dur="indefinite" restart="never" nodeType="tmRoot"/>
+      </p:par>
+    </p:tnLst>
+  </p:timing>
+</p:sld>
+</file>
+
+<file path=ppt/slides/slide11.xml><?xml version="1.0" encoding="utf-8"?>
+<p:sld xmlns:a="http://schemas.openxmlformats.org/drawingml/2006/main" xmlns:r="http://schemas.openxmlformats.org/officeDocument/2006/relationships" xmlns:p="http://schemas.openxmlformats.org/presentationml/2006/main">
+  <p:cSld>
+    <p:spTree>
+      <p:nvGrpSpPr>
+        <p:cNvPr id="1" name=""/>
+        <p:cNvGrpSpPr/>
+        <p:nvPr/>
+      </p:nvGrpSpPr>
+      <p:grpSpPr>
+        <a:xfrm>
+          <a:off x="0" y="0"/>
+          <a:ext cx="0" cy="0"/>
+          <a:chOff x="0" y="0"/>
+          <a:chExt cx="0" cy="0"/>
+        </a:xfrm>
+      </p:grpSpPr>
+      <p:pic>
+        <p:nvPicPr>
+          <p:cNvPr id="9" name="Picture 8"/>
+          <p:cNvPicPr>
+            <a:picLocks noChangeAspect="1"/>
+          </p:cNvPicPr>
+          <p:nvPr/>
+        </p:nvPicPr>
+        <p:blipFill>
+          <a:blip r:embed="rId3">
+            <a:extLst>
+              <a:ext uri="{28A0092B-C50C-407E-A947-70E740481C1C}">
+                <a14:useLocalDpi xmlns:a14="http://schemas.microsoft.com/office/drawing/2010/main" val="0"/>
+              </a:ext>
+            </a:extLst>
+          </a:blip>
+          <a:stretch>
+            <a:fillRect/>
+          </a:stretch>
+        </p:blipFill>
+        <p:spPr>
+          <a:xfrm>
+            <a:off x="546340" y="2890099"/>
+            <a:ext cx="4181302" cy="2794592"/>
+          </a:xfrm>
+          <a:prstGeom prst="rect">
+            <a:avLst/>
+          </a:prstGeom>
+        </p:spPr>
+      </p:pic>
+      <p:pic>
+        <p:nvPicPr>
+          <p:cNvPr id="10" name="Picture 9"/>
+          <p:cNvPicPr>
+            <a:picLocks noChangeAspect="1"/>
+          </p:cNvPicPr>
+          <p:nvPr/>
+        </p:nvPicPr>
+        <p:blipFill>
+          <a:blip r:embed="rId4">
+            <a:extLst>
+              <a:ext uri="{28A0092B-C50C-407E-A947-70E740481C1C}">
+                <a14:useLocalDpi xmlns:a14="http://schemas.microsoft.com/office/drawing/2010/main" val="0"/>
+              </a:ext>
+            </a:extLst>
+          </a:blip>
+          <a:stretch>
+            <a:fillRect/>
+          </a:stretch>
+        </p:blipFill>
+        <p:spPr>
+          <a:xfrm>
+            <a:off x="7448564" y="2795508"/>
+            <a:ext cx="4197096" cy="2798064"/>
+          </a:xfrm>
+          <a:prstGeom prst="rect">
+            <a:avLst/>
+          </a:prstGeom>
+        </p:spPr>
+      </p:pic>
+      <p:sp>
+        <p:nvSpPr>
+          <p:cNvPr id="2" name="Title 1"/>
+          <p:cNvSpPr>
+            <a:spLocks noGrp="1"/>
+          </p:cNvSpPr>
+          <p:nvPr>
+            <p:ph type="title"/>
+          </p:nvPr>
+        </p:nvSpPr>
+        <p:spPr>
+          <a:xfrm>
+            <a:off x="276447" y="559676"/>
+            <a:ext cx="4451195" cy="1930605"/>
+          </a:xfrm>
+        </p:spPr>
+        <p:txBody>
+          <a:bodyPr>
+            <a:noAutofit/>
+          </a:bodyPr>
+          <a:lstStyle/>
+          <a:p>
+            <a:r>
+              <a:rPr lang="en-US" sz="4000" dirty="0" smtClean="0"/>
+              <a:t>Modeling and </a:t>
+            </a:r>
+            <a:r>
+              <a:rPr lang="en-US" sz="4000" smtClean="0"/>
+              <a:t>Feature Transformations</a:t>
+            </a:r>
+            <a:endParaRPr lang="en-US" sz="4000" dirty="0"/>
+          </a:p>
+        </p:txBody>
+      </p:sp>
+      <p:sp>
+        <p:nvSpPr>
+          <p:cNvPr id="11" name="Right Arrow 10"/>
+          <p:cNvSpPr/>
+          <p:nvPr/>
+        </p:nvSpPr>
+        <p:spPr>
+          <a:xfrm>
+            <a:off x="4525117" y="3992521"/>
+            <a:ext cx="3125972" cy="404037"/>
+          </a:xfrm>
+          <a:prstGeom prst="rightArrow">
+            <a:avLst/>
+          </a:prstGeom>
+        </p:spPr>
+        <p:style>
+          <a:lnRef idx="2">
+            <a:schemeClr val="accent1">
+              <a:shade val="50000"/>
+            </a:schemeClr>
+          </a:lnRef>
+          <a:fillRef idx="1">
+            <a:schemeClr val="accent1"/>
+          </a:fillRef>
+          <a:effectRef idx="0">
+            <a:schemeClr val="accent1"/>
+          </a:effectRef>
+          <a:fontRef idx="minor">
+            <a:schemeClr val="lt1"/>
+          </a:fontRef>
+        </p:style>
+        <p:txBody>
+          <a:bodyPr rtlCol="0" anchor="ctr"/>
+          <a:lstStyle/>
+          <a:p>
+            <a:pPr algn="ctr"/>
+            <a:endParaRPr lang="en-US"/>
+          </a:p>
+        </p:txBody>
+      </p:sp>
+      <p:sp>
+        <p:nvSpPr>
+          <p:cNvPr id="12" name="TextBox 11"/>
+          <p:cNvSpPr txBox="1"/>
+          <p:nvPr/>
+        </p:nvSpPr>
+        <p:spPr>
+          <a:xfrm>
+            <a:off x="1686224" y="3276310"/>
+            <a:ext cx="2934586" cy="369332"/>
+          </a:xfrm>
+          <a:prstGeom prst="rect">
+            <a:avLst/>
+          </a:prstGeom>
+          <a:noFill/>
+        </p:spPr>
+        <p:txBody>
+          <a:bodyPr wrap="square" rtlCol="0">
+            <a:spAutoFit/>
+          </a:bodyPr>
+          <a:lstStyle/>
+          <a:p>
+            <a:r>
+              <a:rPr lang="en-US" dirty="0" smtClean="0"/>
+              <a:t>Original Target Distribution</a:t>
+            </a:r>
+            <a:endParaRPr lang="en-US" dirty="0"/>
+          </a:p>
+        </p:txBody>
+      </p:sp>
+      <p:sp>
+        <p:nvSpPr>
+          <p:cNvPr id="13" name="TextBox 12"/>
+          <p:cNvSpPr txBox="1"/>
+          <p:nvPr/>
+        </p:nvSpPr>
+        <p:spPr>
+          <a:xfrm>
+            <a:off x="4892484" y="3739527"/>
+            <a:ext cx="2934586" cy="369332"/>
+          </a:xfrm>
+          <a:prstGeom prst="rect">
+            <a:avLst/>
+          </a:prstGeom>
+          <a:noFill/>
+        </p:spPr>
+        <p:txBody>
+          <a:bodyPr wrap="square" rtlCol="0">
+            <a:spAutoFit/>
+          </a:bodyPr>
+          <a:lstStyle/>
+          <a:p>
+            <a:r>
+              <a:rPr lang="en-US" dirty="0" smtClean="0"/>
+              <a:t>Box-Cox Transformation</a:t>
+            </a:r>
+            <a:endParaRPr lang="en-US" dirty="0"/>
+          </a:p>
+        </p:txBody>
+      </p:sp>
+      <p:sp>
+        <p:nvSpPr>
+          <p:cNvPr id="14" name="TextBox 13"/>
+          <p:cNvSpPr txBox="1"/>
+          <p:nvPr/>
+        </p:nvSpPr>
+        <p:spPr>
+          <a:xfrm>
+            <a:off x="8205575" y="3137811"/>
+            <a:ext cx="2934586" cy="646331"/>
+          </a:xfrm>
+          <a:prstGeom prst="rect">
+            <a:avLst/>
+          </a:prstGeom>
+          <a:noFill/>
+        </p:spPr>
+        <p:txBody>
+          <a:bodyPr wrap="square" rtlCol="0">
+            <a:spAutoFit/>
+          </a:bodyPr>
+          <a:lstStyle/>
+          <a:p>
+            <a:pPr algn="r"/>
+            <a:r>
+              <a:rPr lang="en-US" dirty="0" smtClean="0"/>
+              <a:t>New Target </a:t>
+            </a:r>
+          </a:p>
+          <a:p>
+            <a:pPr algn="r"/>
+            <a:r>
+              <a:rPr lang="en-US" dirty="0" smtClean="0"/>
+              <a:t>Distribution</a:t>
+            </a:r>
+            <a:endParaRPr lang="en-US" dirty="0"/>
+          </a:p>
+        </p:txBody>
+      </p:sp>
+    </p:spTree>
+    <p:extLst>
+      <p:ext uri="{BB962C8B-B14F-4D97-AF65-F5344CB8AC3E}">
+        <p14:creationId xmlns:p14="http://schemas.microsoft.com/office/powerpoint/2010/main" val="899334441"/>
+      </p:ext>
+    </p:extLst>
+  </p:cSld>
+  <p:clrMapOvr>
+    <a:masterClrMapping/>
+  </p:clrMapOvr>
+  <p:timing>
+    <p:tnLst>
+      <p:par>
+        <p:cTn id="1" dur="indefinite" restart="never" nodeType="tmRoot">
+          <p:childTnLst>
+            <p:seq concurrent="1" nextAc="seek">
+              <p:cTn id="2" dur="indefinite" nodeType="mainSeq">
+                <p:childTnLst>
+                  <p:par>
+                    <p:cTn id="3" fill="hold">
+                      <p:stCondLst>
+                        <p:cond delay="indefinite"/>
+                        <p:cond evt="onBegin" delay="0">
+                          <p:tn val="2"/>
+                        </p:cond>
+                      </p:stCondLst>
+                      <p:childTnLst>
+                        <p:par>
+                          <p:cTn id="4" fill="hold">
+                            <p:stCondLst>
+                              <p:cond delay="0"/>
+                            </p:stCondLst>
+                            <p:childTnLst>
+                              <p:par>
+                                <p:cTn id="5" presetID="1" presetClass="entr" presetSubtype="0" fill="hold" grpId="0" nodeType="withEffect">
+                                  <p:stCondLst>
+                                    <p:cond delay="0"/>
+                                  </p:stCondLst>
+                                  <p:childTnLst>
+                                    <p:set>
+                                      <p:cBhvr>
+                                        <p:cTn id="6" dur="1" fill="hold">
+                                          <p:stCondLst>
+                                            <p:cond delay="0"/>
+                                          </p:stCondLst>
+                                        </p:cTn>
+                                        <p:tgtEl>
+                                          <p:spTgt spid="12"/>
+                                        </p:tgtEl>
+                                        <p:attrNameLst>
+                                          <p:attrName>style.visibility</p:attrName>
+                                        </p:attrNameLst>
+                                      </p:cBhvr>
+                                      <p:to>
+                                        <p:strVal val="visible"/>
+                                      </p:to>
+                                    </p:set>
+                                  </p:childTnLst>
+                                </p:cTn>
+                              </p:par>
+                            </p:childTnLst>
+                          </p:cTn>
+                        </p:par>
+                      </p:childTnLst>
+                    </p:cTn>
+                  </p:par>
+                  <p:par>
+                    <p:cTn id="7" fill="hold">
+                      <p:stCondLst>
+                        <p:cond delay="indefinite"/>
+                      </p:stCondLst>
+                      <p:childTnLst>
+                        <p:par>
+                          <p:cTn id="8" fill="hold">
+                            <p:stCondLst>
+                              <p:cond delay="0"/>
+                            </p:stCondLst>
+                            <p:childTnLst>
+                              <p:par>
+                                <p:cTn id="9" presetID="1" presetClass="entr" presetSubtype="0" fill="hold" grpId="0" nodeType="clickEffect">
+                                  <p:stCondLst>
+                                    <p:cond delay="0"/>
+                                  </p:stCondLst>
+                                  <p:childTnLst>
+                                    <p:set>
+                                      <p:cBhvr>
+                                        <p:cTn id="10" dur="1" fill="hold">
+                                          <p:stCondLst>
+                                            <p:cond delay="0"/>
+                                          </p:stCondLst>
+                                        </p:cTn>
+                                        <p:tgtEl>
+                                          <p:spTgt spid="11"/>
+                                        </p:tgtEl>
+                                        <p:attrNameLst>
+                                          <p:attrName>style.visibility</p:attrName>
+                                        </p:attrNameLst>
+                                      </p:cBhvr>
+                                      <p:to>
+                                        <p:strVal val="visible"/>
+                                      </p:to>
+                                    </p:set>
+                                  </p:childTnLst>
+                                </p:cTn>
+                              </p:par>
+                              <p:par>
+                                <p:cTn id="11" presetID="1" presetClass="entr" presetSubtype="0" fill="hold" grpId="0" nodeType="withEffect">
+                                  <p:stCondLst>
+                                    <p:cond delay="0"/>
+                                  </p:stCondLst>
+                                  <p:childTnLst>
+                                    <p:set>
+                                      <p:cBhvr>
+                                        <p:cTn id="12" dur="1" fill="hold">
+                                          <p:stCondLst>
+                                            <p:cond delay="0"/>
+                                          </p:stCondLst>
+                                        </p:cTn>
+                                        <p:tgtEl>
+                                          <p:spTgt spid="13"/>
+                                        </p:tgtEl>
+                                        <p:attrNameLst>
+                                          <p:attrName>style.visibility</p:attrName>
+                                        </p:attrNameLst>
+                                      </p:cBhvr>
+                                      <p:to>
+                                        <p:strVal val="visible"/>
+                                      </p:to>
+                                    </p:set>
+                                  </p:childTnLst>
+                                </p:cTn>
+                              </p:par>
+                              <p:par>
+                                <p:cTn id="13" presetID="1" presetClass="entr" presetSubtype="0" fill="hold" grpId="0" nodeType="withEffect">
+                                  <p:stCondLst>
+                                    <p:cond delay="0"/>
+                                  </p:stCondLst>
+                                  <p:childTnLst>
+                                    <p:set>
+                                      <p:cBhvr>
+                                        <p:cTn id="14" dur="1" fill="hold">
+                                          <p:stCondLst>
+                                            <p:cond delay="0"/>
+                                          </p:stCondLst>
+                                        </p:cTn>
+                                        <p:tgtEl>
+                                          <p:spTgt spid="14"/>
+                                        </p:tgtEl>
+                                        <p:attrNameLst>
+                                          <p:attrName>style.visibility</p:attrName>
+                                        </p:attrNameLst>
+                                      </p:cBhvr>
+                                      <p:to>
+                                        <p:strVal val="visible"/>
+                                      </p:to>
+                                    </p:set>
+                                  </p:childTnLst>
+                                </p:cTn>
+                              </p:par>
+                            </p:childTnLst>
+                          </p:cTn>
+                        </p:par>
+                      </p:childTnLst>
+                    </p:cTn>
+                  </p:par>
+                  <p:par>
+                    <p:cTn id="15" fill="hold">
+                      <p:stCondLst>
+                        <p:cond delay="indefinite"/>
+                      </p:stCondLst>
+                      <p:childTnLst>
+                        <p:par>
+                          <p:cTn id="16" fill="hold">
+                            <p:stCondLst>
+                              <p:cond delay="0"/>
+                            </p:stCondLst>
+                            <p:childTnLst>
+                              <p:par>
+                                <p:cTn id="17" presetID="1" presetClass="entr" presetSubtype="0" fill="hold" nodeType="clickEffect">
+                                  <p:stCondLst>
+                                    <p:cond delay="0"/>
+                                  </p:stCondLst>
+                                  <p:childTnLst>
+                                    <p:set>
+                                      <p:cBhvr>
+                                        <p:cTn id="18" dur="1" fill="hold">
+                                          <p:stCondLst>
+                                            <p:cond delay="0"/>
+                                          </p:stCondLst>
+                                        </p:cTn>
+                                        <p:tgtEl>
+                                          <p:spTgt spid="9"/>
+                                        </p:tgtEl>
+                                        <p:attrNameLst>
+                                          <p:attrName>style.visibility</p:attrName>
+                                        </p:attrNameLst>
+                                      </p:cBhvr>
+                                      <p:to>
+                                        <p:strVal val="visible"/>
+                                      </p:to>
+                                    </p:set>
+                                  </p:childTnLst>
+                                </p:cTn>
+                              </p:par>
+                            </p:childTnLst>
+                          </p:cTn>
+                        </p:par>
+                      </p:childTnLst>
+                    </p:cTn>
+                  </p:par>
+                  <p:par>
+                    <p:cTn id="19" fill="hold">
+                      <p:stCondLst>
+                        <p:cond delay="indefinite"/>
+                      </p:stCondLst>
+                      <p:childTnLst>
+                        <p:par>
+                          <p:cTn id="20" fill="hold">
+                            <p:stCondLst>
+                              <p:cond delay="0"/>
+                            </p:stCondLst>
+                            <p:childTnLst>
+                              <p:par>
+                                <p:cTn id="21" presetID="1" presetClass="entr" presetSubtype="0" fill="hold" nodeType="clickEffect">
+                                  <p:stCondLst>
+                                    <p:cond delay="0"/>
+                                  </p:stCondLst>
+                                  <p:childTnLst>
+                                    <p:set>
+                                      <p:cBhvr>
+                                        <p:cTn id="22" dur="1" fill="hold">
+                                          <p:stCondLst>
+                                            <p:cond delay="0"/>
+                                          </p:stCondLst>
+                                        </p:cTn>
+                                        <p:tgtEl>
+                                          <p:spTgt spid="10"/>
+                                        </p:tgtEl>
+                                        <p:attrNameLst>
+                                          <p:attrName>style.visibility</p:attrName>
+                                        </p:attrNameLst>
+                                      </p:cBhvr>
+                                      <p:to>
+                                        <p:strVal val="visible"/>
+                                      </p:to>
+                                    </p:set>
+                                  </p:childTnLst>
+                                </p:cTn>
+                              </p:par>
+                            </p:childTnLst>
+                          </p:cTn>
+                        </p:par>
+                      </p:childTnLst>
+                    </p:cTn>
+                  </p:par>
+                </p:childTnLst>
+              </p:cTn>
+              <p:prevCondLst>
+                <p:cond evt="onPrev" delay="0">
+                  <p:tgtEl>
+                    <p:sldTgt/>
+                  </p:tgtEl>
+                </p:cond>
+              </p:prevCondLst>
+              <p:nextCondLst>
+                <p:cond evt="onNext" delay="0">
+                  <p:tgtEl>
+                    <p:sldTgt/>
+                  </p:tgtEl>
+                </p:cond>
+              </p:nextCondLst>
+            </p:seq>
+          </p:childTnLst>
+        </p:cTn>
+      </p:par>
+    </p:tnLst>
+    <p:bldLst>
+      <p:bldP spid="11" grpId="0" animBg="1"/>
+      <p:bldP spid="12" grpId="0"/>
+      <p:bldP spid="13" grpId="0"/>
+      <p:bldP spid="14" grpId="0"/>
+    </p:bldLst>
+  </p:timing>
+</p:sld>
+</file>
+
+<file path=ppt/slides/slide12.xml><?xml version="1.0" encoding="utf-8"?>
 <p:sld xmlns:a="http://schemas.openxmlformats.org/drawingml/2006/main" xmlns:r="http://schemas.openxmlformats.org/officeDocument/2006/relationships" xmlns:p="http://schemas.openxmlformats.org/presentationml/2006/main">
   <p:cSld>
     <p:spTree>
@@ -4839,7 +6735,7 @@
           <a:p>
             <a:r>
               <a:rPr lang="en-US" dirty="0" smtClean="0"/>
-              <a:t>Raised R2 from baseline of 0.2099 to 0.4815 </a:t>
+              <a:t>Raised R2 from baseline of 0.2099 to 0.4815 (LR) or 0.458 (RR) </a:t>
             </a:r>
           </a:p>
           <a:p>
@@ -4866,27 +6762,25 @@
               <a:rPr lang="en-US" dirty="0" smtClean="0"/>
               <a:t>transformation</a:t>
             </a:r>
-            <a:endParaRPr lang="en-US" dirty="0" smtClean="0"/>
           </a:p>
           <a:p>
             <a:r>
               <a:rPr lang="en-US" dirty="0" smtClean="0"/>
               <a:t>Another good model was the log of financial with a box-cox transformation on y</a:t>
             </a:r>
-            <a:endParaRPr lang="en-US" dirty="0" smtClean="0"/>
           </a:p>
         </p:txBody>
       </p:sp>
       <p:pic>
         <p:nvPicPr>
-          <p:cNvPr id="3" name="Picture 2"/>
+          <p:cNvPr id="5" name="Picture 4"/>
           <p:cNvPicPr>
             <a:picLocks noChangeAspect="1"/>
           </p:cNvPicPr>
           <p:nvPr/>
         </p:nvPicPr>
         <p:blipFill>
-          <a:blip r:embed="rId2">
+          <a:blip r:embed="rId3">
             <a:extLst>
               <a:ext uri="{28A0092B-C50C-407E-A947-70E740481C1C}">
                 <a14:useLocalDpi xmlns:a14="http://schemas.microsoft.com/office/drawing/2010/main" val="0"/>
@@ -4927,7 +6821,7 @@
 </p:sld>
 </file>
 
-<file path=ppt/slides/slide11.xml><?xml version="1.0" encoding="utf-8"?>
+<file path=ppt/slides/slide13.xml><?xml version="1.0" encoding="utf-8"?>
 <p:sld xmlns:a="http://schemas.openxmlformats.org/drawingml/2006/main" xmlns:r="http://schemas.openxmlformats.org/officeDocument/2006/relationships" xmlns:p="http://schemas.openxmlformats.org/presentationml/2006/main">
   <p:cSld>
     <p:spTree>
@@ -4944,6 +6838,88 @@
           <a:chExt cx="0" cy="0"/>
         </a:xfrm>
       </p:grpSpPr>
+      <p:pic>
+        <p:nvPicPr>
+          <p:cNvPr id="7" name="Picture 2" descr="reenhouse gases&amp;#39; effect on climate - U.S. Energy Information  Admin"/>
+          <p:cNvPicPr>
+            <a:picLocks noChangeAspect="1" noChangeArrowheads="1"/>
+          </p:cNvPicPr>
+          <p:nvPr/>
+        </p:nvPicPr>
+        <p:blipFill>
+          <a:blip r:embed="rId3">
+            <a:extLst>
+              <a:ext uri="{28A0092B-C50C-407E-A947-70E740481C1C}">
+                <a14:useLocalDpi xmlns:a14="http://schemas.microsoft.com/office/drawing/2010/main" val="0"/>
+              </a:ext>
+            </a:extLst>
+          </a:blip>
+          <a:srcRect/>
+          <a:stretch>
+            <a:fillRect/>
+          </a:stretch>
+        </p:blipFill>
+        <p:spPr bwMode="auto">
+          <a:xfrm>
+            <a:off x="307214" y="2913321"/>
+            <a:ext cx="5509581" cy="3705193"/>
+          </a:xfrm>
+          <a:prstGeom prst="rect">
+            <a:avLst/>
+          </a:prstGeom>
+          <a:noFill/>
+          <a:extLst>
+            <a:ext uri="{909E8E84-426E-40DD-AFC4-6F175D3DCCD1}">
+              <a14:hiddenFill xmlns:a14="http://schemas.microsoft.com/office/drawing/2010/main">
+                <a:solidFill>
+                  <a:srgbClr val="FFFFFF"/>
+                </a:solidFill>
+              </a14:hiddenFill>
+            </a:ext>
+          </a:extLst>
+        </p:spPr>
+      </p:pic>
+      <p:pic>
+        <p:nvPicPr>
+          <p:cNvPr id="9" name="Picture 4" descr="https://climateactiontracker.org/media/images/CAT_2021.05_2100WarmingProjectionsGraph.width-1110.png"/>
+          <p:cNvPicPr>
+            <a:picLocks noChangeAspect="1" noChangeArrowheads="1"/>
+          </p:cNvPicPr>
+          <p:nvPr/>
+        </p:nvPicPr>
+        <p:blipFill>
+          <a:blip r:embed="rId4">
+            <a:extLst>
+              <a:ext uri="{28A0092B-C50C-407E-A947-70E740481C1C}">
+                <a14:useLocalDpi xmlns:a14="http://schemas.microsoft.com/office/drawing/2010/main" val="0"/>
+              </a:ext>
+            </a:extLst>
+          </a:blip>
+          <a:srcRect/>
+          <a:stretch>
+            <a:fillRect/>
+          </a:stretch>
+        </p:blipFill>
+        <p:spPr bwMode="auto">
+          <a:xfrm>
+            <a:off x="6417680" y="3495377"/>
+            <a:ext cx="5466275" cy="2541079"/>
+          </a:xfrm>
+          <a:prstGeom prst="rect">
+            <a:avLst/>
+          </a:prstGeom>
+          <a:noFill/>
+          <a:extLst>
+            <a:ext uri="{909E8E84-426E-40DD-AFC4-6F175D3DCCD1}">
+              <a14:hiddenFill xmlns:a14="http://schemas.microsoft.com/office/drawing/2010/main">
+                <a:solidFill>
+                  <a:srgbClr val="FFFFFF"/>
+                </a:solidFill>
+              </a14:hiddenFill>
+            </a:ext>
+          </a:extLst>
+        </p:spPr>
+      </p:pic>
       <p:sp>
         <p:nvSpPr>
           <p:cNvPr id="2" name="Title 1"/>
@@ -5206,47 +7182,6 @@
           </a:p>
         </p:txBody>
       </p:sp>
-      <p:pic>
-        <p:nvPicPr>
-          <p:cNvPr id="2050" name="Picture 2" descr="reenhouse gases&amp;#39; effect on climate - U.S. Energy Information  Admin"/>
-          <p:cNvPicPr>
-            <a:picLocks noChangeAspect="1" noChangeArrowheads="1"/>
-          </p:cNvPicPr>
-          <p:nvPr/>
-        </p:nvPicPr>
-        <p:blipFill>
-          <a:blip r:embed="rId2">
-            <a:extLst>
-              <a:ext uri="{28A0092B-C50C-407E-A947-70E740481C1C}">
-                <a14:useLocalDpi xmlns:a14="http://schemas.microsoft.com/office/drawing/2010/main" val="0"/>
-              </a:ext>
-            </a:extLst>
-          </a:blip>
-          <a:srcRect/>
-          <a:stretch>
-            <a:fillRect/>
-          </a:stretch>
-        </p:blipFill>
-        <p:spPr bwMode="auto">
-          <a:xfrm>
-            <a:off x="307214" y="2913321"/>
-            <a:ext cx="5509581" cy="3705193"/>
-          </a:xfrm>
-          <a:prstGeom prst="rect">
-            <a:avLst/>
-          </a:prstGeom>
-          <a:noFill/>
-          <a:extLst>
-            <a:ext uri="{909E8E84-426E-40DD-AFC4-6F175D3DCCD1}">
-              <a14:hiddenFill xmlns:a14="http://schemas.microsoft.com/office/drawing/2010/main">
-                <a:solidFill>
-                  <a:srgbClr val="FFFFFF"/>
-                </a:solidFill>
-              </a14:hiddenFill>
-            </a:ext>
-          </a:extLst>
-        </p:spPr>
-      </p:pic>
       <p:sp>
         <p:nvSpPr>
           <p:cNvPr id="3" name="Oval 2"/>
@@ -5293,47 +7228,6 @@
           </a:p>
         </p:txBody>
       </p:sp>
-      <p:pic>
-        <p:nvPicPr>
-          <p:cNvPr id="2052" name="Picture 4" descr="https://climateactiontracker.org/media/images/CAT_2021.05_2100WarmingProjectionsGraph.width-1110.png"/>
-          <p:cNvPicPr>
-            <a:picLocks noChangeAspect="1" noChangeArrowheads="1"/>
-          </p:cNvPicPr>
-          <p:nvPr/>
-        </p:nvPicPr>
-        <p:blipFill>
-          <a:blip r:embed="rId3">
-            <a:extLst>
-              <a:ext uri="{28A0092B-C50C-407E-A947-70E740481C1C}">
-                <a14:useLocalDpi xmlns:a14="http://schemas.microsoft.com/office/drawing/2010/main" val="0"/>
-              </a:ext>
-            </a:extLst>
-          </a:blip>
-          <a:srcRect/>
-          <a:stretch>
-            <a:fillRect/>
-          </a:stretch>
-        </p:blipFill>
-        <p:spPr bwMode="auto">
-          <a:xfrm>
-            <a:off x="6417680" y="3495377"/>
-            <a:ext cx="5466275" cy="2541079"/>
-          </a:xfrm>
-          <a:prstGeom prst="rect">
-            <a:avLst/>
-          </a:prstGeom>
-          <a:noFill/>
-          <a:extLst>
-            <a:ext uri="{909E8E84-426E-40DD-AFC4-6F175D3DCCD1}">
-              <a14:hiddenFill xmlns:a14="http://schemas.microsoft.com/office/drawing/2010/main">
-                <a:solidFill>
-                  <a:srgbClr val="FFFFFF"/>
-                </a:solidFill>
-              </a14:hiddenFill>
-            </a:ext>
-          </a:extLst>
-        </p:spPr>
-      </p:pic>
     </p:spTree>
     <p:extLst>
       <p:ext uri="{BB962C8B-B14F-4D97-AF65-F5344CB8AC3E}">
@@ -5354,7 +7248,7 @@
 </p:sld>
 </file>
 
-<file path=ppt/slides/slide12.xml><?xml version="1.0" encoding="utf-8"?>
+<file path=ppt/slides/slide14.xml><?xml version="1.0" encoding="utf-8"?>
 <p:sld xmlns:a="http://schemas.openxmlformats.org/drawingml/2006/main" xmlns:r="http://schemas.openxmlformats.org/officeDocument/2006/relationships" xmlns:p="http://schemas.openxmlformats.org/presentationml/2006/main">
   <p:cSld>
     <p:spTree>
@@ -5771,7 +7665,7 @@
       </p:sp>
       <p:pic>
         <p:nvPicPr>
-          <p:cNvPr id="3074" name="Picture 2" descr="nited States Environmental Protection Agency - Wikipedia"/>
+          <p:cNvPr id="6" name="Picture 2" descr="nited States Environmental Protection Agency - Wikipedia"/>
           <p:cNvPicPr>
             <a:picLocks noChangeAspect="1" noChangeArrowheads="1"/>
           </p:cNvPicPr>
@@ -5812,7 +7706,7 @@
       </p:pic>
       <p:pic>
         <p:nvPicPr>
-          <p:cNvPr id="3076" name="Picture 4" descr="nglish Wikipedia - Wikipedia"/>
+          <p:cNvPr id="7" name="Picture 4" descr="nglish Wikipedia - Wikipedia"/>
           <p:cNvPicPr>
             <a:picLocks noChangeAspect="1" noChangeArrowheads="1"/>
           </p:cNvPicPr>
@@ -5871,7 +7765,7 @@
 </p:sld>
 </file>
 
-<file path=ppt/slides/slide13.xml><?xml version="1.0" encoding="utf-8"?>
+<file path=ppt/slides/slide15.xml><?xml version="1.0" encoding="utf-8"?>
 <p:sld xmlns:a="http://schemas.openxmlformats.org/drawingml/2006/main" xmlns:r="http://schemas.openxmlformats.org/officeDocument/2006/relationships" xmlns:p="http://schemas.openxmlformats.org/presentationml/2006/main">
   <p:cSld>
     <p:spTree>
@@ -6229,14 +8123,14 @@
       </p:sp>
       <p:pic>
         <p:nvPicPr>
-          <p:cNvPr id="1026" name="Picture 2" descr="reenhouse gas emissions: Calculating costs in production"/>
+          <p:cNvPr id="6" name="Picture 2" descr="reenhouse gas emissions: Calculating costs in production"/>
           <p:cNvPicPr>
             <a:picLocks noChangeAspect="1" noChangeArrowheads="1"/>
           </p:cNvPicPr>
           <p:nvPr/>
         </p:nvPicPr>
         <p:blipFill>
-          <a:blip r:embed="rId2">
+          <a:blip r:embed="rId3">
             <a:extLst>
               <a:ext uri="{28A0092B-C50C-407E-A947-70E740481C1C}">
                 <a14:useLocalDpi xmlns:a14="http://schemas.microsoft.com/office/drawing/2010/main" val="0"/>
@@ -6270,14 +8164,14 @@
       </p:pic>
       <p:pic>
         <p:nvPicPr>
-          <p:cNvPr id="1028" name="Picture 4" descr="g industry contributes 10% of overall GHG emissions | Beef Magazi"/>
+          <p:cNvPr id="7" name="Picture 4" descr="g industry contributes 10% of overall GHG emissions | Beef Magazi"/>
           <p:cNvPicPr>
             <a:picLocks noChangeAspect="1" noChangeArrowheads="1"/>
           </p:cNvPicPr>
           <p:nvPr/>
         </p:nvPicPr>
         <p:blipFill>
-          <a:blip r:embed="rId3">
+          <a:blip r:embed="rId4">
             <a:extLst>
               <a:ext uri="{28A0092B-C50C-407E-A947-70E740481C1C}">
                 <a14:useLocalDpi xmlns:a14="http://schemas.microsoft.com/office/drawing/2010/main" val="0"/>
@@ -6378,14 +8272,14 @@
       </p:sp>
       <p:pic>
         <p:nvPicPr>
-          <p:cNvPr id="3" name="Picture 2"/>
+          <p:cNvPr id="8" name="Picture 7"/>
           <p:cNvPicPr>
             <a:picLocks noChangeAspect="1"/>
           </p:cNvPicPr>
           <p:nvPr/>
         </p:nvPicPr>
         <p:blipFill>
-          <a:blip r:embed="rId2">
+          <a:blip r:embed="rId3">
             <a:extLst>
               <a:ext uri="{28A0092B-C50C-407E-A947-70E740481C1C}">
                 <a14:useLocalDpi xmlns:a14="http://schemas.microsoft.com/office/drawing/2010/main" val="0"/>
@@ -6408,14 +8302,14 @@
       </p:pic>
       <p:pic>
         <p:nvPicPr>
-          <p:cNvPr id="5" name="Picture 4"/>
+          <p:cNvPr id="9" name="Picture 8"/>
           <p:cNvPicPr>
             <a:picLocks noChangeAspect="1"/>
           </p:cNvPicPr>
           <p:nvPr/>
         </p:nvPicPr>
         <p:blipFill>
-          <a:blip r:embed="rId3">
+          <a:blip r:embed="rId4">
             <a:extLst>
               <a:ext uri="{28A0092B-C50C-407E-A947-70E740481C1C}">
                 <a14:useLocalDpi xmlns:a14="http://schemas.microsoft.com/office/drawing/2010/main" val="0"/>
@@ -6438,14 +8332,14 @@
       </p:pic>
       <p:pic>
         <p:nvPicPr>
-          <p:cNvPr id="7" name="Picture 6"/>
+          <p:cNvPr id="10" name="Picture 9"/>
           <p:cNvPicPr>
             <a:picLocks noChangeAspect="1"/>
           </p:cNvPicPr>
           <p:nvPr/>
         </p:nvPicPr>
         <p:blipFill>
-          <a:blip r:embed="rId4">
+          <a:blip r:embed="rId5">
             <a:extLst>
               <a:ext uri="{28A0092B-C50C-407E-A947-70E740481C1C}">
                 <a14:useLocalDpi xmlns:a14="http://schemas.microsoft.com/office/drawing/2010/main" val="0"/>
@@ -6468,14 +8362,14 @@
       </p:pic>
       <p:pic>
         <p:nvPicPr>
-          <p:cNvPr id="6" name="Picture 5"/>
+          <p:cNvPr id="11" name="Picture 10"/>
           <p:cNvPicPr>
             <a:picLocks noChangeAspect="1"/>
           </p:cNvPicPr>
           <p:nvPr/>
         </p:nvPicPr>
         <p:blipFill>
-          <a:blip r:embed="rId5">
+          <a:blip r:embed="rId6">
             <a:extLst>
               <a:ext uri="{28A0092B-C50C-407E-A947-70E740481C1C}">
                 <a14:useLocalDpi xmlns:a14="http://schemas.microsoft.com/office/drawing/2010/main" val="0"/>
@@ -6498,14 +8392,14 @@
       </p:pic>
       <p:pic>
         <p:nvPicPr>
-          <p:cNvPr id="4" name="Picture 3"/>
+          <p:cNvPr id="12" name="Picture 11"/>
           <p:cNvPicPr>
             <a:picLocks noChangeAspect="1"/>
           </p:cNvPicPr>
           <p:nvPr/>
         </p:nvPicPr>
         <p:blipFill>
-          <a:blip r:embed="rId6">
+          <a:blip r:embed="rId7">
             <a:extLst>
               <a:ext uri="{28A0092B-C50C-407E-A947-70E740481C1C}">
                 <a14:useLocalDpi xmlns:a14="http://schemas.microsoft.com/office/drawing/2010/main" val="0"/>
@@ -6570,7 +8464,7 @@
                                           </p:stCondLst>
                                         </p:cTn>
                                         <p:tgtEl>
-                                          <p:spTgt spid="3"/>
+                                          <p:spTgt spid="8"/>
                                         </p:tgtEl>
                                         <p:attrNameLst>
                                           <p:attrName>style.visibility</p:attrName>
@@ -6615,7 +8509,7 @@
                                           </p:stCondLst>
                                         </p:cTn>
                                         <p:tgtEl>
-                                          <p:spTgt spid="5"/>
+                                          <p:spTgt spid="9"/>
                                         </p:tgtEl>
                                         <p:attrNameLst>
                                           <p:attrName>style.visibility</p:attrName>
@@ -6660,7 +8554,7 @@
                                           </p:stCondLst>
                                         </p:cTn>
                                         <p:tgtEl>
-                                          <p:spTgt spid="7"/>
+                                          <p:spTgt spid="10"/>
                                         </p:tgtEl>
                                         <p:attrNameLst>
                                           <p:attrName>style.visibility</p:attrName>
@@ -6705,7 +8599,7 @@
                                           </p:stCondLst>
                                         </p:cTn>
                                         <p:tgtEl>
-                                          <p:spTgt spid="6"/>
+                                          <p:spTgt spid="11"/>
                                         </p:tgtEl>
                                         <p:attrNameLst>
                                           <p:attrName>style.visibility</p:attrName>
@@ -6750,7 +8644,7 @@
                                           </p:stCondLst>
                                         </p:cTn>
                                         <p:tgtEl>
-                                          <p:spTgt spid="4"/>
+                                          <p:spTgt spid="12"/>
                                         </p:tgtEl>
                                         <p:attrNameLst>
                                           <p:attrName>style.visibility</p:attrName>
@@ -6813,6 +8707,114 @@
       </p:grpSpPr>
       <p:sp>
         <p:nvSpPr>
+          <p:cNvPr id="3" name="Title 1"/>
+          <p:cNvSpPr txBox="1">
+            <a:spLocks/>
+          </p:cNvSpPr>
+          <p:nvPr/>
+        </p:nvSpPr>
+        <p:spPr>
+          <a:xfrm>
+            <a:off x="761999" y="559676"/>
+            <a:ext cx="3965643" cy="1930605"/>
+          </a:xfrm>
+          <a:prstGeom prst="rect">
+            <a:avLst/>
+          </a:prstGeom>
+        </p:spPr>
+        <p:txBody>
+          <a:bodyPr vert="horz" lIns="91440" tIns="45720" rIns="91440" bIns="45720" rtlCol="0" anchor="t">
+            <a:noAutofit/>
+          </a:bodyPr>
+          <a:lstStyle>
+            <a:lvl1pPr algn="r" defTabSz="914400" rtl="0" eaLnBrk="1" latinLnBrk="0" hangingPunct="1">
+              <a:lnSpc>
+                <a:spcPct val="90000"/>
+              </a:lnSpc>
+              <a:spcBef>
+                <a:spcPct val="0"/>
+              </a:spcBef>
+              <a:buNone/>
+              <a:defRPr sz="5000" b="0" i="1" kern="1200" baseline="0">
+                <a:solidFill>
+                  <a:schemeClr val="accent1"/>
+                </a:solidFill>
+                <a:latin typeface="+mj-lt"/>
+                <a:ea typeface="+mj-ea"/>
+                <a:cs typeface="+mj-cs"/>
+              </a:defRPr>
+            </a:lvl1pPr>
+          </a:lstStyle>
+          <a:p>
+            <a:r>
+              <a:rPr lang="en-US" sz="4000" dirty="0" smtClean="0"/>
+              <a:t>Data Model</a:t>
+            </a:r>
+            <a:endParaRPr lang="en-US" sz="4000" dirty="0"/>
+          </a:p>
+        </p:txBody>
+      </p:sp>
+      <p:pic>
+        <p:nvPicPr>
+          <p:cNvPr id="4" name="Picture 3"/>
+          <p:cNvPicPr>
+            <a:picLocks noChangeAspect="1"/>
+          </p:cNvPicPr>
+          <p:nvPr/>
+        </p:nvPicPr>
+        <p:blipFill rotWithShape="1">
+          <a:blip r:embed="rId2">
+            <a:extLst>
+              <a:ext uri="{28A0092B-C50C-407E-A947-70E740481C1C}">
+                <a14:useLocalDpi xmlns:a14="http://schemas.microsoft.com/office/drawing/2010/main" val="0"/>
+              </a:ext>
+            </a:extLst>
+          </a:blip>
+          <a:srcRect l="7891" t="9934" r="12077" b="25304"/>
+          <a:stretch/>
+        </p:blipFill>
+        <p:spPr>
+          <a:xfrm>
+            <a:off x="2262420" y="1276842"/>
+            <a:ext cx="7667160" cy="4794179"/>
+          </a:xfrm>
+          <a:prstGeom prst="rect">
+            <a:avLst/>
+          </a:prstGeom>
+        </p:spPr>
+      </p:pic>
+    </p:spTree>
+    <p:extLst>
+      <p:ext uri="{BB962C8B-B14F-4D97-AF65-F5344CB8AC3E}">
+        <p14:creationId xmlns:p14="http://schemas.microsoft.com/office/powerpoint/2010/main" val="511295543"/>
+      </p:ext>
+    </p:extLst>
+  </p:cSld>
+  <p:clrMapOvr>
+    <a:masterClrMapping/>
+  </p:clrMapOvr>
+</p:sld>
+</file>
+
+<file path=ppt/slides/slide5.xml><?xml version="1.0" encoding="utf-8"?>
+<p:sld xmlns:a="http://schemas.openxmlformats.org/drawingml/2006/main" xmlns:r="http://schemas.openxmlformats.org/officeDocument/2006/relationships" xmlns:p="http://schemas.openxmlformats.org/presentationml/2006/main">
+  <p:cSld>
+    <p:spTree>
+      <p:nvGrpSpPr>
+        <p:cNvPr id="1" name=""/>
+        <p:cNvGrpSpPr/>
+        <p:nvPr/>
+      </p:nvGrpSpPr>
+      <p:grpSpPr>
+        <a:xfrm>
+          <a:off x="0" y="0"/>
+          <a:ext cx="0" cy="0"/>
+          <a:chOff x="0" y="0"/>
+          <a:chExt cx="0" cy="0"/>
+        </a:xfrm>
+      </p:grpSpPr>
+      <p:sp>
+        <p:nvSpPr>
           <p:cNvPr id="2" name="Title 1"/>
           <p:cNvSpPr>
             <a:spLocks noGrp="1"/>
@@ -6843,14 +8845,14 @@
       </p:sp>
       <p:pic>
         <p:nvPicPr>
-          <p:cNvPr id="5" name="Picture 4"/>
+          <p:cNvPr id="4" name="Picture 3"/>
           <p:cNvPicPr>
             <a:picLocks noChangeAspect="1"/>
           </p:cNvPicPr>
           <p:nvPr/>
         </p:nvPicPr>
         <p:blipFill>
-          <a:blip r:embed="rId2">
+          <a:blip r:embed="rId3">
             <a:extLst>
               <a:ext uri="{28A0092B-C50C-407E-A947-70E740481C1C}">
                 <a14:useLocalDpi xmlns:a14="http://schemas.microsoft.com/office/drawing/2010/main" val="0"/>
@@ -6891,7 +8893,7 @@
 </p:sld>
 </file>
 
-<file path=ppt/slides/slide5.xml><?xml version="1.0" encoding="utf-8"?>
+<file path=ppt/slides/slide6.xml><?xml version="1.0" encoding="utf-8"?>
 <p:sld xmlns:a="http://schemas.openxmlformats.org/drawingml/2006/main" xmlns:r="http://schemas.openxmlformats.org/officeDocument/2006/relationships" xmlns:p="http://schemas.openxmlformats.org/presentationml/2006/main">
   <p:cSld>
     <p:spTree>
@@ -6940,14 +8942,14 @@
       </p:sp>
       <p:pic>
         <p:nvPicPr>
-          <p:cNvPr id="6" name="Picture 5"/>
+          <p:cNvPr id="4" name="Picture 3"/>
           <p:cNvPicPr>
             <a:picLocks noChangeAspect="1"/>
           </p:cNvPicPr>
           <p:nvPr/>
         </p:nvPicPr>
         <p:blipFill>
-          <a:blip r:embed="rId2">
+          <a:blip r:embed="rId3">
             <a:extLst>
               <a:ext uri="{28A0092B-C50C-407E-A947-70E740481C1C}">
                 <a14:useLocalDpi xmlns:a14="http://schemas.microsoft.com/office/drawing/2010/main" val="0"/>
@@ -6988,7 +8990,7 @@
 </p:sld>
 </file>
 
-<file path=ppt/slides/slide6.xml><?xml version="1.0" encoding="utf-8"?>
+<file path=ppt/slides/slide7.xml><?xml version="1.0" encoding="utf-8"?>
 <p:sld xmlns:a="http://schemas.openxmlformats.org/drawingml/2006/main" xmlns:r="http://schemas.openxmlformats.org/officeDocument/2006/relationships" xmlns:p="http://schemas.openxmlformats.org/presentationml/2006/main">
   <p:cSld>
     <p:spTree>
@@ -7037,14 +9039,14 @@
       </p:sp>
       <p:pic>
         <p:nvPicPr>
-          <p:cNvPr id="4" name="Picture 3"/>
+          <p:cNvPr id="5" name="Picture 4"/>
           <p:cNvPicPr>
             <a:picLocks noChangeAspect="1"/>
           </p:cNvPicPr>
           <p:nvPr/>
         </p:nvPicPr>
         <p:blipFill>
-          <a:blip r:embed="rId2">
+          <a:blip r:embed="rId3">
             <a:extLst>
               <a:ext uri="{28A0092B-C50C-407E-A947-70E740481C1C}">
                 <a14:useLocalDpi xmlns:a14="http://schemas.microsoft.com/office/drawing/2010/main" val="0"/>
@@ -7085,7 +9087,7 @@
 </p:sld>
 </file>
 
-<file path=ppt/slides/slide7.xml><?xml version="1.0" encoding="utf-8"?>
+<file path=ppt/slides/slide8.xml><?xml version="1.0" encoding="utf-8"?>
 <p:sld xmlns:a="http://schemas.openxmlformats.org/drawingml/2006/main" xmlns:r="http://schemas.openxmlformats.org/officeDocument/2006/relationships" xmlns:p="http://schemas.openxmlformats.org/presentationml/2006/main">
   <p:cSld>
     <p:spTree>
@@ -7134,14 +9136,14 @@
       </p:sp>
       <p:pic>
         <p:nvPicPr>
-          <p:cNvPr id="3" name="Picture 2"/>
+          <p:cNvPr id="4" name="Picture 3"/>
           <p:cNvPicPr>
             <a:picLocks noChangeAspect="1"/>
           </p:cNvPicPr>
           <p:nvPr/>
         </p:nvPicPr>
         <p:blipFill>
-          <a:blip r:embed="rId2">
+          <a:blip r:embed="rId3">
             <a:extLst>
               <a:ext uri="{28A0092B-C50C-407E-A947-70E740481C1C}">
                 <a14:useLocalDpi xmlns:a14="http://schemas.microsoft.com/office/drawing/2010/main" val="0"/>
@@ -7182,137 +9184,6 @@
 </p:sld>
 </file>
 
-<file path=ppt/slides/slide8.xml><?xml version="1.0" encoding="utf-8"?>
-<p:sld xmlns:a="http://schemas.openxmlformats.org/drawingml/2006/main" xmlns:r="http://schemas.openxmlformats.org/officeDocument/2006/relationships" xmlns:p="http://schemas.openxmlformats.org/presentationml/2006/main">
-  <p:cSld>
-    <p:spTree>
-      <p:nvGrpSpPr>
-        <p:cNvPr id="1" name=""/>
-        <p:cNvGrpSpPr/>
-        <p:nvPr/>
-      </p:nvGrpSpPr>
-      <p:grpSpPr>
-        <a:xfrm>
-          <a:off x="0" y="0"/>
-          <a:ext cx="0" cy="0"/>
-          <a:chOff x="0" y="0"/>
-          <a:chExt cx="0" cy="0"/>
-        </a:xfrm>
-      </p:grpSpPr>
-      <p:sp>
-        <p:nvSpPr>
-          <p:cNvPr id="2" name="Title 1"/>
-          <p:cNvSpPr>
-            <a:spLocks noGrp="1"/>
-          </p:cNvSpPr>
-          <p:nvPr>
-            <p:ph type="title"/>
-          </p:nvPr>
-        </p:nvSpPr>
-        <p:spPr>
-          <a:xfrm>
-            <a:off x="276447" y="559676"/>
-            <a:ext cx="4451195" cy="1930605"/>
-          </a:xfrm>
-        </p:spPr>
-        <p:txBody>
-          <a:bodyPr>
-            <a:noAutofit/>
-          </a:bodyPr>
-          <a:lstStyle/>
-          <a:p>
-            <a:r>
-              <a:rPr lang="en-US" sz="4000" dirty="0" smtClean="0"/>
-              <a:t>Modeling and </a:t>
-            </a:r>
-            <a:r>
-              <a:rPr lang="en-US" sz="4000" smtClean="0"/>
-              <a:t>Feature Transformations</a:t>
-            </a:r>
-            <a:endParaRPr lang="en-US" sz="4000" dirty="0"/>
-          </a:p>
-        </p:txBody>
-      </p:sp>
-      <p:pic>
-        <p:nvPicPr>
-          <p:cNvPr id="3" name="Picture 2"/>
-          <p:cNvPicPr>
-            <a:picLocks noChangeAspect="1"/>
-          </p:cNvPicPr>
-          <p:nvPr/>
-        </p:nvPicPr>
-        <p:blipFill>
-          <a:blip r:embed="rId2">
-            <a:extLst>
-              <a:ext uri="{28A0092B-C50C-407E-A947-70E740481C1C}">
-                <a14:useLocalDpi xmlns:a14="http://schemas.microsoft.com/office/drawing/2010/main" val="0"/>
-              </a:ext>
-            </a:extLst>
-          </a:blip>
-          <a:stretch>
-            <a:fillRect/>
-          </a:stretch>
-        </p:blipFill>
-        <p:spPr>
-          <a:xfrm>
-            <a:off x="8888818" y="213826"/>
-            <a:ext cx="2926962" cy="2105304"/>
-          </a:xfrm>
-          <a:prstGeom prst="rect">
-            <a:avLst/>
-          </a:prstGeom>
-        </p:spPr>
-      </p:pic>
-      <p:pic>
-        <p:nvPicPr>
-          <p:cNvPr id="15" name="Picture 14"/>
-          <p:cNvPicPr>
-            <a:picLocks noChangeAspect="1"/>
-          </p:cNvPicPr>
-          <p:nvPr/>
-        </p:nvPicPr>
-        <p:blipFill>
-          <a:blip r:embed="rId3">
-            <a:extLst>
-              <a:ext uri="{28A0092B-C50C-407E-A947-70E740481C1C}">
-                <a14:useLocalDpi xmlns:a14="http://schemas.microsoft.com/office/drawing/2010/main" val="0"/>
-              </a:ext>
-            </a:extLst>
-          </a:blip>
-          <a:stretch>
-            <a:fillRect/>
-          </a:stretch>
-        </p:blipFill>
-        <p:spPr>
-          <a:xfrm>
-            <a:off x="1481874" y="2490281"/>
-            <a:ext cx="9228252" cy="3939113"/>
-          </a:xfrm>
-          <a:prstGeom prst="rect">
-            <a:avLst/>
-          </a:prstGeom>
-        </p:spPr>
-      </p:pic>
-    </p:spTree>
-    <p:extLst>
-      <p:ext uri="{BB962C8B-B14F-4D97-AF65-F5344CB8AC3E}">
-        <p14:creationId xmlns:p14="http://schemas.microsoft.com/office/powerpoint/2010/main" val="2026589745"/>
-      </p:ext>
-    </p:extLst>
-  </p:cSld>
-  <p:clrMapOvr>
-    <a:masterClrMapping/>
-  </p:clrMapOvr>
-  <p:timing>
-    <p:tnLst>
-      <p:par>
-        <p:cTn id="1" dur="indefinite" restart="never" nodeType="tmRoot"/>
-      </p:par>
-    </p:tnLst>
-  </p:timing>
-</p:sld>
-</file>
-
 <file path=ppt/slides/slide9.xml><?xml version="1.0" encoding="utf-8"?>
 <p:sld xmlns:a="http://schemas.openxmlformats.org/drawingml/2006/main" xmlns:r="http://schemas.openxmlformats.org/officeDocument/2006/relationships" xmlns:p="http://schemas.openxmlformats.org/presentationml/2006/main">
   <p:cSld>
@@ -7342,8 +9213,8 @@
         </p:nvSpPr>
         <p:spPr>
           <a:xfrm>
-            <a:off x="276447" y="559676"/>
-            <a:ext cx="4451195" cy="1930605"/>
+            <a:off x="761999" y="559676"/>
+            <a:ext cx="3965643" cy="1930605"/>
           </a:xfrm>
         </p:spPr>
         <p:txBody>
@@ -7354,86 +9225,22 @@
           <a:p>
             <a:r>
               <a:rPr lang="en-US" sz="4000" dirty="0" smtClean="0"/>
-              <a:t>Modeling and </a:t>
-            </a:r>
-            <a:r>
-              <a:rPr lang="en-US" sz="4000" smtClean="0"/>
-              <a:t>Feature Transformations</a:t>
+              <a:t>Final Dataset</a:t>
             </a:r>
             <a:endParaRPr lang="en-US" sz="4000" dirty="0"/>
           </a:p>
         </p:txBody>
       </p:sp>
-      <p:pic>
-        <p:nvPicPr>
-          <p:cNvPr id="4" name="Picture 3"/>
-          <p:cNvPicPr>
-            <a:picLocks noChangeAspect="1"/>
-          </p:cNvPicPr>
+      <p:sp>
+        <p:nvSpPr>
+          <p:cNvPr id="6" name="Right Arrow 5"/>
+          <p:cNvSpPr/>
           <p:nvPr/>
-        </p:nvPicPr>
-        <p:blipFill>
-          <a:blip r:embed="rId2">
-            <a:extLst>
-              <a:ext uri="{28A0092B-C50C-407E-A947-70E740481C1C}">
-                <a14:useLocalDpi xmlns:a14="http://schemas.microsoft.com/office/drawing/2010/main" val="0"/>
-              </a:ext>
-            </a:extLst>
-          </a:blip>
-          <a:stretch>
-            <a:fillRect/>
-          </a:stretch>
-        </p:blipFill>
+        </p:nvSpPr>
         <p:spPr>
           <a:xfrm>
-            <a:off x="546340" y="2890099"/>
-            <a:ext cx="4181302" cy="2794592"/>
-          </a:xfrm>
-          <a:prstGeom prst="rect">
-            <a:avLst/>
-          </a:prstGeom>
-        </p:spPr>
-      </p:pic>
-      <p:pic>
-        <p:nvPicPr>
-          <p:cNvPr id="5" name="Picture 4"/>
-          <p:cNvPicPr>
-            <a:picLocks noChangeAspect="1"/>
-          </p:cNvPicPr>
-          <p:nvPr/>
-        </p:nvPicPr>
-        <p:blipFill>
-          <a:blip r:embed="rId3">
-            <a:extLst>
-              <a:ext uri="{28A0092B-C50C-407E-A947-70E740481C1C}">
-                <a14:useLocalDpi xmlns:a14="http://schemas.microsoft.com/office/drawing/2010/main" val="0"/>
-              </a:ext>
-            </a:extLst>
-          </a:blip>
-          <a:stretch>
-            <a:fillRect/>
-          </a:stretch>
-        </p:blipFill>
-        <p:spPr>
-          <a:xfrm>
-            <a:off x="7448564" y="2795508"/>
-            <a:ext cx="4197096" cy="2798064"/>
-          </a:xfrm>
-          <a:prstGeom prst="rect">
-            <a:avLst/>
-          </a:prstGeom>
-        </p:spPr>
-      </p:pic>
-      <p:sp>
-        <p:nvSpPr>
-          <p:cNvPr id="11" name="Right Arrow 10"/>
-          <p:cNvSpPr/>
-          <p:nvPr/>
-        </p:nvSpPr>
-        <p:spPr>
-          <a:xfrm>
-            <a:off x="4525117" y="3992521"/>
-            <a:ext cx="3125972" cy="404037"/>
+            <a:off x="4180801" y="3248246"/>
+            <a:ext cx="603849" cy="202018"/>
           </a:xfrm>
           <a:prstGeom prst="rightArrow">
             <a:avLst/>
@@ -7466,14 +9273,14 @@
       </p:sp>
       <p:sp>
         <p:nvSpPr>
-          <p:cNvPr id="12" name="TextBox 11"/>
+          <p:cNvPr id="7" name="TextBox 6"/>
           <p:cNvSpPr txBox="1"/>
           <p:nvPr/>
         </p:nvSpPr>
         <p:spPr>
           <a:xfrm>
-            <a:off x="1686224" y="3276310"/>
-            <a:ext cx="2934586" cy="369332"/>
+            <a:off x="2788936" y="3181942"/>
+            <a:ext cx="1242204" cy="369332"/>
           </a:xfrm>
           <a:prstGeom prst="rect">
             <a:avLst/>
@@ -7486,24 +9293,73 @@
           </a:bodyPr>
           <a:lstStyle/>
           <a:p>
-            <a:r>
-              <a:rPr lang="en-US" dirty="0" smtClean="0"/>
-              <a:t>Original Target Distribution</a:t>
-            </a:r>
-            <a:endParaRPr lang="en-US" dirty="0"/>
-          </a:p>
-        </p:txBody>
-      </p:sp>
-      <p:sp>
-        <p:nvSpPr>
-          <p:cNvPr id="13" name="TextBox 12"/>
+            <a:pPr algn="r"/>
+            <a:r>
+              <a:rPr lang="en-US" b="1" dirty="0" smtClean="0">
+                <a:solidFill>
+                  <a:srgbClr val="FF0000"/>
+                </a:solidFill>
+              </a:rPr>
+              <a:t>Target</a:t>
+            </a:r>
+            <a:endParaRPr lang="en-US" b="1" dirty="0">
+              <a:solidFill>
+                <a:srgbClr val="FF0000"/>
+              </a:solidFill>
+            </a:endParaRPr>
+          </a:p>
+        </p:txBody>
+      </p:sp>
+      <p:sp>
+        <p:nvSpPr>
+          <p:cNvPr id="9" name="Right Arrow 8"/>
+          <p:cNvSpPr/>
+          <p:nvPr/>
+        </p:nvSpPr>
+        <p:spPr>
+          <a:xfrm>
+            <a:off x="4194474" y="2461178"/>
+            <a:ext cx="603849" cy="202018"/>
+          </a:xfrm>
+          <a:prstGeom prst="rightArrow">
+            <a:avLst/>
+          </a:prstGeom>
+        </p:spPr>
+        <p:style>
+          <a:lnRef idx="2">
+            <a:schemeClr val="accent1">
+              <a:shade val="50000"/>
+            </a:schemeClr>
+          </a:lnRef>
+          <a:fillRef idx="1">
+            <a:schemeClr val="accent1"/>
+          </a:fillRef>
+          <a:effectRef idx="0">
+            <a:schemeClr val="accent1"/>
+          </a:effectRef>
+          <a:fontRef idx="minor">
+            <a:schemeClr val="lt1"/>
+          </a:fontRef>
+        </p:style>
+        <p:txBody>
+          <a:bodyPr rtlCol="0" anchor="ctr"/>
+          <a:lstStyle/>
+          <a:p>
+            <a:pPr algn="ctr"/>
+            <a:endParaRPr lang="en-US"/>
+          </a:p>
+        </p:txBody>
+      </p:sp>
+      <p:sp>
+        <p:nvSpPr>
+          <p:cNvPr id="10" name="TextBox 9"/>
           <p:cNvSpPr txBox="1"/>
           <p:nvPr/>
         </p:nvSpPr>
         <p:spPr>
           <a:xfrm>
-            <a:off x="4525117" y="3700801"/>
-            <a:ext cx="2934586" cy="369332"/>
+            <a:off x="2524528" y="2189780"/>
+            <a:ext cx="1506612" cy="646331"/>
           </a:xfrm>
           <a:prstGeom prst="rect">
             <a:avLst/>
@@ -7516,24 +9372,192 @@
           </a:bodyPr>
           <a:lstStyle/>
           <a:p>
-            <a:r>
-              <a:rPr lang="en-US" dirty="0" smtClean="0"/>
-              <a:t>Box-Cox Transformation</a:t>
-            </a:r>
-            <a:endParaRPr lang="en-US" dirty="0"/>
-          </a:p>
-        </p:txBody>
-      </p:sp>
-      <p:sp>
-        <p:nvSpPr>
-          <p:cNvPr id="14" name="TextBox 13"/>
+            <a:pPr algn="r"/>
+            <a:r>
+              <a:rPr lang="en-US" b="1" dirty="0" smtClean="0">
+                <a:solidFill>
+                  <a:schemeClr val="tx2">
+                    <a:lumMod val="50000"/>
+                    <a:lumOff val="50000"/>
+                  </a:schemeClr>
+                </a:solidFill>
+              </a:rPr>
+              <a:t>Categorical</a:t>
+            </a:r>
+          </a:p>
+          <a:p>
+            <a:pPr algn="r"/>
+            <a:r>
+              <a:rPr lang="en-US" b="1" dirty="0" smtClean="0">
+                <a:solidFill>
+                  <a:schemeClr val="tx2">
+                    <a:lumMod val="50000"/>
+                    <a:lumOff val="50000"/>
+                  </a:schemeClr>
+                </a:solidFill>
+              </a:rPr>
+              <a:t>Variables</a:t>
+            </a:r>
+            <a:endParaRPr lang="en-US" b="1" dirty="0">
+              <a:solidFill>
+                <a:schemeClr val="tx2">
+                  <a:lumMod val="50000"/>
+                  <a:lumOff val="50000"/>
+                </a:schemeClr>
+              </a:solidFill>
+            </a:endParaRPr>
+          </a:p>
+        </p:txBody>
+      </p:sp>
+      <p:sp>
+        <p:nvSpPr>
+          <p:cNvPr id="11" name="Rectangle 10"/>
+          <p:cNvSpPr/>
+          <p:nvPr/>
+        </p:nvSpPr>
+        <p:spPr>
+          <a:xfrm>
+            <a:off x="5094010" y="3506135"/>
+            <a:ext cx="6592186" cy="2066166"/>
+          </a:xfrm>
+          <a:prstGeom prst="rect">
+            <a:avLst/>
+          </a:prstGeom>
+          <a:noFill/>
+          <a:ln w="38100">
+            <a:solidFill>
+              <a:schemeClr val="accent3">
+                <a:lumMod val="60000"/>
+                <a:lumOff val="40000"/>
+              </a:schemeClr>
+            </a:solidFill>
+          </a:ln>
+        </p:spPr>
+        <p:style>
+          <a:lnRef idx="2">
+            <a:schemeClr val="accent1">
+              <a:shade val="50000"/>
+            </a:schemeClr>
+          </a:lnRef>
+          <a:fillRef idx="1">
+            <a:schemeClr val="accent1"/>
+          </a:fillRef>
+          <a:effectRef idx="0">
+            <a:schemeClr val="accent1"/>
+          </a:effectRef>
+          <a:fontRef idx="minor">
+            <a:schemeClr val="lt1"/>
+          </a:fontRef>
+        </p:style>
+        <p:txBody>
+          <a:bodyPr rtlCol="0" anchor="ctr"/>
+          <a:lstStyle/>
+          <a:p>
+            <a:pPr algn="ctr"/>
+            <a:endParaRPr lang="en-US">
+              <a:solidFill>
+                <a:schemeClr val="accent5"/>
+              </a:solidFill>
+            </a:endParaRPr>
+          </a:p>
+        </p:txBody>
+      </p:sp>
+      <p:sp>
+        <p:nvSpPr>
+          <p:cNvPr id="5" name="Rectangle 4"/>
+          <p:cNvSpPr/>
+          <p:nvPr/>
+        </p:nvSpPr>
+        <p:spPr>
+          <a:xfrm>
+            <a:off x="5103628" y="3147237"/>
+            <a:ext cx="6592186" cy="404037"/>
+          </a:xfrm>
+          <a:prstGeom prst="rect">
+            <a:avLst/>
+          </a:prstGeom>
+          <a:noFill/>
+          <a:ln w="38100">
+            <a:solidFill>
+              <a:srgbClr val="FF0000"/>
+            </a:solidFill>
+          </a:ln>
+        </p:spPr>
+        <p:style>
+          <a:lnRef idx="2">
+            <a:schemeClr val="accent1">
+              <a:shade val="50000"/>
+            </a:schemeClr>
+          </a:lnRef>
+          <a:fillRef idx="1">
+            <a:schemeClr val="accent1"/>
+          </a:fillRef>
+          <a:effectRef idx="0">
+            <a:schemeClr val="accent1"/>
+          </a:effectRef>
+          <a:fontRef idx="minor">
+            <a:schemeClr val="lt1"/>
+          </a:fontRef>
+        </p:style>
+        <p:txBody>
+          <a:bodyPr rtlCol="0" anchor="ctr"/>
+          <a:lstStyle/>
+          <a:p>
+            <a:pPr algn="ctr"/>
+            <a:endParaRPr lang="en-US"/>
+          </a:p>
+        </p:txBody>
+      </p:sp>
+      <p:sp>
+        <p:nvSpPr>
+          <p:cNvPr id="12" name="Right Arrow 11"/>
+          <p:cNvSpPr/>
+          <p:nvPr/>
+        </p:nvSpPr>
+        <p:spPr>
+          <a:xfrm>
+            <a:off x="4180801" y="4306712"/>
+            <a:ext cx="603849" cy="202018"/>
+          </a:xfrm>
+          <a:prstGeom prst="rightArrow">
+            <a:avLst/>
+          </a:prstGeom>
+        </p:spPr>
+        <p:style>
+          <a:lnRef idx="2">
+            <a:schemeClr val="accent1">
+              <a:shade val="50000"/>
+            </a:schemeClr>
+          </a:lnRef>
+          <a:fillRef idx="1">
+            <a:schemeClr val="accent1"/>
+          </a:fillRef>
+          <a:effectRef idx="0">
+            <a:schemeClr val="accent1"/>
+          </a:effectRef>
+          <a:fontRef idx="minor">
+            <a:schemeClr val="lt1"/>
+          </a:fontRef>
+        </p:style>
+        <p:txBody>
+          <a:bodyPr rtlCol="0" anchor="ctr"/>
+          <a:lstStyle/>
+          <a:p>
+            <a:pPr algn="ctr"/>
+            <a:endParaRPr lang="en-US"/>
+          </a:p>
+        </p:txBody>
+      </p:sp>
+      <p:sp>
+        <p:nvSpPr>
+          <p:cNvPr id="13" name="TextBox 12"/>
           <p:cNvSpPr txBox="1"/>
           <p:nvPr/>
         </p:nvSpPr>
         <p:spPr>
           <a:xfrm>
-            <a:off x="8205575" y="3137811"/>
-            <a:ext cx="2934586" cy="646331"/>
+            <a:off x="2510855" y="4035314"/>
+            <a:ext cx="1506612" cy="646331"/>
           </a:xfrm>
           <a:prstGeom prst="rect">
             <a:avLst/>
@@ -7548,24 +9572,253 @@
           <a:p>
             <a:pPr algn="r"/>
             <a:r>
-              <a:rPr lang="en-US" dirty="0" smtClean="0"/>
-              <a:t>New Target </a:t>
-            </a:r>
+              <a:rPr lang="en-US" b="1" smtClean="0">
+                <a:solidFill>
+                  <a:schemeClr val="accent3">
+                    <a:lumMod val="60000"/>
+                    <a:lumOff val="40000"/>
+                  </a:schemeClr>
+                </a:solidFill>
+              </a:rPr>
+              <a:t>Numerical</a:t>
+            </a:r>
+            <a:endParaRPr lang="en-US" b="1" dirty="0" smtClean="0">
+              <a:solidFill>
+                <a:schemeClr val="accent3">
+                  <a:lumMod val="60000"/>
+                  <a:lumOff val="40000"/>
+                </a:schemeClr>
+              </a:solidFill>
+            </a:endParaRPr>
           </a:p>
           <a:p>
             <a:pPr algn="r"/>
             <a:r>
-              <a:rPr lang="en-US" dirty="0" smtClean="0"/>
-              <a:t>Distribution</a:t>
-            </a:r>
-            <a:endParaRPr lang="en-US" dirty="0"/>
+              <a:rPr lang="en-US" b="1" dirty="0" smtClean="0">
+                <a:solidFill>
+                  <a:schemeClr val="accent3">
+                    <a:lumMod val="60000"/>
+                    <a:lumOff val="40000"/>
+                  </a:schemeClr>
+                </a:solidFill>
+              </a:rPr>
+              <a:t>Variables</a:t>
+            </a:r>
+            <a:endParaRPr lang="en-US" b="1" dirty="0">
+              <a:solidFill>
+                <a:schemeClr val="accent3">
+                  <a:lumMod val="60000"/>
+                  <a:lumOff val="40000"/>
+                </a:schemeClr>
+              </a:solidFill>
+            </a:endParaRPr>
+          </a:p>
+        </p:txBody>
+      </p:sp>
+      <p:sp>
+        <p:nvSpPr>
+          <p:cNvPr id="14" name="TextBox 13"/>
+          <p:cNvSpPr txBox="1"/>
+          <p:nvPr/>
+        </p:nvSpPr>
+        <p:spPr>
+          <a:xfrm>
+            <a:off x="8441634" y="2663196"/>
+            <a:ext cx="1842052" cy="276999"/>
+          </a:xfrm>
+          <a:prstGeom prst="rect">
+            <a:avLst/>
+          </a:prstGeom>
+          <a:solidFill>
+            <a:schemeClr val="bg1">
+              <a:lumMod val="95000"/>
+            </a:schemeClr>
+          </a:solidFill>
+        </p:spPr>
+        <p:txBody>
+          <a:bodyPr wrap="square" rtlCol="0">
+            <a:spAutoFit/>
+          </a:bodyPr>
+          <a:lstStyle/>
+          <a:p>
+            <a:pPr algn="ctr"/>
+            <a:r>
+              <a:rPr lang="en-US" sz="1200" b="1" i="1" dirty="0" smtClean="0">
+                <a:solidFill>
+                  <a:schemeClr val="bg2">
+                    <a:lumMod val="50000"/>
+                  </a:schemeClr>
+                </a:solidFill>
+              </a:rPr>
+              <a:t>(9 categories)</a:t>
+            </a:r>
+            <a:endParaRPr lang="en-US" sz="1200" b="1" i="1" dirty="0">
+              <a:solidFill>
+                <a:schemeClr val="bg2">
+                  <a:lumMod val="50000"/>
+                </a:schemeClr>
+              </a:solidFill>
+            </a:endParaRPr>
+          </a:p>
+        </p:txBody>
+      </p:sp>
+      <p:sp>
+        <p:nvSpPr>
+          <p:cNvPr id="16" name="TextBox 15"/>
+          <p:cNvSpPr txBox="1"/>
+          <p:nvPr/>
+        </p:nvSpPr>
+        <p:spPr>
+          <a:xfrm>
+            <a:off x="8441635" y="2423688"/>
+            <a:ext cx="1842051" cy="276999"/>
+          </a:xfrm>
+          <a:prstGeom prst="rect">
+            <a:avLst/>
+          </a:prstGeom>
+          <a:solidFill>
+            <a:schemeClr val="bg1">
+              <a:lumMod val="95000"/>
+            </a:schemeClr>
+          </a:solidFill>
+        </p:spPr>
+        <p:txBody>
+          <a:bodyPr wrap="square" rtlCol="0">
+            <a:spAutoFit/>
+          </a:bodyPr>
+          <a:lstStyle/>
+          <a:p>
+            <a:pPr algn="ctr"/>
+            <a:r>
+              <a:rPr lang="en-US" sz="1200" b="1" i="1" dirty="0" smtClean="0">
+                <a:solidFill>
+                  <a:schemeClr val="bg2">
+                    <a:lumMod val="50000"/>
+                  </a:schemeClr>
+                </a:solidFill>
+              </a:rPr>
+              <a:t>(4 categories)</a:t>
+            </a:r>
+            <a:endParaRPr lang="en-US" sz="1200" b="1" i="1" dirty="0">
+              <a:solidFill>
+                <a:schemeClr val="bg2">
+                  <a:lumMod val="50000"/>
+                </a:schemeClr>
+              </a:solidFill>
+            </a:endParaRPr>
+          </a:p>
+        </p:txBody>
+      </p:sp>
+      <p:sp>
+        <p:nvSpPr>
+          <p:cNvPr id="15" name="TextBox 14"/>
+          <p:cNvSpPr txBox="1"/>
+          <p:nvPr/>
+        </p:nvSpPr>
+        <p:spPr>
+          <a:xfrm>
+            <a:off x="8441636" y="2184179"/>
+            <a:ext cx="1842050" cy="276999"/>
+          </a:xfrm>
+          <a:prstGeom prst="rect">
+            <a:avLst/>
+          </a:prstGeom>
+          <a:solidFill>
+            <a:schemeClr val="bg1">
+              <a:lumMod val="95000"/>
+            </a:schemeClr>
+          </a:solidFill>
+        </p:spPr>
+        <p:txBody>
+          <a:bodyPr wrap="square" rtlCol="0">
+            <a:spAutoFit/>
+          </a:bodyPr>
+          <a:lstStyle/>
+          <a:p>
+            <a:pPr algn="ctr"/>
+            <a:r>
+              <a:rPr lang="en-US" sz="1200" b="1" i="1" dirty="0">
+                <a:solidFill>
+                  <a:schemeClr val="bg2">
+                    <a:lumMod val="50000"/>
+                  </a:schemeClr>
+                </a:solidFill>
+              </a:rPr>
+              <a:t>(</a:t>
+            </a:r>
+            <a:r>
+              <a:rPr lang="en-US" sz="1200" b="1" i="1" dirty="0" smtClean="0">
+                <a:solidFill>
+                  <a:schemeClr val="bg2">
+                    <a:lumMod val="50000"/>
+                  </a:schemeClr>
+                </a:solidFill>
+              </a:rPr>
+              <a:t>9 categories)</a:t>
+            </a:r>
+            <a:endParaRPr lang="en-US" sz="1200" b="1" i="1" dirty="0">
+              <a:solidFill>
+                <a:schemeClr val="bg2">
+                  <a:lumMod val="50000"/>
+                </a:schemeClr>
+              </a:solidFill>
+            </a:endParaRPr>
+          </a:p>
+        </p:txBody>
+      </p:sp>
+      <p:sp>
+        <p:nvSpPr>
+          <p:cNvPr id="8" name="Rectangle 7"/>
+          <p:cNvSpPr/>
+          <p:nvPr/>
+        </p:nvSpPr>
+        <p:spPr>
+          <a:xfrm>
+            <a:off x="5094010" y="2189780"/>
+            <a:ext cx="6592186" cy="794960"/>
+          </a:xfrm>
+          <a:prstGeom prst="rect">
+            <a:avLst/>
+          </a:prstGeom>
+          <a:noFill/>
+          <a:ln w="38100">
+            <a:solidFill>
+              <a:schemeClr val="tx2">
+                <a:lumMod val="50000"/>
+                <a:lumOff val="50000"/>
+              </a:schemeClr>
+            </a:solidFill>
+          </a:ln>
+        </p:spPr>
+        <p:style>
+          <a:lnRef idx="2">
+            <a:schemeClr val="accent1">
+              <a:shade val="50000"/>
+            </a:schemeClr>
+          </a:lnRef>
+          <a:fillRef idx="1">
+            <a:schemeClr val="accent1"/>
+          </a:fillRef>
+          <a:effectRef idx="0">
+            <a:schemeClr val="accent1"/>
+          </a:effectRef>
+          <a:fontRef idx="minor">
+            <a:schemeClr val="lt1"/>
+          </a:fontRef>
+        </p:style>
+        <p:txBody>
+          <a:bodyPr rtlCol="0" anchor="ctr"/>
+          <a:lstStyle/>
+          <a:p>
+            <a:pPr algn="ctr"/>
+            <a:endParaRPr lang="en-US"/>
           </a:p>
         </p:txBody>
       </p:sp>
     </p:spTree>
     <p:extLst>
       <p:ext uri="{BB962C8B-B14F-4D97-AF65-F5344CB8AC3E}">
-        <p14:creationId xmlns:p14="http://schemas.microsoft.com/office/powerpoint/2010/main" val="899334441"/>
+        <p14:creationId xmlns:p14="http://schemas.microsoft.com/office/powerpoint/2010/main" val="1710066410"/>
       </p:ext>
     </p:extLst>
   </p:cSld>
@@ -7593,7 +9846,7 @@
                             </p:stCondLst>
                             <p:childTnLst>
                               <p:par>
-                                <p:cTn id="5" presetID="1" presetClass="entr" presetSubtype="0" fill="hold" nodeType="clickEffect">
+                                <p:cTn id="5" presetID="1" presetClass="entr" presetSubtype="0" fill="hold" grpId="0" nodeType="clickEffect">
                                   <p:stCondLst>
                                     <p:cond delay="0"/>
                                   </p:stCondLst>
@@ -7606,7 +9859,7 @@
                                           </p:stCondLst>
                                         </p:cTn>
                                         <p:tgtEl>
-                                          <p:spTgt spid="4"/>
+                                          <p:spTgt spid="15"/>
                                         </p:tgtEl>
                                         <p:attrNameLst>
                                           <p:attrName>style.visibility</p:attrName>
@@ -7633,52 +9886,7 @@
                                           </p:stCondLst>
                                         </p:cTn>
                                         <p:tgtEl>
-                                          <p:spTgt spid="12"/>
-                                        </p:tgtEl>
-                                        <p:attrNameLst>
-                                          <p:attrName>style.visibility</p:attrName>
-                                        </p:attrNameLst>
-                                      </p:cBhvr>
-                                      <p:to>
-                                        <p:strVal val="visible"/>
-                                      </p:to>
-                                    </p:set>
-                                  </p:childTnLst>
-                                </p:cTn>
-                              </p:par>
-                            </p:childTnLst>
-                          </p:cTn>
-                        </p:par>
-                      </p:childTnLst>
-                    </p:cTn>
-                  </p:par>
-                  <p:par>
-                    <p:cTn id="9" fill="hold">
-                      <p:stCondLst>
-                        <p:cond delay="indefinite"/>
-                      </p:stCondLst>
-                      <p:childTnLst>
-                        <p:par>
-                          <p:cTn id="10" fill="hold">
-                            <p:stCondLst>
-                              <p:cond delay="0"/>
-                            </p:stCondLst>
-                            <p:childTnLst>
-                              <p:par>
-                                <p:cTn id="11" presetID="1" presetClass="entr" presetSubtype="0" fill="hold" grpId="0" nodeType="clickEffect">
-                                  <p:stCondLst>
-                                    <p:cond delay="0"/>
-                                  </p:stCondLst>
-                                  <p:childTnLst>
-                                    <p:set>
-                                      <p:cBhvr>
-                                        <p:cTn id="12" dur="1" fill="hold">
-                                          <p:stCondLst>
-                                            <p:cond delay="0"/>
-                                          </p:stCondLst>
-                                        </p:cTn>
-                                        <p:tgtEl>
-                                          <p:spTgt spid="11"/>
+                                          <p:spTgt spid="16"/>
                                         </p:tgtEl>
                                         <p:attrNameLst>
                                           <p:attrName>style.visibility</p:attrName>
@@ -7692,86 +9900,14 @@
                                 </p:cTn>
                               </p:par>
                               <p:par>
-                                <p:cTn id="13" presetID="1" presetClass="entr" presetSubtype="0" fill="hold" grpId="0" nodeType="withEffect">
+                                <p:cTn id="9" presetID="1" presetClass="entr" presetSubtype="0" fill="hold" grpId="0" nodeType="withEffect">
                                   <p:stCondLst>
                                     <p:cond delay="0"/>
                                   </p:stCondLst>
                                   <p:childTnLst>
                                     <p:set>
                                       <p:cBhvr>
-                                        <p:cTn id="14" dur="1" fill="hold">
-                                          <p:stCondLst>
-                                            <p:cond delay="0"/>
-                                          </p:stCondLst>
-                                        </p:cTn>
-                                        <p:tgtEl>
-                                          <p:spTgt spid="13"/>
-                                        </p:tgtEl>
-                                        <p:attrNameLst>
-                                          <p:attrName>style.visibility</p:attrName>
-                                        </p:attrNameLst>
-                                      </p:cBhvr>
-                                      <p:to>
-                                        <p:strVal val="visible"/>
-                                      </p:to>
-                                    </p:set>
-                                  </p:childTnLst>
-                                </p:cTn>
-                              </p:par>
-                            </p:childTnLst>
-                          </p:cTn>
-                        </p:par>
-                      </p:childTnLst>
-                    </p:cTn>
-                  </p:par>
-                  <p:par>
-                    <p:cTn id="15" fill="hold">
-                      <p:stCondLst>
-                        <p:cond delay="indefinite"/>
-                      </p:stCondLst>
-                      <p:childTnLst>
-                        <p:par>
-                          <p:cTn id="16" fill="hold">
-                            <p:stCondLst>
-                              <p:cond delay="0"/>
-                            </p:stCondLst>
-                            <p:childTnLst>
-                              <p:par>
-                                <p:cTn id="17" presetID="1" presetClass="entr" presetSubtype="0" fill="hold" nodeType="clickEffect">
-                                  <p:stCondLst>
-                                    <p:cond delay="0"/>
-                                  </p:stCondLst>
-                                  <p:childTnLst>
-                                    <p:set>
-                                      <p:cBhvr>
-                                        <p:cTn id="18" dur="1" fill="hold">
-                                          <p:stCondLst>
-                                            <p:cond delay="0"/>
-                                          </p:stCondLst>
-                                        </p:cTn>
-                                        <p:tgtEl>
-                                          <p:spTgt spid="5"/>
-                                        </p:tgtEl>
-                                        <p:attrNameLst>
-                                          <p:attrName>style.visibility</p:attrName>
-                                        </p:attrNameLst>
-                                      </p:cBhvr>
-                                      <p:to>
-                                        <p:strVal val="visible"/>
-                                      </p:to>
-                                    </p:set>
-                                  </p:childTnLst>
-                                </p:cTn>
-                              </p:par>
-                              <p:par>
-                                <p:cTn id="19" presetID="1" presetClass="entr" presetSubtype="0" fill="hold" grpId="0" nodeType="withEffect">
-                                  <p:stCondLst>
-                                    <p:cond delay="0"/>
-                                  </p:stCondLst>
-                                  <p:childTnLst>
-                                    <p:set>
-                                      <p:cBhvr>
-                                        <p:cTn id="20" dur="1" fill="hold">
+                                        <p:cTn id="10" dur="1" fill="hold">
                                           <p:stCondLst>
                                             <p:cond delay="0"/>
                                           </p:stCondLst>
@@ -7818,10 +9954,9 @@
       </p:par>
     </p:tnLst>
     <p:bldLst>
-      <p:bldP spid="11" grpId="0" animBg="1"/>
-      <p:bldP spid="12" grpId="0"/>
-      <p:bldP spid="13" grpId="0"/>
-      <p:bldP spid="14" grpId="0"/>
+      <p:bldP spid="14" grpId="0" animBg="1"/>
+      <p:bldP spid="16" grpId="0" animBg="1"/>
+      <p:bldP spid="15" grpId="0" animBg="1"/>
     </p:bldLst>
   </p:timing>
 </p:sld>

--- a/GHG_Regression_Analysis.pptx
+++ b/GHG_Regression_Analysis.pptx
@@ -5,24 +5,25 @@
     <p:sldMasterId id="2147483732" r:id="rId1"/>
   </p:sldMasterIdLst>
   <p:notesMasterIdLst>
-    <p:notesMasterId r:id="rId17"/>
+    <p:notesMasterId r:id="rId18"/>
   </p:notesMasterIdLst>
   <p:sldIdLst>
     <p:sldId id="256" r:id="rId2"/>
     <p:sldId id="270" r:id="rId3"/>
     <p:sldId id="258" r:id="rId4"/>
     <p:sldId id="285" r:id="rId5"/>
-    <p:sldId id="271" r:id="rId6"/>
-    <p:sldId id="280" r:id="rId7"/>
-    <p:sldId id="281" r:id="rId8"/>
-    <p:sldId id="282" r:id="rId9"/>
-    <p:sldId id="284" r:id="rId10"/>
-    <p:sldId id="274" r:id="rId11"/>
-    <p:sldId id="283" r:id="rId12"/>
-    <p:sldId id="277" r:id="rId13"/>
-    <p:sldId id="279" r:id="rId14"/>
-    <p:sldId id="278" r:id="rId15"/>
-    <p:sldId id="264" r:id="rId16"/>
+    <p:sldId id="284" r:id="rId6"/>
+    <p:sldId id="274" r:id="rId7"/>
+    <p:sldId id="287" r:id="rId8"/>
+    <p:sldId id="283" r:id="rId9"/>
+    <p:sldId id="277" r:id="rId10"/>
+    <p:sldId id="279" r:id="rId11"/>
+    <p:sldId id="264" r:id="rId12"/>
+    <p:sldId id="278" r:id="rId13"/>
+    <p:sldId id="271" r:id="rId14"/>
+    <p:sldId id="280" r:id="rId15"/>
+    <p:sldId id="281" r:id="rId16"/>
+    <p:sldId id="282" r:id="rId17"/>
   </p:sldIdLst>
   <p:sldSz cx="12192000" cy="6858000"/>
   <p:notesSz cx="6858000" cy="9144000"/>
@@ -211,7 +212,7 @@
           <a:p>
             <a:fld id="{8BD3D38F-DFE6-8243-A26F-91224F8836D8}" type="datetimeFigureOut">
               <a:rPr lang="en-US" smtClean="0"/>
-              <a:t>1/17/22</a:t>
+              <a:t>1/18/22</a:t>
             </a:fld>
             <a:endParaRPr lang="en-US"/>
           </a:p>
@@ -625,27 +626,19 @@
           <a:p>
             <a:r>
               <a:rPr lang="en-US" dirty="0" smtClean="0"/>
-              <a:t>So to fix some of the</a:t>
+              <a:t>So moving onto</a:t>
             </a:r>
             <a:r>
               <a:rPr lang="en-US" baseline="0" dirty="0" smtClean="0"/>
-              <a:t> issues and low r2 of our baseline model, I did some transformations on both the target and features and the best for the target ended up being a box-cox transformation which clearly gives us a much better target </a:t>
+              <a:t> the data sets I used, the first was a detailed look GHG emitters organized by facility and unit/fuel type – good for grouping of categorical variables down the line. And as this talk continues the total GHG </a:t>
             </a:r>
             <a:r>
               <a:rPr lang="en-US" baseline="0" dirty="0" err="1" smtClean="0"/>
-              <a:t>distrubution</a:t>
+              <a:t>im</a:t>
             </a:r>
             <a:r>
               <a:rPr lang="en-US" baseline="0" dirty="0" smtClean="0"/>
-              <a:t> moving forward. I also tried log and </a:t>
-            </a:r>
-            <a:r>
-              <a:rPr lang="en-US" baseline="0" dirty="0" err="1" smtClean="0"/>
-              <a:t>sqrt</a:t>
-            </a:r>
-            <a:r>
-              <a:rPr lang="en-US" baseline="0" dirty="0" smtClean="0"/>
-              <a:t> on some of the features but those largely didn’t perform as well</a:t>
+              <a:t> referring to is the sum of CO2, methane, nitrous oxide, and biogenic CO2 emitted by a unit at these facilities. </a:t>
             </a:r>
             <a:endParaRPr lang="en-US" dirty="0"/>
           </a:p>
@@ -668,7 +661,7 @@
           <a:p>
             <a:fld id="{72DD419D-9304-874E-8957-B8DC89C884FF}" type="slidenum">
               <a:rPr lang="en-US" smtClean="0"/>
-              <a:t>11</a:t>
+              <a:t>13</a:t>
             </a:fld>
             <a:endParaRPr lang="en-US"/>
           </a:p>
@@ -677,7 +670,7 @@
     </p:spTree>
     <p:extLst>
       <p:ext uri="{BB962C8B-B14F-4D97-AF65-F5344CB8AC3E}">
-        <p14:creationId xmlns:p14="http://schemas.microsoft.com/office/powerpoint/2010/main" val="631030396"/>
+        <p14:creationId xmlns:p14="http://schemas.microsoft.com/office/powerpoint/2010/main" val="1015020853"/>
       </p:ext>
     </p:extLst>
   </p:cSld>
@@ -733,11 +726,11 @@
           <a:p>
             <a:r>
               <a:rPr lang="en-US" dirty="0" smtClean="0"/>
-              <a:t>So the final model I arrived at, was</a:t>
+              <a:t>The next data set linked each facility to its</a:t>
             </a:r>
             <a:r>
               <a:rPr lang="en-US" baseline="0" dirty="0" smtClean="0"/>
-              <a:t> transforming the target via a box-cox transformation, dropping Operating Income, Net income, and total equity, and performing a ridge regression. It dramatically improves the distribution of the residuals and the only deviation we see in the normal Q-Q plot is on the tails and a much smaller magnitude than the original model. </a:t>
+              <a:t> parent company</a:t>
             </a:r>
             <a:endParaRPr lang="en-US" dirty="0"/>
           </a:p>
@@ -760,7 +753,7 @@
           <a:p>
             <a:fld id="{72DD419D-9304-874E-8957-B8DC89C884FF}" type="slidenum">
               <a:rPr lang="en-US" smtClean="0"/>
-              <a:t>12</a:t>
+              <a:t>14</a:t>
             </a:fld>
             <a:endParaRPr lang="en-US"/>
           </a:p>
@@ -769,7 +762,7 @@
     </p:spTree>
     <p:extLst>
       <p:ext uri="{BB962C8B-B14F-4D97-AF65-F5344CB8AC3E}">
-        <p14:creationId xmlns:p14="http://schemas.microsoft.com/office/powerpoint/2010/main" val="1561979994"/>
+        <p14:creationId xmlns:p14="http://schemas.microsoft.com/office/powerpoint/2010/main" val="1181190674"/>
       </p:ext>
     </p:extLst>
   </p:cSld>
@@ -825,11 +818,11 @@
           <a:p>
             <a:r>
               <a:rPr lang="en-US" dirty="0" smtClean="0"/>
-              <a:t>More data sets – get subsidiaries of</a:t>
+              <a:t>Which allowed me</a:t>
             </a:r>
             <a:r>
               <a:rPr lang="en-US" baseline="0" dirty="0" smtClean="0"/>
-              <a:t> parent companies, more facility by facility information. </a:t>
+              <a:t> to build a web scraping pipeline to extract financial information – like revenue, operating income, assets, and number of employees – for each parent company of a GHG emitting facility. To make the dataset more manageable I limited the data to only those facilities that are owned by the top 100 parent companies – defined by the number of facilities under their control. This brought the dataset from a size of &gt;20,000 entries to around 5,000, so still a very thorough dataset.</a:t>
             </a:r>
             <a:endParaRPr lang="en-US" dirty="0"/>
           </a:p>
@@ -852,7 +845,7 @@
           <a:p>
             <a:fld id="{72DD419D-9304-874E-8957-B8DC89C884FF}" type="slidenum">
               <a:rPr lang="en-US" smtClean="0"/>
-              <a:t>13</a:t>
+              <a:t>15</a:t>
             </a:fld>
             <a:endParaRPr lang="en-US"/>
           </a:p>
@@ -861,7 +854,98 @@
     </p:spTree>
     <p:extLst>
       <p:ext uri="{BB962C8B-B14F-4D97-AF65-F5344CB8AC3E}">
-        <p14:creationId xmlns:p14="http://schemas.microsoft.com/office/powerpoint/2010/main" val="1802075913"/>
+        <p14:creationId xmlns:p14="http://schemas.microsoft.com/office/powerpoint/2010/main" val="1716925278"/>
+      </p:ext>
+    </p:extLst>
+  </p:cSld>
+  <p:clrMapOvr>
+    <a:masterClrMapping/>
+  </p:clrMapOvr>
+</p:notes>
+</file>
+
+<file path=ppt/notesSlides/notesSlide13.xml><?xml version="1.0" encoding="utf-8"?>
+<p:notes xmlns:a="http://schemas.openxmlformats.org/drawingml/2006/main" xmlns:r="http://schemas.openxmlformats.org/officeDocument/2006/relationships" xmlns:p="http://schemas.openxmlformats.org/presentationml/2006/main">
+  <p:cSld>
+    <p:spTree>
+      <p:nvGrpSpPr>
+        <p:cNvPr id="1" name=""/>
+        <p:cNvGrpSpPr/>
+        <p:nvPr/>
+      </p:nvGrpSpPr>
+      <p:grpSpPr>
+        <a:xfrm>
+          <a:off x="0" y="0"/>
+          <a:ext cx="0" cy="0"/>
+          <a:chOff x="0" y="0"/>
+          <a:chExt cx="0" cy="0"/>
+        </a:xfrm>
+      </p:grpSpPr>
+      <p:sp>
+        <p:nvSpPr>
+          <p:cNvPr id="2" name="Slide Image Placeholder 1"/>
+          <p:cNvSpPr>
+            <a:spLocks noGrp="1" noRot="1" noChangeAspect="1"/>
+          </p:cNvSpPr>
+          <p:nvPr>
+            <p:ph type="sldImg"/>
+          </p:nvPr>
+        </p:nvSpPr>
+        <p:spPr/>
+      </p:sp>
+      <p:sp>
+        <p:nvSpPr>
+          <p:cNvPr id="3" name="Notes Placeholder 2"/>
+          <p:cNvSpPr>
+            <a:spLocks noGrp="1"/>
+          </p:cNvSpPr>
+          <p:nvPr>
+            <p:ph type="body" idx="1"/>
+          </p:nvPr>
+        </p:nvSpPr>
+        <p:spPr/>
+        <p:txBody>
+          <a:bodyPr/>
+          <a:lstStyle/>
+          <a:p>
+            <a:r>
+              <a:rPr lang="en-US" dirty="0" smtClean="0"/>
+              <a:t>And the final data</a:t>
+            </a:r>
+            <a:r>
+              <a:rPr lang="en-US" baseline="0" dirty="0" smtClean="0"/>
+              <a:t> set I extracted, also via web scraping, was the election swing from every election since 2000. The purpose of this is to map onto the state of the facilities, with the idea being that states that swing more democratic are likely to have more restrictive emission regulations. So each state will be mapped to its average swing toward the democratic party, taking a 50 category variable and turning it into a continuous numeric value for modeling. </a:t>
+            </a:r>
+          </a:p>
+        </p:txBody>
+      </p:sp>
+      <p:sp>
+        <p:nvSpPr>
+          <p:cNvPr id="4" name="Slide Number Placeholder 3"/>
+          <p:cNvSpPr>
+            <a:spLocks noGrp="1"/>
+          </p:cNvSpPr>
+          <p:nvPr>
+            <p:ph type="sldNum" sz="quarter" idx="10"/>
+          </p:nvPr>
+        </p:nvSpPr>
+        <p:spPr/>
+        <p:txBody>
+          <a:bodyPr/>
+          <a:lstStyle/>
+          <a:p>
+            <a:fld id="{72DD419D-9304-874E-8957-B8DC89C884FF}" type="slidenum">
+              <a:rPr lang="en-US" smtClean="0"/>
+              <a:t>16</a:t>
+            </a:fld>
+            <a:endParaRPr lang="en-US"/>
+          </a:p>
+        </p:txBody>
+      </p:sp>
+    </p:spTree>
+    <p:extLst>
+      <p:ext uri="{BB962C8B-B14F-4D97-AF65-F5344CB8AC3E}">
+        <p14:creationId xmlns:p14="http://schemas.microsoft.com/office/powerpoint/2010/main" val="1807672543"/>
       </p:ext>
     </p:extLst>
   </p:cSld>
@@ -1117,19 +1201,19 @@
           <a:p>
             <a:r>
               <a:rPr lang="en-US" dirty="0" smtClean="0"/>
-              <a:t>So moving onto</a:t>
+              <a:t>So</a:t>
             </a:r>
             <a:r>
               <a:rPr lang="en-US" baseline="0" dirty="0" smtClean="0"/>
-              <a:t> the data sets I used, the first was a detailed look GHG emitters organized by facility and unit/fuel type – good for grouping of categorical variables down the line. And as this talk continues the total GHG </a:t>
+              <a:t> this is the final dataset, with </a:t>
             </a:r>
             <a:r>
               <a:rPr lang="en-US" baseline="0" dirty="0" err="1" smtClean="0"/>
-              <a:t>im</a:t>
+              <a:t>GHG_total</a:t>
             </a:r>
             <a:r>
               <a:rPr lang="en-US" baseline="0" dirty="0" smtClean="0"/>
-              <a:t> referring to is the sum of CO2, methane, nitrous oxide, and biogenic CO2 emitted by a unit at these facilities. </a:t>
+              <a:t> being the target of the analysis, 3 categorical variables culled down to distinct groups from very large variety categorical feature.</a:t>
             </a:r>
             <a:endParaRPr lang="en-US" dirty="0"/>
           </a:p>
@@ -1161,7 +1245,7 @@
     </p:spTree>
     <p:extLst>
       <p:ext uri="{BB962C8B-B14F-4D97-AF65-F5344CB8AC3E}">
-        <p14:creationId xmlns:p14="http://schemas.microsoft.com/office/powerpoint/2010/main" val="1015020853"/>
+        <p14:creationId xmlns:p14="http://schemas.microsoft.com/office/powerpoint/2010/main" val="2076532193"/>
       </p:ext>
     </p:extLst>
   </p:cSld>
@@ -1217,11 +1301,11 @@
           <a:p>
             <a:r>
               <a:rPr lang="en-US" dirty="0" smtClean="0"/>
-              <a:t>The next data set linked each facility to its</a:t>
+              <a:t>So to get into modeling, after</a:t>
             </a:r>
             <a:r>
               <a:rPr lang="en-US" baseline="0" dirty="0" smtClean="0"/>
-              <a:t> parent company</a:t>
+              <a:t> making dummy variables I was left with about a 30 feature model, and a baseline model with an r2 of .209 and we some clearly non-normal behavior in the residuals. Also from the correlation matrix we see strong correlations between all of the company financial values so that tells us we’re going to have to drop some of those to deal with multicollinearity. Interestingly, when I ran the models with only categorical or numerical values the categorical variables actually had a better r2 value. </a:t>
             </a:r>
             <a:endParaRPr lang="en-US" dirty="0"/>
           </a:p>
@@ -1253,7 +1337,7 @@
     </p:spTree>
     <p:extLst>
       <p:ext uri="{BB962C8B-B14F-4D97-AF65-F5344CB8AC3E}">
-        <p14:creationId xmlns:p14="http://schemas.microsoft.com/office/powerpoint/2010/main" val="1181190674"/>
+        <p14:creationId xmlns:p14="http://schemas.microsoft.com/office/powerpoint/2010/main" val="838122998"/>
       </p:ext>
     </p:extLst>
   </p:cSld>
@@ -1309,11 +1393,11 @@
           <a:p>
             <a:r>
               <a:rPr lang="en-US" dirty="0" smtClean="0"/>
-              <a:t>Which allowed me</a:t>
+              <a:t>So to get into modeling, after</a:t>
             </a:r>
             <a:r>
               <a:rPr lang="en-US" baseline="0" dirty="0" smtClean="0"/>
-              <a:t> to build a web scraping pipeline to extract financial information – like revenue, operating income, assets, and number of employees – for each parent company of a GHG emitting facility. To make the dataset more manageable I limited the data to only those facilities that are owned by the top 100 parent companies – defined by the number of facilities under their control. This brought the dataset from a size of &gt;20,000 entries to around 5,000, so still a very thorough dataset.</a:t>
+              <a:t> making dummy variables I was left with about a 30 feature model, and a baseline model with an r2 of .209 and we some clearly non-normal behavior in the residuals. Also from the correlation matrix we see strong correlations between all of the company financial values so that tells us we’re going to have to drop some of those to deal with multicollinearity. Interestingly, when I ran the models with only categorical or numerical values the categorical variables actually had a better r2 value. </a:t>
             </a:r>
             <a:endParaRPr lang="en-US" dirty="0"/>
           </a:p>
@@ -1345,7 +1429,7 @@
     </p:spTree>
     <p:extLst>
       <p:ext uri="{BB962C8B-B14F-4D97-AF65-F5344CB8AC3E}">
-        <p14:creationId xmlns:p14="http://schemas.microsoft.com/office/powerpoint/2010/main" val="1716925278"/>
+        <p14:creationId xmlns:p14="http://schemas.microsoft.com/office/powerpoint/2010/main" val="1267265548"/>
       </p:ext>
     </p:extLst>
   </p:cSld>
@@ -1401,12 +1485,29 @@
           <a:p>
             <a:r>
               <a:rPr lang="en-US" dirty="0" smtClean="0"/>
-              <a:t>And the final data</a:t>
+              <a:t>So to fix some of the</a:t>
             </a:r>
             <a:r>
               <a:rPr lang="en-US" baseline="0" dirty="0" smtClean="0"/>
-              <a:t> set I extracted, also via web scraping, was the election swing from every election since 2000. The purpose of this is to map onto the state of the facilities, with the idea being that states that swing more democratic are likely to have more restrictive emission regulations. So each state will be mapped to its average swing toward the democratic party, taking a 50 category variable and turning it into a continuous numeric value for modeling. </a:t>
-            </a:r>
+              <a:t> issues and low r2 of our baseline model, I did some transformations on both the target and features and the best for the target ended up being a box-cox transformation which clearly gives us a much better target </a:t>
+            </a:r>
+            <a:r>
+              <a:rPr lang="en-US" baseline="0" dirty="0" err="1" smtClean="0"/>
+              <a:t>distrubution</a:t>
+            </a:r>
+            <a:r>
+              <a:rPr lang="en-US" baseline="0" dirty="0" smtClean="0"/>
+              <a:t> moving forward. I also tried log and </a:t>
+            </a:r>
+            <a:r>
+              <a:rPr lang="en-US" baseline="0" dirty="0" err="1" smtClean="0"/>
+              <a:t>sqrt</a:t>
+            </a:r>
+            <a:r>
+              <a:rPr lang="en-US" baseline="0" dirty="0" smtClean="0"/>
+              <a:t> on some of the features but those largely didn’t perform as well</a:t>
+            </a:r>
+            <a:endParaRPr lang="en-US" dirty="0"/>
           </a:p>
         </p:txBody>
       </p:sp>
@@ -1436,7 +1537,7 @@
     </p:spTree>
     <p:extLst>
       <p:ext uri="{BB962C8B-B14F-4D97-AF65-F5344CB8AC3E}">
-        <p14:creationId xmlns:p14="http://schemas.microsoft.com/office/powerpoint/2010/main" val="1807672543"/>
+        <p14:creationId xmlns:p14="http://schemas.microsoft.com/office/powerpoint/2010/main" val="631030396"/>
       </p:ext>
     </p:extLst>
   </p:cSld>
@@ -1492,19 +1593,11 @@
           <a:p>
             <a:r>
               <a:rPr lang="en-US" dirty="0" smtClean="0"/>
-              <a:t>So</a:t>
+              <a:t>So the final model I arrived at, was</a:t>
             </a:r>
             <a:r>
               <a:rPr lang="en-US" baseline="0" dirty="0" smtClean="0"/>
-              <a:t> this is the final dataset, with </a:t>
-            </a:r>
-            <a:r>
-              <a:rPr lang="en-US" baseline="0" dirty="0" err="1" smtClean="0"/>
-              <a:t>GHG_total</a:t>
-            </a:r>
-            <a:r>
-              <a:rPr lang="en-US" baseline="0" dirty="0" smtClean="0"/>
-              <a:t> being the target of the analysis, 3 categorical variables culled down to distinct groups from very large variety categorical feature.</a:t>
+              <a:t> transforming the target via a box-cox transformation, dropping Operating Income, Net income, and total equity, and performing a ridge regression. It dramatically improves the distribution of the residuals and the only deviation we see in the normal Q-Q plot is on the tails and a much smaller magnitude than the original model. </a:t>
             </a:r>
             <a:endParaRPr lang="en-US" dirty="0"/>
           </a:p>
@@ -1536,7 +1629,7 @@
     </p:spTree>
     <p:extLst>
       <p:ext uri="{BB962C8B-B14F-4D97-AF65-F5344CB8AC3E}">
-        <p14:creationId xmlns:p14="http://schemas.microsoft.com/office/powerpoint/2010/main" val="2076532193"/>
+        <p14:creationId xmlns:p14="http://schemas.microsoft.com/office/powerpoint/2010/main" val="1561979994"/>
       </p:ext>
     </p:extLst>
   </p:cSld>
@@ -1592,11 +1685,11 @@
           <a:p>
             <a:r>
               <a:rPr lang="en-US" dirty="0" smtClean="0"/>
-              <a:t>So to get into modeling, after</a:t>
+              <a:t>More data sets – get subsidiaries of</a:t>
             </a:r>
             <a:r>
               <a:rPr lang="en-US" baseline="0" dirty="0" smtClean="0"/>
-              <a:t> making dummy variables I was left with about a 30 feature model, and a baseline model with an r2 of .209 and we some clearly non-normal behavior in the residuals. Also from the correlation matrix we see strong correlations between all of the company financial values so that tells us we’re going to have to drop some of those to deal with multicollinearity. Interestingly, when I ran the models with only categorical or numerical values the categorical variables actually had a better r2 value. </a:t>
+              <a:t> parent companies, more facility by facility information. </a:t>
             </a:r>
             <a:endParaRPr lang="en-US" dirty="0"/>
           </a:p>
@@ -1628,7 +1721,7 @@
     </p:spTree>
     <p:extLst>
       <p:ext uri="{BB962C8B-B14F-4D97-AF65-F5344CB8AC3E}">
-        <p14:creationId xmlns:p14="http://schemas.microsoft.com/office/powerpoint/2010/main" val="838122998"/>
+        <p14:creationId xmlns:p14="http://schemas.microsoft.com/office/powerpoint/2010/main" val="1802075913"/>
       </p:ext>
     </p:extLst>
   </p:cSld>
@@ -2008,7 +2101,7 @@
           <a:p>
             <a:fld id="{1D4CD3F6-D90B-BC43-8B55-94F98B0F7797}" type="datetimeFigureOut">
               <a:rPr lang="en-US" smtClean="0"/>
-              <a:t>1/17/22</a:t>
+              <a:t>1/18/22</a:t>
             </a:fld>
             <a:endParaRPr lang="en-US"/>
           </a:p>
@@ -2250,7 +2343,7 @@
           <a:p>
             <a:fld id="{1D4CD3F6-D90B-BC43-8B55-94F98B0F7797}" type="datetimeFigureOut">
               <a:rPr lang="en-US" smtClean="0"/>
-              <a:t>1/17/22</a:t>
+              <a:t>1/18/22</a:t>
             </a:fld>
             <a:endParaRPr lang="en-US"/>
           </a:p>
@@ -2631,7 +2724,7 @@
           <a:p>
             <a:fld id="{1D4CD3F6-D90B-BC43-8B55-94F98B0F7797}" type="datetimeFigureOut">
               <a:rPr lang="en-US" smtClean="0"/>
-              <a:t>1/17/22</a:t>
+              <a:t>1/18/22</a:t>
             </a:fld>
             <a:endParaRPr lang="en-US"/>
           </a:p>
@@ -2852,7 +2945,7 @@
           <a:p>
             <a:fld id="{1D4CD3F6-D90B-BC43-8B55-94F98B0F7797}" type="datetimeFigureOut">
               <a:rPr lang="en-US" smtClean="0"/>
-              <a:t>1/17/22</a:t>
+              <a:t>1/18/22</a:t>
             </a:fld>
             <a:endParaRPr lang="en-US"/>
           </a:p>
@@ -3326,7 +3419,7 @@
           <a:p>
             <a:fld id="{1D4CD3F6-D90B-BC43-8B55-94F98B0F7797}" type="datetimeFigureOut">
               <a:rPr lang="en-US" smtClean="0"/>
-              <a:t>1/17/22</a:t>
+              <a:t>1/18/22</a:t>
             </a:fld>
             <a:endParaRPr lang="en-US"/>
           </a:p>
@@ -3625,7 +3718,7 @@
           <a:p>
             <a:fld id="{1D4CD3F6-D90B-BC43-8B55-94F98B0F7797}" type="datetimeFigureOut">
               <a:rPr lang="en-US" smtClean="0"/>
-              <a:t>1/17/22</a:t>
+              <a:t>1/18/22</a:t>
             </a:fld>
             <a:endParaRPr lang="en-US"/>
           </a:p>
@@ -4011,7 +4104,7 @@
           <a:p>
             <a:fld id="{1D4CD3F6-D90B-BC43-8B55-94F98B0F7797}" type="datetimeFigureOut">
               <a:rPr lang="en-US" smtClean="0"/>
-              <a:t>1/17/22</a:t>
+              <a:t>1/18/22</a:t>
             </a:fld>
             <a:endParaRPr lang="en-US"/>
           </a:p>
@@ -4124,7 +4217,7 @@
           <a:p>
             <a:fld id="{1D4CD3F6-D90B-BC43-8B55-94F98B0F7797}" type="datetimeFigureOut">
               <a:rPr lang="en-US" smtClean="0"/>
-              <a:t>1/17/22</a:t>
+              <a:t>1/18/22</a:t>
             </a:fld>
             <a:endParaRPr lang="en-US"/>
           </a:p>
@@ -4214,7 +4307,7 @@
           <a:p>
             <a:fld id="{1D4CD3F6-D90B-BC43-8B55-94F98B0F7797}" type="datetimeFigureOut">
               <a:rPr lang="en-US" smtClean="0"/>
-              <a:t>1/17/22</a:t>
+              <a:t>1/18/22</a:t>
             </a:fld>
             <a:endParaRPr lang="en-US"/>
           </a:p>
@@ -4509,7 +4602,7 @@
           <a:p>
             <a:fld id="{1D4CD3F6-D90B-BC43-8B55-94F98B0F7797}" type="datetimeFigureOut">
               <a:rPr lang="en-US" smtClean="0"/>
-              <a:t>1/17/22</a:t>
+              <a:t>1/18/22</a:t>
             </a:fld>
             <a:endParaRPr lang="en-US"/>
           </a:p>
@@ -4769,7 +4862,7 @@
           <a:p>
             <a:fld id="{1D4CD3F6-D90B-BC43-8B55-94F98B0F7797}" type="datetimeFigureOut">
               <a:rPr lang="en-US" smtClean="0"/>
-              <a:t>1/17/22</a:t>
+              <a:t>1/18/22</a:t>
             </a:fld>
             <a:endParaRPr lang="en-US"/>
           </a:p>
@@ -5176,7 +5269,7 @@
           <a:p>
             <a:fld id="{1D4CD3F6-D90B-BC43-8B55-94F98B0F7797}" type="datetimeFigureOut">
               <a:rPr lang="en-US" smtClean="0"/>
-              <a:t>1/17/22</a:t>
+              <a:t>1/18/22</a:t>
             </a:fld>
             <a:endParaRPr lang="en-US"/>
           </a:p>
@@ -5715,16 +5808,8 @@
           <a:lstStyle/>
           <a:p>
             <a:r>
-              <a:rPr lang="en-US" smtClean="0"/>
-              <a:t>Presented by </a:t>
-            </a:r>
-            <a:r>
               <a:rPr lang="en-US" dirty="0" smtClean="0"/>
-              <a:t>Samuel </a:t>
-            </a:r>
-            <a:r>
-              <a:rPr lang="en-US" dirty="0" smtClean="0"/>
-              <a:t>Robbins</a:t>
+              <a:t>Presented by Samuel Robbins</a:t>
             </a:r>
           </a:p>
           <a:p>
@@ -5826,45 +5911,11 @@
           <a:chExt cx="0" cy="0"/>
         </a:xfrm>
       </p:grpSpPr>
-      <p:sp>
-        <p:nvSpPr>
-          <p:cNvPr id="2" name="Title 1"/>
-          <p:cNvSpPr>
-            <a:spLocks noGrp="1"/>
-          </p:cNvSpPr>
-          <p:nvPr>
-            <p:ph type="title"/>
-          </p:nvPr>
-        </p:nvSpPr>
-        <p:spPr>
-          <a:xfrm>
-            <a:off x="276447" y="559676"/>
-            <a:ext cx="4451195" cy="1930605"/>
-          </a:xfrm>
-        </p:spPr>
-        <p:txBody>
-          <a:bodyPr>
-            <a:noAutofit/>
-          </a:bodyPr>
-          <a:lstStyle/>
-          <a:p>
-            <a:r>
-              <a:rPr lang="en-US" sz="4000" dirty="0" smtClean="0"/>
-              <a:t>Modeling and </a:t>
-            </a:r>
-            <a:r>
-              <a:rPr lang="en-US" sz="4000" smtClean="0"/>
-              <a:t>Feature Transformations</a:t>
-            </a:r>
-            <a:endParaRPr lang="en-US" sz="4000" dirty="0"/>
-          </a:p>
-        </p:txBody>
-      </p:sp>
       <p:pic>
         <p:nvPicPr>
-          <p:cNvPr id="5" name="Picture 4"/>
+          <p:cNvPr id="7" name="Picture 2" descr="reenhouse gases&amp;#39; effect on climate - U.S. Energy Information  Admin"/>
           <p:cNvPicPr>
-            <a:picLocks noChangeAspect="1"/>
+            <a:picLocks noChangeAspect="1" noChangeArrowheads="1"/>
           </p:cNvPicPr>
           <p:nvPr/>
         </p:nvPicPr>
@@ -5876,25 +5927,36 @@
               </a:ext>
             </a:extLst>
           </a:blip>
+          <a:srcRect/>
           <a:stretch>
             <a:fillRect/>
           </a:stretch>
         </p:blipFill>
-        <p:spPr>
+        <p:spPr bwMode="auto">
           <a:xfrm>
-            <a:off x="8888818" y="213826"/>
-            <a:ext cx="2926962" cy="2105304"/>
+            <a:off x="6220796" y="2992281"/>
+            <a:ext cx="5509581" cy="3705193"/>
           </a:xfrm>
           <a:prstGeom prst="rect">
             <a:avLst/>
           </a:prstGeom>
+          <a:noFill/>
+          <a:extLst>
+            <a:ext uri="{909E8E84-426E-40DD-AFC4-6F175D3DCCD1}">
+              <a14:hiddenFill xmlns:a14="http://schemas.microsoft.com/office/drawing/2010/main">
+                <a:solidFill>
+                  <a:srgbClr val="FFFFFF"/>
+                </a:solidFill>
+              </a14:hiddenFill>
+            </a:ext>
+          </a:extLst>
         </p:spPr>
       </p:pic>
       <p:pic>
         <p:nvPicPr>
-          <p:cNvPr id="6" name="Picture 5"/>
+          <p:cNvPr id="9" name="Picture 4" descr="https://climateactiontracker.org/media/images/CAT_2021.05_2100WarmingProjectionsGraph.width-1110.png"/>
           <p:cNvPicPr>
-            <a:picLocks noChangeAspect="1"/>
+            <a:picLocks noChangeAspect="1" noChangeArrowheads="1"/>
           </p:cNvPicPr>
           <p:nvPr/>
         </p:nvPicPr>
@@ -5906,606 +5968,45 @@
               </a:ext>
             </a:extLst>
           </a:blip>
+          <a:srcRect/>
           <a:stretch>
             <a:fillRect/>
           </a:stretch>
         </p:blipFill>
-        <p:spPr>
+        <p:spPr bwMode="auto">
           <a:xfrm>
-            <a:off x="1481874" y="2490281"/>
-            <a:ext cx="9228252" cy="3939113"/>
-          </a:xfrm>
-          <a:prstGeom prst="rect">
-            <a:avLst/>
-          </a:prstGeom>
-        </p:spPr>
-      </p:pic>
-    </p:spTree>
-    <p:extLst>
-      <p:ext uri="{BB962C8B-B14F-4D97-AF65-F5344CB8AC3E}">
-        <p14:creationId xmlns:p14="http://schemas.microsoft.com/office/powerpoint/2010/main" val="2026589745"/>
-      </p:ext>
-    </p:extLst>
-  </p:cSld>
-  <p:clrMapOvr>
-    <a:masterClrMapping/>
-  </p:clrMapOvr>
-  <p:timing>
-    <p:tnLst>
-      <p:par>
-        <p:cTn id="1" dur="indefinite" restart="never" nodeType="tmRoot"/>
-      </p:par>
-    </p:tnLst>
-  </p:timing>
-</p:sld>
-</file>
-
-<file path=ppt/slides/slide11.xml><?xml version="1.0" encoding="utf-8"?>
-<p:sld xmlns:a="http://schemas.openxmlformats.org/drawingml/2006/main" xmlns:r="http://schemas.openxmlformats.org/officeDocument/2006/relationships" xmlns:p="http://schemas.openxmlformats.org/presentationml/2006/main">
-  <p:cSld>
-    <p:spTree>
-      <p:nvGrpSpPr>
-        <p:cNvPr id="1" name=""/>
-        <p:cNvGrpSpPr/>
-        <p:nvPr/>
-      </p:nvGrpSpPr>
-      <p:grpSpPr>
-        <a:xfrm>
-          <a:off x="0" y="0"/>
-          <a:ext cx="0" cy="0"/>
-          <a:chOff x="0" y="0"/>
-          <a:chExt cx="0" cy="0"/>
-        </a:xfrm>
-      </p:grpSpPr>
-      <p:pic>
-        <p:nvPicPr>
-          <p:cNvPr id="9" name="Picture 8"/>
-          <p:cNvPicPr>
-            <a:picLocks noChangeAspect="1"/>
-          </p:cNvPicPr>
-          <p:nvPr/>
-        </p:nvPicPr>
-        <p:blipFill>
-          <a:blip r:embed="rId3">
-            <a:extLst>
-              <a:ext uri="{28A0092B-C50C-407E-A947-70E740481C1C}">
-                <a14:useLocalDpi xmlns:a14="http://schemas.microsoft.com/office/drawing/2010/main" val="0"/>
-              </a:ext>
-            </a:extLst>
-          </a:blip>
-          <a:stretch>
-            <a:fillRect/>
-          </a:stretch>
-        </p:blipFill>
-        <p:spPr>
-          <a:xfrm>
-            <a:off x="546340" y="2890099"/>
-            <a:ext cx="4181302" cy="2794592"/>
-          </a:xfrm>
-          <a:prstGeom prst="rect">
-            <a:avLst/>
-          </a:prstGeom>
-        </p:spPr>
-      </p:pic>
-      <p:pic>
-        <p:nvPicPr>
-          <p:cNvPr id="10" name="Picture 9"/>
-          <p:cNvPicPr>
-            <a:picLocks noChangeAspect="1"/>
-          </p:cNvPicPr>
-          <p:nvPr/>
-        </p:nvPicPr>
-        <p:blipFill>
-          <a:blip r:embed="rId4">
-            <a:extLst>
-              <a:ext uri="{28A0092B-C50C-407E-A947-70E740481C1C}">
-                <a14:useLocalDpi xmlns:a14="http://schemas.microsoft.com/office/drawing/2010/main" val="0"/>
-              </a:ext>
-            </a:extLst>
-          </a:blip>
-          <a:stretch>
-            <a:fillRect/>
-          </a:stretch>
-        </p:blipFill>
-        <p:spPr>
-          <a:xfrm>
-            <a:off x="7448564" y="2795508"/>
-            <a:ext cx="4197096" cy="2798064"/>
-          </a:xfrm>
-          <a:prstGeom prst="rect">
-            <a:avLst/>
-          </a:prstGeom>
-        </p:spPr>
-      </p:pic>
-      <p:sp>
-        <p:nvSpPr>
-          <p:cNvPr id="2" name="Title 1"/>
-          <p:cNvSpPr>
-            <a:spLocks noGrp="1"/>
-          </p:cNvSpPr>
-          <p:nvPr>
-            <p:ph type="title"/>
-          </p:nvPr>
-        </p:nvSpPr>
-        <p:spPr>
-          <a:xfrm>
-            <a:off x="276447" y="559676"/>
-            <a:ext cx="4451195" cy="1930605"/>
-          </a:xfrm>
-        </p:spPr>
-        <p:txBody>
-          <a:bodyPr>
-            <a:noAutofit/>
-          </a:bodyPr>
-          <a:lstStyle/>
-          <a:p>
-            <a:r>
-              <a:rPr lang="en-US" sz="4000" dirty="0" smtClean="0"/>
-              <a:t>Modeling and </a:t>
-            </a:r>
-            <a:r>
-              <a:rPr lang="en-US" sz="4000" smtClean="0"/>
-              <a:t>Feature Transformations</a:t>
-            </a:r>
-            <a:endParaRPr lang="en-US" sz="4000" dirty="0"/>
-          </a:p>
-        </p:txBody>
-      </p:sp>
-      <p:sp>
-        <p:nvSpPr>
-          <p:cNvPr id="11" name="Right Arrow 10"/>
-          <p:cNvSpPr/>
-          <p:nvPr/>
-        </p:nvSpPr>
-        <p:spPr>
-          <a:xfrm>
-            <a:off x="4525117" y="3992521"/>
-            <a:ext cx="3125972" cy="404037"/>
-          </a:xfrm>
-          <a:prstGeom prst="rightArrow">
-            <a:avLst/>
-          </a:prstGeom>
-        </p:spPr>
-        <p:style>
-          <a:lnRef idx="2">
-            <a:schemeClr val="accent1">
-              <a:shade val="50000"/>
-            </a:schemeClr>
-          </a:lnRef>
-          <a:fillRef idx="1">
-            <a:schemeClr val="accent1"/>
-          </a:fillRef>
-          <a:effectRef idx="0">
-            <a:schemeClr val="accent1"/>
-          </a:effectRef>
-          <a:fontRef idx="minor">
-            <a:schemeClr val="lt1"/>
-          </a:fontRef>
-        </p:style>
-        <p:txBody>
-          <a:bodyPr rtlCol="0" anchor="ctr"/>
-          <a:lstStyle/>
-          <a:p>
-            <a:pPr algn="ctr"/>
-            <a:endParaRPr lang="en-US"/>
-          </a:p>
-        </p:txBody>
-      </p:sp>
-      <p:sp>
-        <p:nvSpPr>
-          <p:cNvPr id="12" name="TextBox 11"/>
-          <p:cNvSpPr txBox="1"/>
-          <p:nvPr/>
-        </p:nvSpPr>
-        <p:spPr>
-          <a:xfrm>
-            <a:off x="1686224" y="3276310"/>
-            <a:ext cx="2934586" cy="369332"/>
+            <a:off x="6264102" y="257552"/>
+            <a:ext cx="5466275" cy="2541079"/>
           </a:xfrm>
           <a:prstGeom prst="rect">
             <a:avLst/>
           </a:prstGeom>
           <a:noFill/>
+          <a:extLst>
+            <a:ext uri="{909E8E84-426E-40DD-AFC4-6F175D3DCCD1}">
+              <a14:hiddenFill xmlns:a14="http://schemas.microsoft.com/office/drawing/2010/main">
+                <a:solidFill>
+                  <a:srgbClr val="FFFFFF"/>
+                </a:solidFill>
+              </a14:hiddenFill>
+            </a:ext>
+          </a:extLst>
         </p:spPr>
-        <p:txBody>
-          <a:bodyPr wrap="square" rtlCol="0">
-            <a:spAutoFit/>
-          </a:bodyPr>
-          <a:lstStyle/>
-          <a:p>
-            <a:r>
-              <a:rPr lang="en-US" dirty="0" smtClean="0"/>
-              <a:t>Original Target Distribution</a:t>
-            </a:r>
-            <a:endParaRPr lang="en-US" dirty="0"/>
-          </a:p>
-        </p:txBody>
-      </p:sp>
-      <p:sp>
-        <p:nvSpPr>
-          <p:cNvPr id="13" name="TextBox 12"/>
-          <p:cNvSpPr txBox="1"/>
-          <p:nvPr/>
+      </p:pic>
+      <p:sp>
+        <p:nvSpPr>
+          <p:cNvPr id="2" name="Title 1"/>
+          <p:cNvSpPr>
+            <a:spLocks noGrp="1"/>
+          </p:cNvSpPr>
+          <p:nvPr>
+            <p:ph type="title"/>
+          </p:nvPr>
         </p:nvSpPr>
         <p:spPr>
           <a:xfrm>
-            <a:off x="4892484" y="3739527"/>
-            <a:ext cx="2934586" cy="369332"/>
-          </a:xfrm>
-          <a:prstGeom prst="rect">
-            <a:avLst/>
-          </a:prstGeom>
-          <a:noFill/>
-        </p:spPr>
-        <p:txBody>
-          <a:bodyPr wrap="square" rtlCol="0">
-            <a:spAutoFit/>
-          </a:bodyPr>
-          <a:lstStyle/>
-          <a:p>
-            <a:r>
-              <a:rPr lang="en-US" dirty="0" smtClean="0"/>
-              <a:t>Box-Cox Transformation</a:t>
-            </a:r>
-            <a:endParaRPr lang="en-US" dirty="0"/>
-          </a:p>
-        </p:txBody>
-      </p:sp>
-      <p:sp>
-        <p:nvSpPr>
-          <p:cNvPr id="14" name="TextBox 13"/>
-          <p:cNvSpPr txBox="1"/>
-          <p:nvPr/>
-        </p:nvSpPr>
-        <p:spPr>
-          <a:xfrm>
-            <a:off x="8205575" y="3137811"/>
-            <a:ext cx="2934586" cy="646331"/>
-          </a:xfrm>
-          <a:prstGeom prst="rect">
-            <a:avLst/>
-          </a:prstGeom>
-          <a:noFill/>
-        </p:spPr>
-        <p:txBody>
-          <a:bodyPr wrap="square" rtlCol="0">
-            <a:spAutoFit/>
-          </a:bodyPr>
-          <a:lstStyle/>
-          <a:p>
-            <a:pPr algn="r"/>
-            <a:r>
-              <a:rPr lang="en-US" dirty="0" smtClean="0"/>
-              <a:t>New Target </a:t>
-            </a:r>
-          </a:p>
-          <a:p>
-            <a:pPr algn="r"/>
-            <a:r>
-              <a:rPr lang="en-US" dirty="0" smtClean="0"/>
-              <a:t>Distribution</a:t>
-            </a:r>
-            <a:endParaRPr lang="en-US" dirty="0"/>
-          </a:p>
-        </p:txBody>
-      </p:sp>
-    </p:spTree>
-    <p:extLst>
-      <p:ext uri="{BB962C8B-B14F-4D97-AF65-F5344CB8AC3E}">
-        <p14:creationId xmlns:p14="http://schemas.microsoft.com/office/powerpoint/2010/main" val="899334441"/>
-      </p:ext>
-    </p:extLst>
-  </p:cSld>
-  <p:clrMapOvr>
-    <a:masterClrMapping/>
-  </p:clrMapOvr>
-  <p:timing>
-    <p:tnLst>
-      <p:par>
-        <p:cTn id="1" dur="indefinite" restart="never" nodeType="tmRoot">
-          <p:childTnLst>
-            <p:seq concurrent="1" nextAc="seek">
-              <p:cTn id="2" dur="indefinite" nodeType="mainSeq">
-                <p:childTnLst>
-                  <p:par>
-                    <p:cTn id="3" fill="hold">
-                      <p:stCondLst>
-                        <p:cond delay="indefinite"/>
-                        <p:cond evt="onBegin" delay="0">
-                          <p:tn val="2"/>
-                        </p:cond>
-                      </p:stCondLst>
-                      <p:childTnLst>
-                        <p:par>
-                          <p:cTn id="4" fill="hold">
-                            <p:stCondLst>
-                              <p:cond delay="0"/>
-                            </p:stCondLst>
-                            <p:childTnLst>
-                              <p:par>
-                                <p:cTn id="5" presetID="1" presetClass="entr" presetSubtype="0" fill="hold" grpId="0" nodeType="withEffect">
-                                  <p:stCondLst>
-                                    <p:cond delay="0"/>
-                                  </p:stCondLst>
-                                  <p:childTnLst>
-                                    <p:set>
-                                      <p:cBhvr>
-                                        <p:cTn id="6" dur="1" fill="hold">
-                                          <p:stCondLst>
-                                            <p:cond delay="0"/>
-                                          </p:stCondLst>
-                                        </p:cTn>
-                                        <p:tgtEl>
-                                          <p:spTgt spid="12"/>
-                                        </p:tgtEl>
-                                        <p:attrNameLst>
-                                          <p:attrName>style.visibility</p:attrName>
-                                        </p:attrNameLst>
-                                      </p:cBhvr>
-                                      <p:to>
-                                        <p:strVal val="visible"/>
-                                      </p:to>
-                                    </p:set>
-                                  </p:childTnLst>
-                                </p:cTn>
-                              </p:par>
-                            </p:childTnLst>
-                          </p:cTn>
-                        </p:par>
-                      </p:childTnLst>
-                    </p:cTn>
-                  </p:par>
-                  <p:par>
-                    <p:cTn id="7" fill="hold">
-                      <p:stCondLst>
-                        <p:cond delay="indefinite"/>
-                      </p:stCondLst>
-                      <p:childTnLst>
-                        <p:par>
-                          <p:cTn id="8" fill="hold">
-                            <p:stCondLst>
-                              <p:cond delay="0"/>
-                            </p:stCondLst>
-                            <p:childTnLst>
-                              <p:par>
-                                <p:cTn id="9" presetID="1" presetClass="entr" presetSubtype="0" fill="hold" grpId="0" nodeType="clickEffect">
-                                  <p:stCondLst>
-                                    <p:cond delay="0"/>
-                                  </p:stCondLst>
-                                  <p:childTnLst>
-                                    <p:set>
-                                      <p:cBhvr>
-                                        <p:cTn id="10" dur="1" fill="hold">
-                                          <p:stCondLst>
-                                            <p:cond delay="0"/>
-                                          </p:stCondLst>
-                                        </p:cTn>
-                                        <p:tgtEl>
-                                          <p:spTgt spid="11"/>
-                                        </p:tgtEl>
-                                        <p:attrNameLst>
-                                          <p:attrName>style.visibility</p:attrName>
-                                        </p:attrNameLst>
-                                      </p:cBhvr>
-                                      <p:to>
-                                        <p:strVal val="visible"/>
-                                      </p:to>
-                                    </p:set>
-                                  </p:childTnLst>
-                                </p:cTn>
-                              </p:par>
-                              <p:par>
-                                <p:cTn id="11" presetID="1" presetClass="entr" presetSubtype="0" fill="hold" grpId="0" nodeType="withEffect">
-                                  <p:stCondLst>
-                                    <p:cond delay="0"/>
-                                  </p:stCondLst>
-                                  <p:childTnLst>
-                                    <p:set>
-                                      <p:cBhvr>
-                                        <p:cTn id="12" dur="1" fill="hold">
-                                          <p:stCondLst>
-                                            <p:cond delay="0"/>
-                                          </p:stCondLst>
-                                        </p:cTn>
-                                        <p:tgtEl>
-                                          <p:spTgt spid="13"/>
-                                        </p:tgtEl>
-                                        <p:attrNameLst>
-                                          <p:attrName>style.visibility</p:attrName>
-                                        </p:attrNameLst>
-                                      </p:cBhvr>
-                                      <p:to>
-                                        <p:strVal val="visible"/>
-                                      </p:to>
-                                    </p:set>
-                                  </p:childTnLst>
-                                </p:cTn>
-                              </p:par>
-                              <p:par>
-                                <p:cTn id="13" presetID="1" presetClass="entr" presetSubtype="0" fill="hold" grpId="0" nodeType="withEffect">
-                                  <p:stCondLst>
-                                    <p:cond delay="0"/>
-                                  </p:stCondLst>
-                                  <p:childTnLst>
-                                    <p:set>
-                                      <p:cBhvr>
-                                        <p:cTn id="14" dur="1" fill="hold">
-                                          <p:stCondLst>
-                                            <p:cond delay="0"/>
-                                          </p:stCondLst>
-                                        </p:cTn>
-                                        <p:tgtEl>
-                                          <p:spTgt spid="14"/>
-                                        </p:tgtEl>
-                                        <p:attrNameLst>
-                                          <p:attrName>style.visibility</p:attrName>
-                                        </p:attrNameLst>
-                                      </p:cBhvr>
-                                      <p:to>
-                                        <p:strVal val="visible"/>
-                                      </p:to>
-                                    </p:set>
-                                  </p:childTnLst>
-                                </p:cTn>
-                              </p:par>
-                            </p:childTnLst>
-                          </p:cTn>
-                        </p:par>
-                      </p:childTnLst>
-                    </p:cTn>
-                  </p:par>
-                  <p:par>
-                    <p:cTn id="15" fill="hold">
-                      <p:stCondLst>
-                        <p:cond delay="indefinite"/>
-                      </p:stCondLst>
-                      <p:childTnLst>
-                        <p:par>
-                          <p:cTn id="16" fill="hold">
-                            <p:stCondLst>
-                              <p:cond delay="0"/>
-                            </p:stCondLst>
-                            <p:childTnLst>
-                              <p:par>
-                                <p:cTn id="17" presetID="1" presetClass="entr" presetSubtype="0" fill="hold" nodeType="clickEffect">
-                                  <p:stCondLst>
-                                    <p:cond delay="0"/>
-                                  </p:stCondLst>
-                                  <p:childTnLst>
-                                    <p:set>
-                                      <p:cBhvr>
-                                        <p:cTn id="18" dur="1" fill="hold">
-                                          <p:stCondLst>
-                                            <p:cond delay="0"/>
-                                          </p:stCondLst>
-                                        </p:cTn>
-                                        <p:tgtEl>
-                                          <p:spTgt spid="9"/>
-                                        </p:tgtEl>
-                                        <p:attrNameLst>
-                                          <p:attrName>style.visibility</p:attrName>
-                                        </p:attrNameLst>
-                                      </p:cBhvr>
-                                      <p:to>
-                                        <p:strVal val="visible"/>
-                                      </p:to>
-                                    </p:set>
-                                  </p:childTnLst>
-                                </p:cTn>
-                              </p:par>
-                            </p:childTnLst>
-                          </p:cTn>
-                        </p:par>
-                      </p:childTnLst>
-                    </p:cTn>
-                  </p:par>
-                  <p:par>
-                    <p:cTn id="19" fill="hold">
-                      <p:stCondLst>
-                        <p:cond delay="indefinite"/>
-                      </p:stCondLst>
-                      <p:childTnLst>
-                        <p:par>
-                          <p:cTn id="20" fill="hold">
-                            <p:stCondLst>
-                              <p:cond delay="0"/>
-                            </p:stCondLst>
-                            <p:childTnLst>
-                              <p:par>
-                                <p:cTn id="21" presetID="1" presetClass="entr" presetSubtype="0" fill="hold" nodeType="clickEffect">
-                                  <p:stCondLst>
-                                    <p:cond delay="0"/>
-                                  </p:stCondLst>
-                                  <p:childTnLst>
-                                    <p:set>
-                                      <p:cBhvr>
-                                        <p:cTn id="22" dur="1" fill="hold">
-                                          <p:stCondLst>
-                                            <p:cond delay="0"/>
-                                          </p:stCondLst>
-                                        </p:cTn>
-                                        <p:tgtEl>
-                                          <p:spTgt spid="10"/>
-                                        </p:tgtEl>
-                                        <p:attrNameLst>
-                                          <p:attrName>style.visibility</p:attrName>
-                                        </p:attrNameLst>
-                                      </p:cBhvr>
-                                      <p:to>
-                                        <p:strVal val="visible"/>
-                                      </p:to>
-                                    </p:set>
-                                  </p:childTnLst>
-                                </p:cTn>
-                              </p:par>
-                            </p:childTnLst>
-                          </p:cTn>
-                        </p:par>
-                      </p:childTnLst>
-                    </p:cTn>
-                  </p:par>
-                </p:childTnLst>
-              </p:cTn>
-              <p:prevCondLst>
-                <p:cond evt="onPrev" delay="0">
-                  <p:tgtEl>
-                    <p:sldTgt/>
-                  </p:tgtEl>
-                </p:cond>
-              </p:prevCondLst>
-              <p:nextCondLst>
-                <p:cond evt="onNext" delay="0">
-                  <p:tgtEl>
-                    <p:sldTgt/>
-                  </p:tgtEl>
-                </p:cond>
-              </p:nextCondLst>
-            </p:seq>
-          </p:childTnLst>
-        </p:cTn>
-      </p:par>
-    </p:tnLst>
-    <p:bldLst>
-      <p:bldP spid="11" grpId="0" animBg="1"/>
-      <p:bldP spid="12" grpId="0"/>
-      <p:bldP spid="13" grpId="0"/>
-      <p:bldP spid="14" grpId="0"/>
-    </p:bldLst>
-  </p:timing>
-</p:sld>
-</file>
-
-<file path=ppt/slides/slide12.xml><?xml version="1.0" encoding="utf-8"?>
-<p:sld xmlns:a="http://schemas.openxmlformats.org/drawingml/2006/main" xmlns:r="http://schemas.openxmlformats.org/officeDocument/2006/relationships" xmlns:p="http://schemas.openxmlformats.org/presentationml/2006/main">
-  <p:cSld>
-    <p:spTree>
-      <p:nvGrpSpPr>
-        <p:cNvPr id="1" name=""/>
-        <p:cNvGrpSpPr/>
-        <p:nvPr/>
-      </p:nvGrpSpPr>
-      <p:grpSpPr>
-        <a:xfrm>
-          <a:off x="0" y="0"/>
-          <a:ext cx="0" cy="0"/>
-          <a:chOff x="0" y="0"/>
-          <a:chExt cx="0" cy="0"/>
-        </a:xfrm>
-      </p:grpSpPr>
-      <p:sp>
-        <p:nvSpPr>
-          <p:cNvPr id="2" name="Title 1"/>
-          <p:cNvSpPr>
-            <a:spLocks noGrp="1"/>
-          </p:cNvSpPr>
-          <p:nvPr>
-            <p:ph type="title"/>
-          </p:nvPr>
-        </p:nvSpPr>
-        <p:spPr>
-          <a:xfrm>
-            <a:off x="583661" y="559676"/>
-            <a:ext cx="4143982" cy="1930605"/>
+            <a:off x="583660" y="559676"/>
+            <a:ext cx="4597939" cy="795595"/>
           </a:xfrm>
         </p:spPr>
         <p:txBody>
@@ -6514,9 +6015,10 @@
           </a:bodyPr>
           <a:lstStyle/>
           <a:p>
+            <a:pPr algn="l"/>
             <a:r>
               <a:rPr lang="en-US" sz="4000" dirty="0" smtClean="0"/>
-              <a:t>Final Model</a:t>
+              <a:t>Closing Thoughts</a:t>
             </a:r>
             <a:endParaRPr lang="en-US" sz="4000" dirty="0"/>
           </a:p>
@@ -6532,8 +6034,8 @@
         </p:nvSpPr>
         <p:spPr>
           <a:xfrm>
-            <a:off x="583662" y="1357922"/>
-            <a:ext cx="3669362" cy="4702636"/>
+            <a:off x="583660" y="1569260"/>
+            <a:ext cx="4565011" cy="4178397"/>
           </a:xfrm>
           <a:prstGeom prst="rect">
             <a:avLst/>
@@ -6733,78 +6235,104 @@
             </a:lvl9pPr>
           </a:lstStyle>
           <a:p>
+            <a:pPr>
+              <a:lnSpc>
+                <a:spcPct val="150000"/>
+              </a:lnSpc>
+            </a:pPr>
             <a:r>
               <a:rPr lang="en-US" dirty="0" smtClean="0"/>
-              <a:t>Raised R2 from baseline of 0.2099 to 0.4815 (LR) or 0.458 (RR) </a:t>
-            </a:r>
-          </a:p>
-          <a:p>
-            <a:pPr marL="685800" lvl="1" indent="-685800"/>
-            <a:r>
-              <a:rPr lang="en-US" dirty="0"/>
-              <a:t>Model parameters: </a:t>
-            </a:r>
-          </a:p>
-          <a:p>
-            <a:pPr marL="1039813" lvl="2" indent="-1039813"/>
-            <a:r>
-              <a:rPr lang="en-US" dirty="0"/>
-              <a:t>dropped columns for Operating Income, Total Equity, and Net Income due to their multicollinearity </a:t>
-            </a:r>
-          </a:p>
-          <a:p>
-            <a:pPr marL="1039813" lvl="2" indent="-1039813"/>
-            <a:r>
-              <a:rPr lang="en-US" dirty="0"/>
-              <a:t>Transformed y via box-cox </a:t>
+              <a:t>Difficult </a:t>
             </a:r>
             <a:r>
               <a:rPr lang="en-US" dirty="0" smtClean="0"/>
-              <a:t>transformation</a:t>
-            </a:r>
-          </a:p>
-          <a:p>
+              <a:t>problem </a:t>
+            </a:r>
             <a:r>
               <a:rPr lang="en-US" dirty="0" smtClean="0"/>
-              <a:t>Another good model was the log of financial with a box-cox transformation on y</a:t>
-            </a:r>
-          </a:p>
-        </p:txBody>
-      </p:sp>
-      <p:pic>
-        <p:nvPicPr>
-          <p:cNvPr id="5" name="Picture 4"/>
-          <p:cNvPicPr>
-            <a:picLocks noChangeAspect="1"/>
-          </p:cNvPicPr>
+              <a:t>to </a:t>
+            </a:r>
+            <a:r>
+              <a:rPr lang="en-US" dirty="0" smtClean="0"/>
+              <a:t>model given inherent messiness of real world data</a:t>
+            </a:r>
+            <a:endParaRPr lang="en-US" dirty="0" smtClean="0"/>
+          </a:p>
+          <a:p>
+            <a:pPr>
+              <a:lnSpc>
+                <a:spcPct val="150000"/>
+              </a:lnSpc>
+            </a:pPr>
+            <a:r>
+              <a:rPr lang="en-US" dirty="0" smtClean="0"/>
+              <a:t>Possible future work: narrow parent companies down to subsidiaries</a:t>
+            </a:r>
+          </a:p>
+          <a:p>
+            <a:pPr marL="685800" lvl="1" indent="-685800">
+              <a:lnSpc>
+                <a:spcPct val="150000"/>
+              </a:lnSpc>
+            </a:pPr>
+            <a:r>
+              <a:rPr lang="en-US" dirty="0" smtClean="0"/>
+              <a:t>EX. Berkshire Hathaway (Warren Buffets company) is a giant multinational corporation so that financial data is being trickled down to even their smallest facility </a:t>
+            </a:r>
+            <a:endParaRPr lang="en-US" dirty="0"/>
+          </a:p>
+        </p:txBody>
+      </p:sp>
+      <p:sp>
+        <p:nvSpPr>
+          <p:cNvPr id="3" name="Oval 2"/>
+          <p:cNvSpPr/>
           <p:nvPr/>
-        </p:nvPicPr>
-        <p:blipFill>
-          <a:blip r:embed="rId3">
-            <a:extLst>
-              <a:ext uri="{28A0092B-C50C-407E-A947-70E740481C1C}">
-                <a14:useLocalDpi xmlns:a14="http://schemas.microsoft.com/office/drawing/2010/main" val="0"/>
-              </a:ext>
-            </a:extLst>
-          </a:blip>
-          <a:stretch>
-            <a:fillRect/>
-          </a:stretch>
-        </p:blipFill>
+        </p:nvSpPr>
         <p:spPr>
           <a:xfrm>
-            <a:off x="4253024" y="1652644"/>
-            <a:ext cx="7681308" cy="3271765"/>
+            <a:off x="9926862" y="3379581"/>
+            <a:ext cx="2117555" cy="2034513"/>
           </a:xfrm>
-          <a:prstGeom prst="rect">
+          <a:prstGeom prst="ellipse">
             <a:avLst/>
           </a:prstGeom>
+          <a:noFill/>
+          <a:ln w="38100">
+            <a:solidFill>
+              <a:srgbClr val="FF0000"/>
+            </a:solidFill>
+          </a:ln>
         </p:spPr>
-      </p:pic>
+        <p:style>
+          <a:lnRef idx="2">
+            <a:schemeClr val="accent1">
+              <a:shade val="50000"/>
+            </a:schemeClr>
+          </a:lnRef>
+          <a:fillRef idx="1">
+            <a:schemeClr val="accent1"/>
+          </a:fillRef>
+          <a:effectRef idx="0">
+            <a:schemeClr val="accent1"/>
+          </a:effectRef>
+          <a:fontRef idx="minor">
+            <a:schemeClr val="lt1"/>
+          </a:fontRef>
+        </p:style>
+        <p:txBody>
+          <a:bodyPr rtlCol="0" anchor="ctr"/>
+          <a:lstStyle/>
+          <a:p>
+            <a:pPr algn="ctr"/>
+            <a:endParaRPr lang="en-US"/>
+          </a:p>
+        </p:txBody>
+      </p:sp>
     </p:spTree>
     <p:extLst>
       <p:ext uri="{BB962C8B-B14F-4D97-AF65-F5344CB8AC3E}">
-        <p14:creationId xmlns:p14="http://schemas.microsoft.com/office/powerpoint/2010/main" val="294554680"/>
+        <p14:creationId xmlns:p14="http://schemas.microsoft.com/office/powerpoint/2010/main" val="2028279526"/>
       </p:ext>
     </p:extLst>
   </p:cSld>
@@ -6821,7 +6349,7 @@
 </p:sld>
 </file>
 
-<file path=ppt/slides/slide13.xml><?xml version="1.0" encoding="utf-8"?>
+<file path=ppt/slides/slide11.xml><?xml version="1.0" encoding="utf-8"?>
 <p:sld xmlns:a="http://schemas.openxmlformats.org/drawingml/2006/main" xmlns:r="http://schemas.openxmlformats.org/officeDocument/2006/relationships" xmlns:p="http://schemas.openxmlformats.org/presentationml/2006/main">
   <p:cSld>
     <p:spTree>
@@ -6838,88 +6366,69 @@
           <a:chExt cx="0" cy="0"/>
         </a:xfrm>
       </p:grpSpPr>
-      <p:pic>
-        <p:nvPicPr>
-          <p:cNvPr id="7" name="Picture 2" descr="reenhouse gases&amp;#39; effect on climate - U.S. Energy Information  Admin"/>
-          <p:cNvPicPr>
-            <a:picLocks noChangeAspect="1" noChangeArrowheads="1"/>
-          </p:cNvPicPr>
-          <p:nvPr/>
-        </p:nvPicPr>
-        <p:blipFill>
-          <a:blip r:embed="rId3">
-            <a:extLst>
-              <a:ext uri="{28A0092B-C50C-407E-A947-70E740481C1C}">
-                <a14:useLocalDpi xmlns:a14="http://schemas.microsoft.com/office/drawing/2010/main" val="0"/>
-              </a:ext>
-            </a:extLst>
-          </a:blip>
-          <a:srcRect/>
-          <a:stretch>
-            <a:fillRect/>
-          </a:stretch>
-        </p:blipFill>
-        <p:spPr bwMode="auto">
-          <a:xfrm>
-            <a:off x="307214" y="2913321"/>
-            <a:ext cx="5509581" cy="3705193"/>
-          </a:xfrm>
-          <a:prstGeom prst="rect">
-            <a:avLst/>
-          </a:prstGeom>
-          <a:noFill/>
-          <a:extLst>
-            <a:ext uri="{909E8E84-426E-40DD-AFC4-6F175D3DCCD1}">
-              <a14:hiddenFill xmlns:a14="http://schemas.microsoft.com/office/drawing/2010/main">
-                <a:solidFill>
-                  <a:srgbClr val="FFFFFF"/>
-                </a:solidFill>
-              </a14:hiddenFill>
-            </a:ext>
-          </a:extLst>
-        </p:spPr>
-      </p:pic>
-      <p:pic>
-        <p:nvPicPr>
-          <p:cNvPr id="9" name="Picture 4" descr="https://climateactiontracker.org/media/images/CAT_2021.05_2100WarmingProjectionsGraph.width-1110.png"/>
-          <p:cNvPicPr>
-            <a:picLocks noChangeAspect="1" noChangeArrowheads="1"/>
-          </p:cNvPicPr>
-          <p:nvPr/>
-        </p:nvPicPr>
-        <p:blipFill>
-          <a:blip r:embed="rId4">
-            <a:extLst>
-              <a:ext uri="{28A0092B-C50C-407E-A947-70E740481C1C}">
-                <a14:useLocalDpi xmlns:a14="http://schemas.microsoft.com/office/drawing/2010/main" val="0"/>
-              </a:ext>
-            </a:extLst>
-          </a:blip>
-          <a:srcRect/>
-          <a:stretch>
-            <a:fillRect/>
-          </a:stretch>
-        </p:blipFill>
-        <p:spPr bwMode="auto">
-          <a:xfrm>
-            <a:off x="6417680" y="3495377"/>
-            <a:ext cx="5466275" cy="2541079"/>
-          </a:xfrm>
-          <a:prstGeom prst="rect">
-            <a:avLst/>
-          </a:prstGeom>
-          <a:noFill/>
-          <a:extLst>
-            <a:ext uri="{909E8E84-426E-40DD-AFC4-6F175D3DCCD1}">
-              <a14:hiddenFill xmlns:a14="http://schemas.microsoft.com/office/drawing/2010/main">
-                <a:solidFill>
-                  <a:srgbClr val="FFFFFF"/>
-                </a:solidFill>
-              </a14:hiddenFill>
-            </a:ext>
-          </a:extLst>
-        </p:spPr>
-      </p:pic>
+      <p:sp>
+        <p:nvSpPr>
+          <p:cNvPr id="3" name="Title 1"/>
+          <p:cNvSpPr>
+            <a:spLocks noGrp="1"/>
+          </p:cNvSpPr>
+          <p:nvPr>
+            <p:ph type="title"/>
+          </p:nvPr>
+        </p:nvSpPr>
+        <p:spPr/>
+        <p:txBody>
+          <a:bodyPr>
+            <a:noAutofit/>
+          </a:bodyPr>
+          <a:lstStyle/>
+          <a:p>
+            <a:pPr algn="ctr"/>
+            <a:r>
+              <a:rPr lang="en-US" sz="6000" dirty="0" smtClean="0"/>
+              <a:t>Appendix</a:t>
+            </a:r>
+            <a:endParaRPr lang="en-US" sz="4000" dirty="0"/>
+          </a:p>
+        </p:txBody>
+      </p:sp>
+    </p:spTree>
+    <p:extLst>
+      <p:ext uri="{BB962C8B-B14F-4D97-AF65-F5344CB8AC3E}">
+        <p14:creationId xmlns:p14="http://schemas.microsoft.com/office/powerpoint/2010/main" val="1545627876"/>
+      </p:ext>
+    </p:extLst>
+  </p:cSld>
+  <p:clrMapOvr>
+    <a:masterClrMapping/>
+  </p:clrMapOvr>
+  <p:timing>
+    <p:tnLst>
+      <p:par>
+        <p:cTn id="1" dur="indefinite" restart="never" nodeType="tmRoot"/>
+      </p:par>
+    </p:tnLst>
+  </p:timing>
+</p:sld>
+</file>
+
+<file path=ppt/slides/slide12.xml><?xml version="1.0" encoding="utf-8"?>
+<p:sld xmlns:a="http://schemas.openxmlformats.org/drawingml/2006/main" xmlns:r="http://schemas.openxmlformats.org/officeDocument/2006/relationships" xmlns:p="http://schemas.openxmlformats.org/presentationml/2006/main">
+  <p:cSld>
+    <p:spTree>
+      <p:nvGrpSpPr>
+        <p:cNvPr id="1" name=""/>
+        <p:cNvGrpSpPr/>
+        <p:nvPr/>
+      </p:nvGrpSpPr>
+      <p:grpSpPr>
+        <a:xfrm>
+          <a:off x="0" y="0"/>
+          <a:ext cx="0" cy="0"/>
+          <a:chOff x="0" y="0"/>
+          <a:chExt cx="0" cy="0"/>
+        </a:xfrm>
+      </p:grpSpPr>
       <p:sp>
         <p:nvSpPr>
           <p:cNvPr id="2" name="Title 1"/>
@@ -6942,9 +6451,10 @@
           </a:bodyPr>
           <a:lstStyle/>
           <a:p>
+            <a:pPr algn="l"/>
             <a:r>
               <a:rPr lang="en-US" sz="4000" dirty="0" smtClean="0"/>
-              <a:t>Closing Thoughts</a:t>
+              <a:t>References</a:t>
             </a:r>
             <a:endParaRPr lang="en-US" sz="4000" dirty="0"/>
           </a:p>
@@ -7162,351 +6672,6 @@
           </a:lstStyle>
           <a:p>
             <a:r>
-              <a:rPr lang="en-US" dirty="0" smtClean="0"/>
-              <a:t>Very difficult problem to model</a:t>
-            </a:r>
-          </a:p>
-          <a:p>
-            <a:r>
-              <a:rPr lang="en-US" dirty="0" smtClean="0"/>
-              <a:t>Possible future work: narrow parent companies down to subsidiaries</a:t>
-            </a:r>
-          </a:p>
-          <a:p>
-            <a:pPr marL="685800" lvl="1" indent="-685800"/>
-            <a:r>
-              <a:rPr lang="en-US" dirty="0" smtClean="0"/>
-              <a:t>EX. Berkshire Hathaway (Warren Buffets company) is a giant multinational corporation so that financial data is being trickled down to even their smallest facility </a:t>
-            </a:r>
-            <a:endParaRPr lang="en-US" dirty="0"/>
-          </a:p>
-        </p:txBody>
-      </p:sp>
-      <p:sp>
-        <p:nvSpPr>
-          <p:cNvPr id="3" name="Oval 2"/>
-          <p:cNvSpPr/>
-          <p:nvPr/>
-        </p:nvSpPr>
-        <p:spPr>
-          <a:xfrm>
-            <a:off x="4146547" y="3281765"/>
-            <a:ext cx="2117555" cy="2034513"/>
-          </a:xfrm>
-          <a:prstGeom prst="ellipse">
-            <a:avLst/>
-          </a:prstGeom>
-          <a:noFill/>
-          <a:ln w="38100">
-            <a:solidFill>
-              <a:srgbClr val="FF0000"/>
-            </a:solidFill>
-          </a:ln>
-        </p:spPr>
-        <p:style>
-          <a:lnRef idx="2">
-            <a:schemeClr val="accent1">
-              <a:shade val="50000"/>
-            </a:schemeClr>
-          </a:lnRef>
-          <a:fillRef idx="1">
-            <a:schemeClr val="accent1"/>
-          </a:fillRef>
-          <a:effectRef idx="0">
-            <a:schemeClr val="accent1"/>
-          </a:effectRef>
-          <a:fontRef idx="minor">
-            <a:schemeClr val="lt1"/>
-          </a:fontRef>
-        </p:style>
-        <p:txBody>
-          <a:bodyPr rtlCol="0" anchor="ctr"/>
-          <a:lstStyle/>
-          <a:p>
-            <a:pPr algn="ctr"/>
-            <a:endParaRPr lang="en-US"/>
-          </a:p>
-        </p:txBody>
-      </p:sp>
-    </p:spTree>
-    <p:extLst>
-      <p:ext uri="{BB962C8B-B14F-4D97-AF65-F5344CB8AC3E}">
-        <p14:creationId xmlns:p14="http://schemas.microsoft.com/office/powerpoint/2010/main" val="2028279526"/>
-      </p:ext>
-    </p:extLst>
-  </p:cSld>
-  <p:clrMapOvr>
-    <a:masterClrMapping/>
-  </p:clrMapOvr>
-  <p:timing>
-    <p:tnLst>
-      <p:par>
-        <p:cTn id="1" dur="indefinite" restart="never" nodeType="tmRoot"/>
-      </p:par>
-    </p:tnLst>
-  </p:timing>
-</p:sld>
-</file>
-
-<file path=ppt/slides/slide14.xml><?xml version="1.0" encoding="utf-8"?>
-<p:sld xmlns:a="http://schemas.openxmlformats.org/drawingml/2006/main" xmlns:r="http://schemas.openxmlformats.org/officeDocument/2006/relationships" xmlns:p="http://schemas.openxmlformats.org/presentationml/2006/main">
-  <p:cSld>
-    <p:spTree>
-      <p:nvGrpSpPr>
-        <p:cNvPr id="1" name=""/>
-        <p:cNvGrpSpPr/>
-        <p:nvPr/>
-      </p:nvGrpSpPr>
-      <p:grpSpPr>
-        <a:xfrm>
-          <a:off x="0" y="0"/>
-          <a:ext cx="0" cy="0"/>
-          <a:chOff x="0" y="0"/>
-          <a:chExt cx="0" cy="0"/>
-        </a:xfrm>
-      </p:grpSpPr>
-      <p:sp>
-        <p:nvSpPr>
-          <p:cNvPr id="2" name="Title 1"/>
-          <p:cNvSpPr>
-            <a:spLocks noGrp="1"/>
-          </p:cNvSpPr>
-          <p:nvPr>
-            <p:ph type="title"/>
-          </p:nvPr>
-        </p:nvSpPr>
-        <p:spPr>
-          <a:xfrm>
-            <a:off x="583661" y="559676"/>
-            <a:ext cx="4143982" cy="1930605"/>
-          </a:xfrm>
-        </p:spPr>
-        <p:txBody>
-          <a:bodyPr>
-            <a:noAutofit/>
-          </a:bodyPr>
-          <a:lstStyle/>
-          <a:p>
-            <a:r>
-              <a:rPr lang="en-US" sz="4000" dirty="0" smtClean="0"/>
-              <a:t>References</a:t>
-            </a:r>
-            <a:endParaRPr lang="en-US" sz="4000" dirty="0"/>
-          </a:p>
-        </p:txBody>
-      </p:sp>
-      <p:sp>
-        <p:nvSpPr>
-          <p:cNvPr id="8" name="Content Placeholder 3"/>
-          <p:cNvSpPr txBox="1">
-            <a:spLocks/>
-          </p:cNvSpPr>
-          <p:nvPr/>
-        </p:nvSpPr>
-        <p:spPr>
-          <a:xfrm>
-            <a:off x="5181600" y="569066"/>
-            <a:ext cx="6248398" cy="5655156"/>
-          </a:xfrm>
-          <a:prstGeom prst="rect">
-            <a:avLst/>
-          </a:prstGeom>
-        </p:spPr>
-        <p:txBody>
-          <a:bodyPr/>
-          <a:lstStyle>
-            <a:lvl1pPr marL="283464" indent="-283464" algn="l" defTabSz="914400" rtl="0" eaLnBrk="1" latinLnBrk="0" hangingPunct="1">
-              <a:lnSpc>
-                <a:spcPct val="112000"/>
-              </a:lnSpc>
-              <a:spcBef>
-                <a:spcPts val="900"/>
-              </a:spcBef>
-              <a:buFont typeface="Arial" panose="020B0604020202020204" pitchFamily="34" charset="0"/>
-              <a:buChar char="•"/>
-              <a:defRPr sz="2000" kern="1200" baseline="0">
-                <a:solidFill>
-                  <a:schemeClr val="tx1">
-                    <a:lumMod val="85000"/>
-                    <a:lumOff val="15000"/>
-                  </a:schemeClr>
-                </a:solidFill>
-                <a:latin typeface="+mn-lt"/>
-                <a:ea typeface="+mn-ea"/>
-                <a:cs typeface="+mn-cs"/>
-              </a:defRPr>
-            </a:lvl1pPr>
-            <a:lvl2pPr marL="283464" indent="-283464" algn="l" defTabSz="914400" rtl="0" eaLnBrk="1" latinLnBrk="0" hangingPunct="1">
-              <a:lnSpc>
-                <a:spcPct val="112000"/>
-              </a:lnSpc>
-              <a:spcBef>
-                <a:spcPts val="900"/>
-              </a:spcBef>
-              <a:buFont typeface="Corbel" panose="020B0503020204020204" pitchFamily="34" charset="0"/>
-              <a:buChar char="–"/>
-              <a:defRPr sz="1800" kern="1200" baseline="0">
-                <a:solidFill>
-                  <a:schemeClr val="tx1">
-                    <a:lumMod val="85000"/>
-                    <a:lumOff val="15000"/>
-                  </a:schemeClr>
-                </a:solidFill>
-                <a:latin typeface="+mn-lt"/>
-                <a:ea typeface="+mn-ea"/>
-                <a:cs typeface="+mn-cs"/>
-              </a:defRPr>
-            </a:lvl2pPr>
-            <a:lvl3pPr marL="283464" indent="-283464" algn="l" defTabSz="914400" rtl="0" eaLnBrk="1" latinLnBrk="0" hangingPunct="1">
-              <a:lnSpc>
-                <a:spcPct val="112000"/>
-              </a:lnSpc>
-              <a:spcBef>
-                <a:spcPts val="900"/>
-              </a:spcBef>
-              <a:buFont typeface="Arial" panose="020B0604020202020204" pitchFamily="34" charset="0"/>
-              <a:buChar char="•"/>
-              <a:defRPr sz="1600" kern="1200" baseline="0">
-                <a:solidFill>
-                  <a:schemeClr val="tx1">
-                    <a:lumMod val="85000"/>
-                    <a:lumOff val="15000"/>
-                  </a:schemeClr>
-                </a:solidFill>
-                <a:latin typeface="+mn-lt"/>
-                <a:ea typeface="+mn-ea"/>
-                <a:cs typeface="+mn-cs"/>
-              </a:defRPr>
-            </a:lvl3pPr>
-            <a:lvl4pPr marL="283464" indent="-283464" algn="l" defTabSz="914400" rtl="0" eaLnBrk="1" latinLnBrk="0" hangingPunct="1">
-              <a:lnSpc>
-                <a:spcPct val="112000"/>
-              </a:lnSpc>
-              <a:spcBef>
-                <a:spcPts val="900"/>
-              </a:spcBef>
-              <a:buFont typeface="Corbel" panose="020B0503020204020204" pitchFamily="34" charset="0"/>
-              <a:buChar char="–"/>
-              <a:defRPr sz="1400" kern="1200" baseline="0">
-                <a:solidFill>
-                  <a:schemeClr val="tx1">
-                    <a:lumMod val="85000"/>
-                    <a:lumOff val="15000"/>
-                  </a:schemeClr>
-                </a:solidFill>
-                <a:latin typeface="+mn-lt"/>
-                <a:ea typeface="+mn-ea"/>
-                <a:cs typeface="+mn-cs"/>
-              </a:defRPr>
-            </a:lvl4pPr>
-            <a:lvl5pPr marL="283464" indent="-283464" algn="l" defTabSz="914400" rtl="0" eaLnBrk="1" latinLnBrk="0" hangingPunct="1">
-              <a:lnSpc>
-                <a:spcPct val="112000"/>
-              </a:lnSpc>
-              <a:spcBef>
-                <a:spcPts val="900"/>
-              </a:spcBef>
-              <a:buFont typeface="Arial" panose="020B0604020202020204" pitchFamily="34" charset="0"/>
-              <a:buChar char="•"/>
-              <a:defRPr sz="1400" i="1" kern="1200" baseline="0">
-                <a:solidFill>
-                  <a:schemeClr val="tx1">
-                    <a:lumMod val="85000"/>
-                    <a:lumOff val="15000"/>
-                  </a:schemeClr>
-                </a:solidFill>
-                <a:latin typeface="+mn-lt"/>
-                <a:ea typeface="+mn-ea"/>
-                <a:cs typeface="+mn-cs"/>
-              </a:defRPr>
-            </a:lvl5pPr>
-            <a:lvl6pPr marL="283464" indent="-283464" algn="l" defTabSz="914400" rtl="0" eaLnBrk="1" latinLnBrk="0" hangingPunct="1">
-              <a:lnSpc>
-                <a:spcPct val="112000"/>
-              </a:lnSpc>
-              <a:spcBef>
-                <a:spcPts val="1300"/>
-              </a:spcBef>
-              <a:buFont typeface="Corbel" panose="020B0503020204020204" pitchFamily="34" charset="0"/>
-              <a:buChar char="–"/>
-              <a:defRPr sz="1400" kern="1200">
-                <a:solidFill>
-                  <a:schemeClr val="tx1">
-                    <a:lumMod val="85000"/>
-                    <a:lumOff val="15000"/>
-                  </a:schemeClr>
-                </a:solidFill>
-                <a:latin typeface="+mn-lt"/>
-                <a:ea typeface="+mn-ea"/>
-                <a:cs typeface="+mn-cs"/>
-              </a:defRPr>
-            </a:lvl6pPr>
-            <a:lvl7pPr marL="283464" indent="-283464" algn="l" defTabSz="914400" rtl="0" eaLnBrk="1" latinLnBrk="0" hangingPunct="1">
-              <a:lnSpc>
-                <a:spcPct val="112000"/>
-              </a:lnSpc>
-              <a:spcBef>
-                <a:spcPts val="1300"/>
-              </a:spcBef>
-              <a:buFont typeface="Arial" panose="020B0604020202020204" pitchFamily="34" charset="0"/>
-              <a:buChar char="•"/>
-              <a:defRPr sz="1400" i="1" kern="1200">
-                <a:solidFill>
-                  <a:schemeClr val="tx1">
-                    <a:lumMod val="85000"/>
-                    <a:lumOff val="15000"/>
-                  </a:schemeClr>
-                </a:solidFill>
-                <a:latin typeface="+mn-lt"/>
-                <a:ea typeface="+mn-ea"/>
-                <a:cs typeface="+mn-cs"/>
-              </a:defRPr>
-            </a:lvl7pPr>
-            <a:lvl8pPr marL="283464" indent="-283464" algn="l" defTabSz="914400" rtl="0" eaLnBrk="1" latinLnBrk="0" hangingPunct="1">
-              <a:lnSpc>
-                <a:spcPct val="112000"/>
-              </a:lnSpc>
-              <a:spcBef>
-                <a:spcPts val="1300"/>
-              </a:spcBef>
-              <a:buFont typeface="Corbel" panose="020B0503020204020204" pitchFamily="34" charset="0"/>
-              <a:buChar char="–"/>
-              <a:defRPr sz="1400" kern="1200">
-                <a:solidFill>
-                  <a:schemeClr val="tx1">
-                    <a:lumMod val="85000"/>
-                    <a:lumOff val="15000"/>
-                  </a:schemeClr>
-                </a:solidFill>
-                <a:latin typeface="+mn-lt"/>
-                <a:ea typeface="+mn-ea"/>
-                <a:cs typeface="+mn-cs"/>
-              </a:defRPr>
-            </a:lvl8pPr>
-            <a:lvl9pPr marL="283464" indent="-283464" algn="l" defTabSz="914400" rtl="0" eaLnBrk="1" latinLnBrk="0" hangingPunct="1">
-              <a:lnSpc>
-                <a:spcPct val="112000"/>
-              </a:lnSpc>
-              <a:spcBef>
-                <a:spcPts val="1300"/>
-              </a:spcBef>
-              <a:buFont typeface="Arial" panose="020B0604020202020204" pitchFamily="34" charset="0"/>
-              <a:buChar char="•"/>
-              <a:defRPr sz="1400" i="1" kern="1200" baseline="0">
-                <a:solidFill>
-                  <a:schemeClr val="tx1">
-                    <a:lumMod val="85000"/>
-                    <a:lumOff val="15000"/>
-                  </a:schemeClr>
-                </a:solidFill>
-                <a:latin typeface="+mn-lt"/>
-                <a:ea typeface="+mn-ea"/>
-                <a:cs typeface="+mn-cs"/>
-              </a:defRPr>
-            </a:lvl9pPr>
-          </a:lstStyle>
-          <a:p>
-            <a:r>
               <a:rPr lang="en-US" u="sng" dirty="0">
                 <a:solidFill>
                   <a:srgbClr val="00B0F0"/>
@@ -7765,6 +6930,200 @@
 </p:sld>
 </file>
 
+<file path=ppt/slides/slide13.xml><?xml version="1.0" encoding="utf-8"?>
+<p:sld xmlns:a="http://schemas.openxmlformats.org/drawingml/2006/main" xmlns:r="http://schemas.openxmlformats.org/officeDocument/2006/relationships" xmlns:p="http://schemas.openxmlformats.org/presentationml/2006/main">
+  <p:cSld>
+    <p:spTree>
+      <p:nvGrpSpPr>
+        <p:cNvPr id="1" name=""/>
+        <p:cNvGrpSpPr/>
+        <p:nvPr/>
+      </p:nvGrpSpPr>
+      <p:grpSpPr>
+        <a:xfrm>
+          <a:off x="0" y="0"/>
+          <a:ext cx="0" cy="0"/>
+          <a:chOff x="0" y="0"/>
+          <a:chExt cx="0" cy="0"/>
+        </a:xfrm>
+      </p:grpSpPr>
+      <p:sp>
+        <p:nvSpPr>
+          <p:cNvPr id="2" name="Title 1"/>
+          <p:cNvSpPr>
+            <a:spLocks noGrp="1"/>
+          </p:cNvSpPr>
+          <p:nvPr>
+            <p:ph type="title"/>
+          </p:nvPr>
+        </p:nvSpPr>
+        <p:spPr>
+          <a:xfrm>
+            <a:off x="761999" y="559676"/>
+            <a:ext cx="3965643" cy="1930605"/>
+          </a:xfrm>
+        </p:spPr>
+        <p:txBody>
+          <a:bodyPr>
+            <a:noAutofit/>
+          </a:bodyPr>
+          <a:lstStyle/>
+          <a:p>
+            <a:r>
+              <a:rPr lang="en-US" sz="4000" dirty="0" smtClean="0"/>
+              <a:t>Datasets</a:t>
+            </a:r>
+            <a:endParaRPr lang="en-US" sz="4000" dirty="0"/>
+          </a:p>
+        </p:txBody>
+      </p:sp>
+      <p:pic>
+        <p:nvPicPr>
+          <p:cNvPr id="4" name="Picture 3"/>
+          <p:cNvPicPr>
+            <a:picLocks noChangeAspect="1"/>
+          </p:cNvPicPr>
+          <p:nvPr/>
+        </p:nvPicPr>
+        <p:blipFill>
+          <a:blip r:embed="rId3">
+            <a:extLst>
+              <a:ext uri="{28A0092B-C50C-407E-A947-70E740481C1C}">
+                <a14:useLocalDpi xmlns:a14="http://schemas.microsoft.com/office/drawing/2010/main" val="0"/>
+              </a:ext>
+            </a:extLst>
+          </a:blip>
+          <a:stretch>
+            <a:fillRect/>
+          </a:stretch>
+        </p:blipFill>
+        <p:spPr>
+          <a:xfrm>
+            <a:off x="1218004" y="1173518"/>
+            <a:ext cx="9755993" cy="5389025"/>
+          </a:xfrm>
+          <a:prstGeom prst="rect">
+            <a:avLst/>
+          </a:prstGeom>
+        </p:spPr>
+      </p:pic>
+    </p:spTree>
+    <p:extLst>
+      <p:ext uri="{BB962C8B-B14F-4D97-AF65-F5344CB8AC3E}">
+        <p14:creationId xmlns:p14="http://schemas.microsoft.com/office/powerpoint/2010/main" val="237080421"/>
+      </p:ext>
+    </p:extLst>
+  </p:cSld>
+  <p:clrMapOvr>
+    <a:masterClrMapping/>
+  </p:clrMapOvr>
+  <p:timing>
+    <p:tnLst>
+      <p:par>
+        <p:cTn id="1" dur="indefinite" restart="never" nodeType="tmRoot"/>
+      </p:par>
+    </p:tnLst>
+  </p:timing>
+</p:sld>
+</file>
+
+<file path=ppt/slides/slide14.xml><?xml version="1.0" encoding="utf-8"?>
+<p:sld xmlns:a="http://schemas.openxmlformats.org/drawingml/2006/main" xmlns:r="http://schemas.openxmlformats.org/officeDocument/2006/relationships" xmlns:p="http://schemas.openxmlformats.org/presentationml/2006/main">
+  <p:cSld>
+    <p:spTree>
+      <p:nvGrpSpPr>
+        <p:cNvPr id="1" name=""/>
+        <p:cNvGrpSpPr/>
+        <p:nvPr/>
+      </p:nvGrpSpPr>
+      <p:grpSpPr>
+        <a:xfrm>
+          <a:off x="0" y="0"/>
+          <a:ext cx="0" cy="0"/>
+          <a:chOff x="0" y="0"/>
+          <a:chExt cx="0" cy="0"/>
+        </a:xfrm>
+      </p:grpSpPr>
+      <p:sp>
+        <p:nvSpPr>
+          <p:cNvPr id="2" name="Title 1"/>
+          <p:cNvSpPr>
+            <a:spLocks noGrp="1"/>
+          </p:cNvSpPr>
+          <p:nvPr>
+            <p:ph type="title"/>
+          </p:nvPr>
+        </p:nvSpPr>
+        <p:spPr>
+          <a:xfrm>
+            <a:off x="761999" y="559676"/>
+            <a:ext cx="3965643" cy="1930605"/>
+          </a:xfrm>
+        </p:spPr>
+        <p:txBody>
+          <a:bodyPr>
+            <a:noAutofit/>
+          </a:bodyPr>
+          <a:lstStyle/>
+          <a:p>
+            <a:r>
+              <a:rPr lang="en-US" sz="4000" dirty="0" smtClean="0"/>
+              <a:t>Datasets</a:t>
+            </a:r>
+            <a:endParaRPr lang="en-US" sz="4000" dirty="0"/>
+          </a:p>
+        </p:txBody>
+      </p:sp>
+      <p:pic>
+        <p:nvPicPr>
+          <p:cNvPr id="4" name="Picture 3"/>
+          <p:cNvPicPr>
+            <a:picLocks noChangeAspect="1"/>
+          </p:cNvPicPr>
+          <p:nvPr/>
+        </p:nvPicPr>
+        <p:blipFill>
+          <a:blip r:embed="rId3">
+            <a:extLst>
+              <a:ext uri="{28A0092B-C50C-407E-A947-70E740481C1C}">
+                <a14:useLocalDpi xmlns:a14="http://schemas.microsoft.com/office/drawing/2010/main" val="0"/>
+              </a:ext>
+            </a:extLst>
+          </a:blip>
+          <a:stretch>
+            <a:fillRect/>
+          </a:stretch>
+        </p:blipFill>
+        <p:spPr>
+          <a:xfrm>
+            <a:off x="1217676" y="2502612"/>
+            <a:ext cx="9756648" cy="1852777"/>
+          </a:xfrm>
+          <a:prstGeom prst="rect">
+            <a:avLst/>
+          </a:prstGeom>
+        </p:spPr>
+      </p:pic>
+    </p:spTree>
+    <p:extLst>
+      <p:ext uri="{BB962C8B-B14F-4D97-AF65-F5344CB8AC3E}">
+        <p14:creationId xmlns:p14="http://schemas.microsoft.com/office/powerpoint/2010/main" val="2037981272"/>
+      </p:ext>
+    </p:extLst>
+  </p:cSld>
+  <p:clrMapOvr>
+    <a:masterClrMapping/>
+  </p:clrMapOvr>
+  <p:timing>
+    <p:tnLst>
+      <p:par>
+        <p:cTn id="1" dur="indefinite" restart="never" nodeType="tmRoot"/>
+      </p:par>
+    </p:tnLst>
+  </p:timing>
+</p:sld>
+</file>
+
 <file path=ppt/slides/slide15.xml><?xml version="1.0" encoding="utf-8"?>
 <p:sld xmlns:a="http://schemas.openxmlformats.org/drawingml/2006/main" xmlns:r="http://schemas.openxmlformats.org/officeDocument/2006/relationships" xmlns:p="http://schemas.openxmlformats.org/presentationml/2006/main">
   <p:cSld>
@@ -7784,7 +7143,7 @@
       </p:grpSpPr>
       <p:sp>
         <p:nvSpPr>
-          <p:cNvPr id="3" name="Title 1"/>
+          <p:cNvPr id="2" name="Title 1"/>
           <p:cNvSpPr>
             <a:spLocks noGrp="1"/>
           </p:cNvSpPr>
@@ -7792,26 +7151,157 @@
             <p:ph type="title"/>
           </p:nvPr>
         </p:nvSpPr>
-        <p:spPr/>
+        <p:spPr>
+          <a:xfrm>
+            <a:off x="761999" y="559676"/>
+            <a:ext cx="3965643" cy="1930605"/>
+          </a:xfrm>
+        </p:spPr>
         <p:txBody>
           <a:bodyPr>
             <a:noAutofit/>
           </a:bodyPr>
           <a:lstStyle/>
           <a:p>
-            <a:pPr algn="ctr"/>
-            <a:r>
-              <a:rPr lang="en-US" sz="6000" dirty="0" smtClean="0"/>
-              <a:t>Appendix</a:t>
+            <a:r>
+              <a:rPr lang="en-US" sz="4000" dirty="0" smtClean="0"/>
+              <a:t>Datasets</a:t>
             </a:r>
             <a:endParaRPr lang="en-US" sz="4000" dirty="0"/>
           </a:p>
         </p:txBody>
       </p:sp>
+      <p:pic>
+        <p:nvPicPr>
+          <p:cNvPr id="5" name="Picture 4"/>
+          <p:cNvPicPr>
+            <a:picLocks noChangeAspect="1"/>
+          </p:cNvPicPr>
+          <p:nvPr/>
+        </p:nvPicPr>
+        <p:blipFill>
+          <a:blip r:embed="rId3">
+            <a:extLst>
+              <a:ext uri="{28A0092B-C50C-407E-A947-70E740481C1C}">
+                <a14:useLocalDpi xmlns:a14="http://schemas.microsoft.com/office/drawing/2010/main" val="0"/>
+              </a:ext>
+            </a:extLst>
+          </a:blip>
+          <a:stretch>
+            <a:fillRect/>
+          </a:stretch>
+        </p:blipFill>
+        <p:spPr>
+          <a:xfrm>
+            <a:off x="1217676" y="2263953"/>
+            <a:ext cx="9756648" cy="2330094"/>
+          </a:xfrm>
+          <a:prstGeom prst="rect">
+            <a:avLst/>
+          </a:prstGeom>
+        </p:spPr>
+      </p:pic>
     </p:spTree>
     <p:extLst>
       <p:ext uri="{BB962C8B-B14F-4D97-AF65-F5344CB8AC3E}">
-        <p14:creationId xmlns:p14="http://schemas.microsoft.com/office/powerpoint/2010/main" val="1545627876"/>
+        <p14:creationId xmlns:p14="http://schemas.microsoft.com/office/powerpoint/2010/main" val="1704136206"/>
+      </p:ext>
+    </p:extLst>
+  </p:cSld>
+  <p:clrMapOvr>
+    <a:masterClrMapping/>
+  </p:clrMapOvr>
+  <p:timing>
+    <p:tnLst>
+      <p:par>
+        <p:cTn id="1" dur="indefinite" restart="never" nodeType="tmRoot"/>
+      </p:par>
+    </p:tnLst>
+  </p:timing>
+</p:sld>
+</file>
+
+<file path=ppt/slides/slide16.xml><?xml version="1.0" encoding="utf-8"?>
+<p:sld xmlns:a="http://schemas.openxmlformats.org/drawingml/2006/main" xmlns:r="http://schemas.openxmlformats.org/officeDocument/2006/relationships" xmlns:p="http://schemas.openxmlformats.org/presentationml/2006/main">
+  <p:cSld>
+    <p:spTree>
+      <p:nvGrpSpPr>
+        <p:cNvPr id="1" name=""/>
+        <p:cNvGrpSpPr/>
+        <p:nvPr/>
+      </p:nvGrpSpPr>
+      <p:grpSpPr>
+        <a:xfrm>
+          <a:off x="0" y="0"/>
+          <a:ext cx="0" cy="0"/>
+          <a:chOff x="0" y="0"/>
+          <a:chExt cx="0" cy="0"/>
+        </a:xfrm>
+      </p:grpSpPr>
+      <p:sp>
+        <p:nvSpPr>
+          <p:cNvPr id="2" name="Title 1"/>
+          <p:cNvSpPr>
+            <a:spLocks noGrp="1"/>
+          </p:cNvSpPr>
+          <p:nvPr>
+            <p:ph type="title"/>
+          </p:nvPr>
+        </p:nvSpPr>
+        <p:spPr>
+          <a:xfrm>
+            <a:off x="761999" y="559676"/>
+            <a:ext cx="3965643" cy="1930605"/>
+          </a:xfrm>
+        </p:spPr>
+        <p:txBody>
+          <a:bodyPr>
+            <a:noAutofit/>
+          </a:bodyPr>
+          <a:lstStyle/>
+          <a:p>
+            <a:r>
+              <a:rPr lang="en-US" sz="4000" dirty="0" smtClean="0"/>
+              <a:t>Datasets</a:t>
+            </a:r>
+            <a:endParaRPr lang="en-US" sz="4000" dirty="0"/>
+          </a:p>
+        </p:txBody>
+      </p:sp>
+      <p:pic>
+        <p:nvPicPr>
+          <p:cNvPr id="4" name="Picture 3"/>
+          <p:cNvPicPr>
+            <a:picLocks noChangeAspect="1"/>
+          </p:cNvPicPr>
+          <p:nvPr/>
+        </p:nvPicPr>
+        <p:blipFill>
+          <a:blip r:embed="rId3">
+            <a:extLst>
+              <a:ext uri="{28A0092B-C50C-407E-A947-70E740481C1C}">
+                <a14:useLocalDpi xmlns:a14="http://schemas.microsoft.com/office/drawing/2010/main" val="0"/>
+              </a:ext>
+            </a:extLst>
+          </a:blip>
+          <a:stretch>
+            <a:fillRect/>
+          </a:stretch>
+        </p:blipFill>
+        <p:spPr>
+          <a:xfrm>
+            <a:off x="1217676" y="2601289"/>
+            <a:ext cx="9756648" cy="1655423"/>
+          </a:xfrm>
+          <a:prstGeom prst="rect">
+            <a:avLst/>
+          </a:prstGeom>
+        </p:spPr>
+      </p:pic>
+    </p:spTree>
+    <p:extLst>
+      <p:ext uri="{BB962C8B-B14F-4D97-AF65-F5344CB8AC3E}">
+        <p14:creationId xmlns:p14="http://schemas.microsoft.com/office/powerpoint/2010/main" val="1693248913"/>
       </p:ext>
     </p:extLst>
   </p:cSld>
@@ -7867,6 +7357,7 @@
           </a:bodyPr>
           <a:lstStyle/>
           <a:p>
+            <a:pPr algn="l"/>
             <a:r>
               <a:rPr lang="en-US" sz="4000" dirty="0" smtClean="0"/>
               <a:t>Project Premise</a:t>
@@ -8253,7 +7744,7 @@
         <p:spPr>
           <a:xfrm>
             <a:off x="761999" y="559676"/>
-            <a:ext cx="3965643" cy="1930605"/>
+            <a:ext cx="10201190" cy="1930605"/>
           </a:xfrm>
         </p:spPr>
         <p:txBody>
@@ -8262,6 +7753,7 @@
           </a:bodyPr>
           <a:lstStyle/>
           <a:p>
+            <a:pPr algn="l"/>
             <a:r>
               <a:rPr lang="en-US" sz="4000" dirty="0" smtClean="0"/>
               <a:t>Why Model Greenhouse Gas Emissions?</a:t>
@@ -8746,6 +8238,7 @@
             </a:lvl1pPr>
           </a:lstStyle>
           <a:p>
+            <a:pPr algn="l"/>
             <a:r>
               <a:rPr lang="en-US" sz="4000" dirty="0" smtClean="0"/>
               <a:t>Data Model</a:t>
@@ -8835,9 +8328,10 @@
           </a:bodyPr>
           <a:lstStyle/>
           <a:p>
+            <a:pPr algn="l"/>
             <a:r>
               <a:rPr lang="en-US" sz="4000" dirty="0" smtClean="0"/>
-              <a:t>Datasets</a:t>
+              <a:t>Final Dataset</a:t>
             </a:r>
             <a:endParaRPr lang="en-US" sz="4000" dirty="0"/>
           </a:p>
@@ -8851,7 +8345,7 @@
           </p:cNvPicPr>
           <p:nvPr/>
         </p:nvPicPr>
-        <p:blipFill>
+        <p:blipFill rotWithShape="1">
           <a:blip r:embed="rId3">
             <a:extLst>
               <a:ext uri="{28A0092B-C50C-407E-A947-70E740481C1C}">
@@ -8859,14 +8353,13 @@
               </a:ext>
             </a:extLst>
           </a:blip>
-          <a:stretch>
-            <a:fillRect/>
-          </a:stretch>
+          <a:srcRect l="6231" t="5737" r="43853" b="60454"/>
+          <a:stretch/>
         </p:blipFill>
         <p:spPr>
           <a:xfrm>
-            <a:off x="1218004" y="1173518"/>
-            <a:ext cx="9755993" cy="5389025"/>
+            <a:off x="3434442" y="1424618"/>
+            <a:ext cx="5323116" cy="4665942"/>
           </a:xfrm>
           <a:prstGeom prst="rect">
             <a:avLst/>
@@ -8876,7 +8369,7 @@
     </p:spTree>
     <p:extLst>
       <p:ext uri="{BB962C8B-B14F-4D97-AF65-F5344CB8AC3E}">
-        <p14:creationId xmlns:p14="http://schemas.microsoft.com/office/powerpoint/2010/main" val="237080421"/>
+        <p14:creationId xmlns:p14="http://schemas.microsoft.com/office/powerpoint/2010/main" val="1710066410"/>
       </p:ext>
     </p:extLst>
   </p:cSld>
@@ -8922,8 +8415,8 @@
         </p:nvSpPr>
         <p:spPr>
           <a:xfrm>
-            <a:off x="761999" y="559676"/>
-            <a:ext cx="3965643" cy="1930605"/>
+            <a:off x="276447" y="559677"/>
+            <a:ext cx="5601839" cy="1318110"/>
           </a:xfrm>
         </p:spPr>
         <p:txBody>
@@ -8932,9 +8425,14 @@
           </a:bodyPr>
           <a:lstStyle/>
           <a:p>
+            <a:pPr algn="l"/>
             <a:r>
               <a:rPr lang="en-US" sz="4000" dirty="0" smtClean="0"/>
-              <a:t>Datasets</a:t>
+              <a:t>Modeling and </a:t>
+            </a:r>
+            <a:r>
+              <a:rPr lang="en-US" sz="4000" smtClean="0"/>
+              <a:t>Feature Transformations</a:t>
             </a:r>
             <a:endParaRPr lang="en-US" sz="4000" dirty="0"/>
           </a:p>
@@ -8942,7 +8440,7 @@
       </p:sp>
       <p:pic>
         <p:nvPicPr>
-          <p:cNvPr id="4" name="Picture 3"/>
+          <p:cNvPr id="6" name="Picture 5"/>
           <p:cNvPicPr>
             <a:picLocks noChangeAspect="1"/>
           </p:cNvPicPr>
@@ -8962,18 +8460,57 @@
         </p:blipFill>
         <p:spPr>
           <a:xfrm>
-            <a:off x="1217676" y="2502612"/>
-            <a:ext cx="9756648" cy="1852777"/>
+            <a:off x="1236238" y="1877787"/>
+            <a:ext cx="9719525" cy="4148815"/>
           </a:xfrm>
           <a:prstGeom prst="rect">
             <a:avLst/>
           </a:prstGeom>
         </p:spPr>
       </p:pic>
+      <p:sp>
+        <p:nvSpPr>
+          <p:cNvPr id="3" name="TextBox 2"/>
+          <p:cNvSpPr txBox="1"/>
+          <p:nvPr/>
+        </p:nvSpPr>
+        <p:spPr>
+          <a:xfrm>
+            <a:off x="4877269" y="6172199"/>
+            <a:ext cx="2437462" cy="461665"/>
+          </a:xfrm>
+          <a:prstGeom prst="rect">
+            <a:avLst/>
+          </a:prstGeom>
+          <a:noFill/>
+        </p:spPr>
+        <p:txBody>
+          <a:bodyPr wrap="none" rtlCol="0">
+            <a:spAutoFit/>
+          </a:bodyPr>
+          <a:lstStyle/>
+          <a:p>
+            <a:pPr algn="ctr"/>
+            <a:r>
+              <a:rPr lang="en-US" sz="2400" dirty="0" smtClean="0"/>
+              <a:t>Baseline R</a:t>
+            </a:r>
+            <a:r>
+              <a:rPr lang="en-US" sz="2400" baseline="30000" dirty="0" smtClean="0"/>
+              <a:t>2</a:t>
+            </a:r>
+            <a:r>
+              <a:rPr lang="en-US" sz="2400" dirty="0" smtClean="0"/>
+              <a:t> = .209</a:t>
+            </a:r>
+            <a:endParaRPr lang="en-US" sz="2400" dirty="0"/>
+          </a:p>
+        </p:txBody>
+      </p:sp>
     </p:spTree>
     <p:extLst>
       <p:ext uri="{BB962C8B-B14F-4D97-AF65-F5344CB8AC3E}">
-        <p14:creationId xmlns:p14="http://schemas.microsoft.com/office/powerpoint/2010/main" val="2037981272"/>
+        <p14:creationId xmlns:p14="http://schemas.microsoft.com/office/powerpoint/2010/main" val="2026589745"/>
       </p:ext>
     </p:extLst>
   </p:cSld>
@@ -9019,8 +8556,8 @@
         </p:nvSpPr>
         <p:spPr>
           <a:xfrm>
-            <a:off x="761999" y="559676"/>
-            <a:ext cx="3965643" cy="1930605"/>
+            <a:off x="276447" y="559677"/>
+            <a:ext cx="5601839" cy="1318110"/>
           </a:xfrm>
         </p:spPr>
         <p:txBody>
@@ -9029,9 +8566,14 @@
           </a:bodyPr>
           <a:lstStyle/>
           <a:p>
+            <a:pPr algn="l"/>
             <a:r>
               <a:rPr lang="en-US" sz="4000" dirty="0" smtClean="0"/>
-              <a:t>Datasets</a:t>
+              <a:t>Modeling and </a:t>
+            </a:r>
+            <a:r>
+              <a:rPr lang="en-US" sz="4000" smtClean="0"/>
+              <a:t>Feature Transformations</a:t>
             </a:r>
             <a:endParaRPr lang="en-US" sz="4000" dirty="0"/>
           </a:p>
@@ -9059,18 +8601,68 @@
         </p:blipFill>
         <p:spPr>
           <a:xfrm>
-            <a:off x="1217676" y="2263953"/>
-            <a:ext cx="9756648" cy="2330094"/>
+            <a:off x="1879245" y="1880018"/>
+            <a:ext cx="5494367" cy="3951986"/>
           </a:xfrm>
           <a:prstGeom prst="rect">
             <a:avLst/>
           </a:prstGeom>
         </p:spPr>
       </p:pic>
+      <p:sp>
+        <p:nvSpPr>
+          <p:cNvPr id="7" name="TextBox 6"/>
+          <p:cNvSpPr txBox="1"/>
+          <p:nvPr/>
+        </p:nvSpPr>
+        <p:spPr>
+          <a:xfrm>
+            <a:off x="7536897" y="2724932"/>
+            <a:ext cx="4453552" cy="2308324"/>
+          </a:xfrm>
+          <a:prstGeom prst="rect">
+            <a:avLst/>
+          </a:prstGeom>
+          <a:noFill/>
+        </p:spPr>
+        <p:txBody>
+          <a:bodyPr wrap="square" rtlCol="0">
+            <a:spAutoFit/>
+          </a:bodyPr>
+          <a:lstStyle/>
+          <a:p>
+            <a:pPr marL="342900" indent="-342900">
+              <a:lnSpc>
+                <a:spcPct val="150000"/>
+              </a:lnSpc>
+              <a:buFont typeface="Arial" charset="0"/>
+              <a:buChar char="•"/>
+            </a:pPr>
+            <a:r>
+              <a:rPr lang="en-US" sz="2400" dirty="0" smtClean="0"/>
+              <a:t>Strong correlations within company financials</a:t>
+            </a:r>
+          </a:p>
+          <a:p>
+            <a:pPr marL="342900" indent="-342900">
+              <a:lnSpc>
+                <a:spcPct val="150000"/>
+              </a:lnSpc>
+              <a:buFont typeface="Arial" charset="0"/>
+              <a:buChar char="•"/>
+            </a:pPr>
+            <a:r>
+              <a:rPr lang="en-US" sz="2400" dirty="0" smtClean="0"/>
+              <a:t>Need to deal with multicollinearity issues</a:t>
+            </a:r>
+            <a:endParaRPr lang="en-US" sz="2400" dirty="0"/>
+          </a:p>
+        </p:txBody>
+      </p:sp>
     </p:spTree>
     <p:extLst>
       <p:ext uri="{BB962C8B-B14F-4D97-AF65-F5344CB8AC3E}">
-        <p14:creationId xmlns:p14="http://schemas.microsoft.com/office/powerpoint/2010/main" val="1704136206"/>
+        <p14:creationId xmlns:p14="http://schemas.microsoft.com/office/powerpoint/2010/main" val="1774205849"/>
       </p:ext>
     </p:extLst>
   </p:cSld>
@@ -9104,39 +8696,9 @@
           <a:chExt cx="0" cy="0"/>
         </a:xfrm>
       </p:grpSpPr>
-      <p:sp>
-        <p:nvSpPr>
-          <p:cNvPr id="2" name="Title 1"/>
-          <p:cNvSpPr>
-            <a:spLocks noGrp="1"/>
-          </p:cNvSpPr>
-          <p:nvPr>
-            <p:ph type="title"/>
-          </p:nvPr>
-        </p:nvSpPr>
-        <p:spPr>
-          <a:xfrm>
-            <a:off x="761999" y="559676"/>
-            <a:ext cx="3965643" cy="1930605"/>
-          </a:xfrm>
-        </p:spPr>
-        <p:txBody>
-          <a:bodyPr>
-            <a:noAutofit/>
-          </a:bodyPr>
-          <a:lstStyle/>
-          <a:p>
-            <a:r>
-              <a:rPr lang="en-US" sz="4000" dirty="0" smtClean="0"/>
-              <a:t>Datasets</a:t>
-            </a:r>
-            <a:endParaRPr lang="en-US" sz="4000" dirty="0"/>
-          </a:p>
-        </p:txBody>
-      </p:sp>
       <p:pic>
         <p:nvPicPr>
-          <p:cNvPr id="4" name="Picture 3"/>
+          <p:cNvPr id="9" name="Picture 8"/>
           <p:cNvPicPr>
             <a:picLocks noChangeAspect="1"/>
           </p:cNvPicPr>
@@ -9156,65 +8718,58 @@
         </p:blipFill>
         <p:spPr>
           <a:xfrm>
-            <a:off x="1217676" y="2601289"/>
-            <a:ext cx="9756648" cy="1655423"/>
+            <a:off x="546340" y="2890099"/>
+            <a:ext cx="4181302" cy="2794592"/>
           </a:xfrm>
           <a:prstGeom prst="rect">
             <a:avLst/>
           </a:prstGeom>
         </p:spPr>
       </p:pic>
-    </p:spTree>
-    <p:extLst>
-      <p:ext uri="{BB962C8B-B14F-4D97-AF65-F5344CB8AC3E}">
-        <p14:creationId xmlns:p14="http://schemas.microsoft.com/office/powerpoint/2010/main" val="1693248913"/>
-      </p:ext>
-    </p:extLst>
-  </p:cSld>
-  <p:clrMapOvr>
-    <a:masterClrMapping/>
-  </p:clrMapOvr>
-  <p:timing>
-    <p:tnLst>
-      <p:par>
-        <p:cTn id="1" dur="indefinite" restart="never" nodeType="tmRoot"/>
-      </p:par>
-    </p:tnLst>
-  </p:timing>
-</p:sld>
-</file>
-
-<file path=ppt/slides/slide9.xml><?xml version="1.0" encoding="utf-8"?>
-<p:sld xmlns:a="http://schemas.openxmlformats.org/drawingml/2006/main" xmlns:r="http://schemas.openxmlformats.org/officeDocument/2006/relationships" xmlns:p="http://schemas.openxmlformats.org/presentationml/2006/main">
-  <p:cSld>
-    <p:spTree>
-      <p:nvGrpSpPr>
-        <p:cNvPr id="1" name=""/>
-        <p:cNvGrpSpPr/>
-        <p:nvPr/>
-      </p:nvGrpSpPr>
-      <p:grpSpPr>
-        <a:xfrm>
-          <a:off x="0" y="0"/>
-          <a:ext cx="0" cy="0"/>
-          <a:chOff x="0" y="0"/>
-          <a:chExt cx="0" cy="0"/>
-        </a:xfrm>
-      </p:grpSpPr>
-      <p:sp>
-        <p:nvSpPr>
-          <p:cNvPr id="2" name="Title 1"/>
-          <p:cNvSpPr>
-            <a:spLocks noGrp="1"/>
-          </p:cNvSpPr>
-          <p:nvPr>
-            <p:ph type="title"/>
-          </p:nvPr>
-        </p:nvSpPr>
+      <p:pic>
+        <p:nvPicPr>
+          <p:cNvPr id="10" name="Picture 9"/>
+          <p:cNvPicPr>
+            <a:picLocks noChangeAspect="1"/>
+          </p:cNvPicPr>
+          <p:nvPr/>
+        </p:nvPicPr>
+        <p:blipFill>
+          <a:blip r:embed="rId4">
+            <a:extLst>
+              <a:ext uri="{28A0092B-C50C-407E-A947-70E740481C1C}">
+                <a14:useLocalDpi xmlns:a14="http://schemas.microsoft.com/office/drawing/2010/main" val="0"/>
+              </a:ext>
+            </a:extLst>
+          </a:blip>
+          <a:stretch>
+            <a:fillRect/>
+          </a:stretch>
+        </p:blipFill>
         <p:spPr>
           <a:xfrm>
-            <a:off x="761999" y="559676"/>
-            <a:ext cx="3965643" cy="1930605"/>
+            <a:off x="7448564" y="2795508"/>
+            <a:ext cx="4197096" cy="2798064"/>
+          </a:xfrm>
+          <a:prstGeom prst="rect">
+            <a:avLst/>
+          </a:prstGeom>
+        </p:spPr>
+      </p:pic>
+      <p:sp>
+        <p:nvSpPr>
+          <p:cNvPr id="2" name="Title 1"/>
+          <p:cNvSpPr>
+            <a:spLocks noGrp="1"/>
+          </p:cNvSpPr>
+          <p:nvPr>
+            <p:ph type="title"/>
+          </p:nvPr>
+        </p:nvSpPr>
+        <p:spPr>
+          <a:xfrm>
+            <a:off x="276447" y="559676"/>
+            <a:ext cx="5781453" cy="1428501"/>
           </a:xfrm>
         </p:spPr>
         <p:txBody>
@@ -9223,9 +8778,14 @@
           </a:bodyPr>
           <a:lstStyle/>
           <a:p>
+            <a:pPr algn="l"/>
             <a:r>
               <a:rPr lang="en-US" sz="4000" dirty="0" smtClean="0"/>
-              <a:t>Final Dataset</a:t>
+              <a:t>Modeling and </a:t>
+            </a:r>
+            <a:r>
+              <a:rPr lang="en-US" sz="4000" smtClean="0"/>
+              <a:t>Feature Transformations</a:t>
             </a:r>
             <a:endParaRPr lang="en-US" sz="4000" dirty="0"/>
           </a:p>
@@ -9233,14 +8793,14 @@
       </p:sp>
       <p:sp>
         <p:nvSpPr>
-          <p:cNvPr id="6" name="Right Arrow 5"/>
+          <p:cNvPr id="11" name="Right Arrow 10"/>
           <p:cNvSpPr/>
           <p:nvPr/>
         </p:nvSpPr>
         <p:spPr>
           <a:xfrm>
-            <a:off x="4180801" y="3248246"/>
-            <a:ext cx="603849" cy="202018"/>
+            <a:off x="4525117" y="3992521"/>
+            <a:ext cx="3125972" cy="404037"/>
           </a:xfrm>
           <a:prstGeom prst="rightArrow">
             <a:avLst/>
@@ -9273,14 +8833,14 @@
       </p:sp>
       <p:sp>
         <p:nvSpPr>
-          <p:cNvPr id="7" name="TextBox 6"/>
+          <p:cNvPr id="12" name="TextBox 11"/>
           <p:cNvSpPr txBox="1"/>
           <p:nvPr/>
         </p:nvSpPr>
         <p:spPr>
           <a:xfrm>
-            <a:off x="2788936" y="3181942"/>
-            <a:ext cx="1242204" cy="369332"/>
+            <a:off x="1686224" y="3276310"/>
+            <a:ext cx="2934586" cy="369332"/>
           </a:xfrm>
           <a:prstGeom prst="rect">
             <a:avLst/>
@@ -9293,73 +8853,24 @@
           </a:bodyPr>
           <a:lstStyle/>
           <a:p>
-            <a:pPr algn="r"/>
-            <a:r>
-              <a:rPr lang="en-US" b="1" dirty="0" smtClean="0">
-                <a:solidFill>
-                  <a:srgbClr val="FF0000"/>
-                </a:solidFill>
-              </a:rPr>
-              <a:t>Target</a:t>
-            </a:r>
-            <a:endParaRPr lang="en-US" b="1" dirty="0">
-              <a:solidFill>
-                <a:srgbClr val="FF0000"/>
-              </a:solidFill>
-            </a:endParaRPr>
-          </a:p>
-        </p:txBody>
-      </p:sp>
-      <p:sp>
-        <p:nvSpPr>
-          <p:cNvPr id="9" name="Right Arrow 8"/>
-          <p:cNvSpPr/>
+            <a:r>
+              <a:rPr lang="en-US" dirty="0" smtClean="0"/>
+              <a:t>Original Target Distribution</a:t>
+            </a:r>
+            <a:endParaRPr lang="en-US" dirty="0"/>
+          </a:p>
+        </p:txBody>
+      </p:sp>
+      <p:sp>
+        <p:nvSpPr>
+          <p:cNvPr id="13" name="TextBox 12"/>
+          <p:cNvSpPr txBox="1"/>
           <p:nvPr/>
         </p:nvSpPr>
         <p:spPr>
           <a:xfrm>
-            <a:off x="4194474" y="2461178"/>
-            <a:ext cx="603849" cy="202018"/>
-          </a:xfrm>
-          <a:prstGeom prst="rightArrow">
-            <a:avLst/>
-          </a:prstGeom>
-        </p:spPr>
-        <p:style>
-          <a:lnRef idx="2">
-            <a:schemeClr val="accent1">
-              <a:shade val="50000"/>
-            </a:schemeClr>
-          </a:lnRef>
-          <a:fillRef idx="1">
-            <a:schemeClr val="accent1"/>
-          </a:fillRef>
-          <a:effectRef idx="0">
-            <a:schemeClr val="accent1"/>
-          </a:effectRef>
-          <a:fontRef idx="minor">
-            <a:schemeClr val="lt1"/>
-          </a:fontRef>
-        </p:style>
-        <p:txBody>
-          <a:bodyPr rtlCol="0" anchor="ctr"/>
-          <a:lstStyle/>
-          <a:p>
-            <a:pPr algn="ctr"/>
-            <a:endParaRPr lang="en-US"/>
-          </a:p>
-        </p:txBody>
-      </p:sp>
-      <p:sp>
-        <p:nvSpPr>
-          <p:cNvPr id="10" name="TextBox 9"/>
-          <p:cNvSpPr txBox="1"/>
-          <p:nvPr/>
-        </p:nvSpPr>
-        <p:spPr>
-          <a:xfrm>
-            <a:off x="2524528" y="2189780"/>
-            <a:ext cx="1506612" cy="646331"/>
+            <a:off x="4892484" y="3739527"/>
+            <a:ext cx="2934586" cy="369332"/>
           </a:xfrm>
           <a:prstGeom prst="rect">
             <a:avLst/>
@@ -9372,192 +8883,24 @@
           </a:bodyPr>
           <a:lstStyle/>
           <a:p>
-            <a:pPr algn="r"/>
-            <a:r>
-              <a:rPr lang="en-US" b="1" dirty="0" smtClean="0">
-                <a:solidFill>
-                  <a:schemeClr val="tx2">
-                    <a:lumMod val="50000"/>
-                    <a:lumOff val="50000"/>
-                  </a:schemeClr>
-                </a:solidFill>
-              </a:rPr>
-              <a:t>Categorical</a:t>
-            </a:r>
-          </a:p>
-          <a:p>
-            <a:pPr algn="r"/>
-            <a:r>
-              <a:rPr lang="en-US" b="1" dirty="0" smtClean="0">
-                <a:solidFill>
-                  <a:schemeClr val="tx2">
-                    <a:lumMod val="50000"/>
-                    <a:lumOff val="50000"/>
-                  </a:schemeClr>
-                </a:solidFill>
-              </a:rPr>
-              <a:t>Variables</a:t>
-            </a:r>
-            <a:endParaRPr lang="en-US" b="1" dirty="0">
-              <a:solidFill>
-                <a:schemeClr val="tx2">
-                  <a:lumMod val="50000"/>
-                  <a:lumOff val="50000"/>
-                </a:schemeClr>
-              </a:solidFill>
-            </a:endParaRPr>
-          </a:p>
-        </p:txBody>
-      </p:sp>
-      <p:sp>
-        <p:nvSpPr>
-          <p:cNvPr id="11" name="Rectangle 10"/>
-          <p:cNvSpPr/>
+            <a:r>
+              <a:rPr lang="en-US" dirty="0" smtClean="0"/>
+              <a:t>Box-Cox Transformation</a:t>
+            </a:r>
+            <a:endParaRPr lang="en-US" dirty="0"/>
+          </a:p>
+        </p:txBody>
+      </p:sp>
+      <p:sp>
+        <p:nvSpPr>
+          <p:cNvPr id="14" name="TextBox 13"/>
+          <p:cNvSpPr txBox="1"/>
           <p:nvPr/>
         </p:nvSpPr>
         <p:spPr>
           <a:xfrm>
-            <a:off x="5094010" y="3506135"/>
-            <a:ext cx="6592186" cy="2066166"/>
-          </a:xfrm>
-          <a:prstGeom prst="rect">
-            <a:avLst/>
-          </a:prstGeom>
-          <a:noFill/>
-          <a:ln w="38100">
-            <a:solidFill>
-              <a:schemeClr val="accent3">
-                <a:lumMod val="60000"/>
-                <a:lumOff val="40000"/>
-              </a:schemeClr>
-            </a:solidFill>
-          </a:ln>
-        </p:spPr>
-        <p:style>
-          <a:lnRef idx="2">
-            <a:schemeClr val="accent1">
-              <a:shade val="50000"/>
-            </a:schemeClr>
-          </a:lnRef>
-          <a:fillRef idx="1">
-            <a:schemeClr val="accent1"/>
-          </a:fillRef>
-          <a:effectRef idx="0">
-            <a:schemeClr val="accent1"/>
-          </a:effectRef>
-          <a:fontRef idx="minor">
-            <a:schemeClr val="lt1"/>
-          </a:fontRef>
-        </p:style>
-        <p:txBody>
-          <a:bodyPr rtlCol="0" anchor="ctr"/>
-          <a:lstStyle/>
-          <a:p>
-            <a:pPr algn="ctr"/>
-            <a:endParaRPr lang="en-US">
-              <a:solidFill>
-                <a:schemeClr val="accent5"/>
-              </a:solidFill>
-            </a:endParaRPr>
-          </a:p>
-        </p:txBody>
-      </p:sp>
-      <p:sp>
-        <p:nvSpPr>
-          <p:cNvPr id="5" name="Rectangle 4"/>
-          <p:cNvSpPr/>
-          <p:nvPr/>
-        </p:nvSpPr>
-        <p:spPr>
-          <a:xfrm>
-            <a:off x="5103628" y="3147237"/>
-            <a:ext cx="6592186" cy="404037"/>
-          </a:xfrm>
-          <a:prstGeom prst="rect">
-            <a:avLst/>
-          </a:prstGeom>
-          <a:noFill/>
-          <a:ln w="38100">
-            <a:solidFill>
-              <a:srgbClr val="FF0000"/>
-            </a:solidFill>
-          </a:ln>
-        </p:spPr>
-        <p:style>
-          <a:lnRef idx="2">
-            <a:schemeClr val="accent1">
-              <a:shade val="50000"/>
-            </a:schemeClr>
-          </a:lnRef>
-          <a:fillRef idx="1">
-            <a:schemeClr val="accent1"/>
-          </a:fillRef>
-          <a:effectRef idx="0">
-            <a:schemeClr val="accent1"/>
-          </a:effectRef>
-          <a:fontRef idx="minor">
-            <a:schemeClr val="lt1"/>
-          </a:fontRef>
-        </p:style>
-        <p:txBody>
-          <a:bodyPr rtlCol="0" anchor="ctr"/>
-          <a:lstStyle/>
-          <a:p>
-            <a:pPr algn="ctr"/>
-            <a:endParaRPr lang="en-US"/>
-          </a:p>
-        </p:txBody>
-      </p:sp>
-      <p:sp>
-        <p:nvSpPr>
-          <p:cNvPr id="12" name="Right Arrow 11"/>
-          <p:cNvSpPr/>
-          <p:nvPr/>
-        </p:nvSpPr>
-        <p:spPr>
-          <a:xfrm>
-            <a:off x="4180801" y="4306712"/>
-            <a:ext cx="603849" cy="202018"/>
-          </a:xfrm>
-          <a:prstGeom prst="rightArrow">
-            <a:avLst/>
-          </a:prstGeom>
-        </p:spPr>
-        <p:style>
-          <a:lnRef idx="2">
-            <a:schemeClr val="accent1">
-              <a:shade val="50000"/>
-            </a:schemeClr>
-          </a:lnRef>
-          <a:fillRef idx="1">
-            <a:schemeClr val="accent1"/>
-          </a:fillRef>
-          <a:effectRef idx="0">
-            <a:schemeClr val="accent1"/>
-          </a:effectRef>
-          <a:fontRef idx="minor">
-            <a:schemeClr val="lt1"/>
-          </a:fontRef>
-        </p:style>
-        <p:txBody>
-          <a:bodyPr rtlCol="0" anchor="ctr"/>
-          <a:lstStyle/>
-          <a:p>
-            <a:pPr algn="ctr"/>
-            <a:endParaRPr lang="en-US"/>
-          </a:p>
-        </p:txBody>
-      </p:sp>
-      <p:sp>
-        <p:nvSpPr>
-          <p:cNvPr id="13" name="TextBox 12"/>
-          <p:cNvSpPr txBox="1"/>
-          <p:nvPr/>
-        </p:nvSpPr>
-        <p:spPr>
-          <a:xfrm>
-            <a:off x="2510855" y="4035314"/>
-            <a:ext cx="1506612" cy="646331"/>
+            <a:off x="8205575" y="3137811"/>
+            <a:ext cx="2934586" cy="646331"/>
           </a:xfrm>
           <a:prstGeom prst="rect">
             <a:avLst/>
@@ -9572,253 +8915,24 @@
           <a:p>
             <a:pPr algn="r"/>
             <a:r>
-              <a:rPr lang="en-US" b="1" smtClean="0">
-                <a:solidFill>
-                  <a:schemeClr val="accent3">
-                    <a:lumMod val="60000"/>
-                    <a:lumOff val="40000"/>
-                  </a:schemeClr>
-                </a:solidFill>
-              </a:rPr>
-              <a:t>Numerical</a:t>
-            </a:r>
-            <a:endParaRPr lang="en-US" b="1" dirty="0" smtClean="0">
-              <a:solidFill>
-                <a:schemeClr val="accent3">
-                  <a:lumMod val="60000"/>
-                  <a:lumOff val="40000"/>
-                </a:schemeClr>
-              </a:solidFill>
-            </a:endParaRPr>
+              <a:rPr lang="en-US" dirty="0" smtClean="0"/>
+              <a:t>New Target </a:t>
+            </a:r>
           </a:p>
           <a:p>
             <a:pPr algn="r"/>
             <a:r>
-              <a:rPr lang="en-US" b="1" dirty="0" smtClean="0">
-                <a:solidFill>
-                  <a:schemeClr val="accent3">
-                    <a:lumMod val="60000"/>
-                    <a:lumOff val="40000"/>
-                  </a:schemeClr>
-                </a:solidFill>
-              </a:rPr>
-              <a:t>Variables</a:t>
-            </a:r>
-            <a:endParaRPr lang="en-US" b="1" dirty="0">
-              <a:solidFill>
-                <a:schemeClr val="accent3">
-                  <a:lumMod val="60000"/>
-                  <a:lumOff val="40000"/>
-                </a:schemeClr>
-              </a:solidFill>
-            </a:endParaRPr>
-          </a:p>
-        </p:txBody>
-      </p:sp>
-      <p:sp>
-        <p:nvSpPr>
-          <p:cNvPr id="14" name="TextBox 13"/>
-          <p:cNvSpPr txBox="1"/>
-          <p:nvPr/>
-        </p:nvSpPr>
-        <p:spPr>
-          <a:xfrm>
-            <a:off x="8441634" y="2663196"/>
-            <a:ext cx="1842052" cy="276999"/>
-          </a:xfrm>
-          <a:prstGeom prst="rect">
-            <a:avLst/>
-          </a:prstGeom>
-          <a:solidFill>
-            <a:schemeClr val="bg1">
-              <a:lumMod val="95000"/>
-            </a:schemeClr>
-          </a:solidFill>
-        </p:spPr>
-        <p:txBody>
-          <a:bodyPr wrap="square" rtlCol="0">
-            <a:spAutoFit/>
-          </a:bodyPr>
-          <a:lstStyle/>
-          <a:p>
-            <a:pPr algn="ctr"/>
-            <a:r>
-              <a:rPr lang="en-US" sz="1200" b="1" i="1" dirty="0" smtClean="0">
-                <a:solidFill>
-                  <a:schemeClr val="bg2">
-                    <a:lumMod val="50000"/>
-                  </a:schemeClr>
-                </a:solidFill>
-              </a:rPr>
-              <a:t>(9 categories)</a:t>
-            </a:r>
-            <a:endParaRPr lang="en-US" sz="1200" b="1" i="1" dirty="0">
-              <a:solidFill>
-                <a:schemeClr val="bg2">
-                  <a:lumMod val="50000"/>
-                </a:schemeClr>
-              </a:solidFill>
-            </a:endParaRPr>
-          </a:p>
-        </p:txBody>
-      </p:sp>
-      <p:sp>
-        <p:nvSpPr>
-          <p:cNvPr id="16" name="TextBox 15"/>
-          <p:cNvSpPr txBox="1"/>
-          <p:nvPr/>
-        </p:nvSpPr>
-        <p:spPr>
-          <a:xfrm>
-            <a:off x="8441635" y="2423688"/>
-            <a:ext cx="1842051" cy="276999"/>
-          </a:xfrm>
-          <a:prstGeom prst="rect">
-            <a:avLst/>
-          </a:prstGeom>
-          <a:solidFill>
-            <a:schemeClr val="bg1">
-              <a:lumMod val="95000"/>
-            </a:schemeClr>
-          </a:solidFill>
-        </p:spPr>
-        <p:txBody>
-          <a:bodyPr wrap="square" rtlCol="0">
-            <a:spAutoFit/>
-          </a:bodyPr>
-          <a:lstStyle/>
-          <a:p>
-            <a:pPr algn="ctr"/>
-            <a:r>
-              <a:rPr lang="en-US" sz="1200" b="1" i="1" dirty="0" smtClean="0">
-                <a:solidFill>
-                  <a:schemeClr val="bg2">
-                    <a:lumMod val="50000"/>
-                  </a:schemeClr>
-                </a:solidFill>
-              </a:rPr>
-              <a:t>(4 categories)</a:t>
-            </a:r>
-            <a:endParaRPr lang="en-US" sz="1200" b="1" i="1" dirty="0">
-              <a:solidFill>
-                <a:schemeClr val="bg2">
-                  <a:lumMod val="50000"/>
-                </a:schemeClr>
-              </a:solidFill>
-            </a:endParaRPr>
-          </a:p>
-        </p:txBody>
-      </p:sp>
-      <p:sp>
-        <p:nvSpPr>
-          <p:cNvPr id="15" name="TextBox 14"/>
-          <p:cNvSpPr txBox="1"/>
-          <p:nvPr/>
-        </p:nvSpPr>
-        <p:spPr>
-          <a:xfrm>
-            <a:off x="8441636" y="2184179"/>
-            <a:ext cx="1842050" cy="276999"/>
-          </a:xfrm>
-          <a:prstGeom prst="rect">
-            <a:avLst/>
-          </a:prstGeom>
-          <a:solidFill>
-            <a:schemeClr val="bg1">
-              <a:lumMod val="95000"/>
-            </a:schemeClr>
-          </a:solidFill>
-        </p:spPr>
-        <p:txBody>
-          <a:bodyPr wrap="square" rtlCol="0">
-            <a:spAutoFit/>
-          </a:bodyPr>
-          <a:lstStyle/>
-          <a:p>
-            <a:pPr algn="ctr"/>
-            <a:r>
-              <a:rPr lang="en-US" sz="1200" b="1" i="1" dirty="0">
-                <a:solidFill>
-                  <a:schemeClr val="bg2">
-                    <a:lumMod val="50000"/>
-                  </a:schemeClr>
-                </a:solidFill>
-              </a:rPr>
-              <a:t>(</a:t>
-            </a:r>
-            <a:r>
-              <a:rPr lang="en-US" sz="1200" b="1" i="1" dirty="0" smtClean="0">
-                <a:solidFill>
-                  <a:schemeClr val="bg2">
-                    <a:lumMod val="50000"/>
-                  </a:schemeClr>
-                </a:solidFill>
-              </a:rPr>
-              <a:t>9 categories)</a:t>
-            </a:r>
-            <a:endParaRPr lang="en-US" sz="1200" b="1" i="1" dirty="0">
-              <a:solidFill>
-                <a:schemeClr val="bg2">
-                  <a:lumMod val="50000"/>
-                </a:schemeClr>
-              </a:solidFill>
-            </a:endParaRPr>
-          </a:p>
-        </p:txBody>
-      </p:sp>
-      <p:sp>
-        <p:nvSpPr>
-          <p:cNvPr id="8" name="Rectangle 7"/>
-          <p:cNvSpPr/>
-          <p:nvPr/>
-        </p:nvSpPr>
-        <p:spPr>
-          <a:xfrm>
-            <a:off x="5094010" y="2189780"/>
-            <a:ext cx="6592186" cy="794960"/>
-          </a:xfrm>
-          <a:prstGeom prst="rect">
-            <a:avLst/>
-          </a:prstGeom>
-          <a:noFill/>
-          <a:ln w="38100">
-            <a:solidFill>
-              <a:schemeClr val="tx2">
-                <a:lumMod val="50000"/>
-                <a:lumOff val="50000"/>
-              </a:schemeClr>
-            </a:solidFill>
-          </a:ln>
-        </p:spPr>
-        <p:style>
-          <a:lnRef idx="2">
-            <a:schemeClr val="accent1">
-              <a:shade val="50000"/>
-            </a:schemeClr>
-          </a:lnRef>
-          <a:fillRef idx="1">
-            <a:schemeClr val="accent1"/>
-          </a:fillRef>
-          <a:effectRef idx="0">
-            <a:schemeClr val="accent1"/>
-          </a:effectRef>
-          <a:fontRef idx="minor">
-            <a:schemeClr val="lt1"/>
-          </a:fontRef>
-        </p:style>
-        <p:txBody>
-          <a:bodyPr rtlCol="0" anchor="ctr"/>
-          <a:lstStyle/>
-          <a:p>
-            <a:pPr algn="ctr"/>
-            <a:endParaRPr lang="en-US"/>
+              <a:rPr lang="en-US" dirty="0" smtClean="0"/>
+              <a:t>Distribution</a:t>
+            </a:r>
+            <a:endParaRPr lang="en-US" dirty="0"/>
           </a:p>
         </p:txBody>
       </p:sp>
     </p:spTree>
     <p:extLst>
       <p:ext uri="{BB962C8B-B14F-4D97-AF65-F5344CB8AC3E}">
-        <p14:creationId xmlns:p14="http://schemas.microsoft.com/office/powerpoint/2010/main" val="1710066410"/>
+        <p14:creationId xmlns:p14="http://schemas.microsoft.com/office/powerpoint/2010/main" val="899334441"/>
       </p:ext>
     </p:extLst>
   </p:cSld>
@@ -9837,6 +8951,9 @@
                     <p:cTn id="3" fill="hold">
                       <p:stCondLst>
                         <p:cond delay="indefinite"/>
+                        <p:cond evt="onBegin" delay="0">
+                          <p:tn val="2"/>
+                        </p:cond>
                       </p:stCondLst>
                       <p:childTnLst>
                         <p:par>
@@ -9846,7 +8963,7 @@
                             </p:stCondLst>
                             <p:childTnLst>
                               <p:par>
-                                <p:cTn id="5" presetID="1" presetClass="entr" presetSubtype="0" fill="hold" grpId="0" nodeType="clickEffect">
+                                <p:cTn id="5" presetID="1" presetClass="entr" presetSubtype="0" fill="hold" grpId="0" nodeType="withEffect">
                                   <p:stCondLst>
                                     <p:cond delay="0"/>
                                   </p:stCondLst>
@@ -9859,7 +8976,52 @@
                                           </p:stCondLst>
                                         </p:cTn>
                                         <p:tgtEl>
-                                          <p:spTgt spid="15"/>
+                                          <p:spTgt spid="12"/>
+                                        </p:tgtEl>
+                                        <p:attrNameLst>
+                                          <p:attrName>style.visibility</p:attrName>
+                                        </p:attrNameLst>
+                                      </p:cBhvr>
+                                      <p:to>
+                                        <p:strVal val="visible"/>
+                                      </p:to>
+                                    </p:set>
+                                  </p:childTnLst>
+                                </p:cTn>
+                              </p:par>
+                            </p:childTnLst>
+                          </p:cTn>
+                        </p:par>
+                      </p:childTnLst>
+                    </p:cTn>
+                  </p:par>
+                  <p:par>
+                    <p:cTn id="7" fill="hold">
+                      <p:stCondLst>
+                        <p:cond delay="indefinite"/>
+                      </p:stCondLst>
+                      <p:childTnLst>
+                        <p:par>
+                          <p:cTn id="8" fill="hold">
+                            <p:stCondLst>
+                              <p:cond delay="0"/>
+                            </p:stCondLst>
+                            <p:childTnLst>
+                              <p:par>
+                                <p:cTn id="9" presetID="1" presetClass="entr" presetSubtype="0" fill="hold" grpId="0" nodeType="clickEffect">
+                                  <p:stCondLst>
+                                    <p:cond delay="0"/>
+                                  </p:stCondLst>
+                                  <p:childTnLst>
+                                    <p:set>
+                                      <p:cBhvr>
+                                        <p:cTn id="10" dur="1" fill="hold">
+                                          <p:stCondLst>
+                                            <p:cond delay="0"/>
+                                          </p:stCondLst>
+                                        </p:cTn>
+                                        <p:tgtEl>
+                                          <p:spTgt spid="11"/>
                                         </p:tgtEl>
                                         <p:attrNameLst>
                                           <p:attrName>style.visibility</p:attrName>
@@ -9873,20 +9035,20 @@
                                 </p:cTn>
                               </p:par>
                               <p:par>
-                                <p:cTn id="7" presetID="1" presetClass="entr" presetSubtype="0" fill="hold" grpId="0" nodeType="withEffect">
+                                <p:cTn id="11" presetID="1" presetClass="entr" presetSubtype="0" fill="hold" grpId="0" nodeType="withEffect">
                                   <p:stCondLst>
                                     <p:cond delay="0"/>
                                   </p:stCondLst>
                                   <p:childTnLst>
                                     <p:set>
                                       <p:cBhvr>
-                                        <p:cTn id="8" dur="1" fill="hold">
+                                        <p:cTn id="12" dur="1" fill="hold">
                                           <p:stCondLst>
                                             <p:cond delay="0"/>
                                           </p:stCondLst>
                                         </p:cTn>
                                         <p:tgtEl>
-                                          <p:spTgt spid="16"/>
+                                          <p:spTgt spid="13"/>
                                         </p:tgtEl>
                                         <p:attrNameLst>
                                           <p:attrName>style.visibility</p:attrName>
@@ -9900,20 +9062,110 @@
                                 </p:cTn>
                               </p:par>
                               <p:par>
-                                <p:cTn id="9" presetID="1" presetClass="entr" presetSubtype="0" fill="hold" grpId="0" nodeType="withEffect">
+                                <p:cTn id="13" presetID="1" presetClass="entr" presetSubtype="0" fill="hold" grpId="0" nodeType="withEffect">
                                   <p:stCondLst>
                                     <p:cond delay="0"/>
                                   </p:stCondLst>
                                   <p:childTnLst>
                                     <p:set>
                                       <p:cBhvr>
-                                        <p:cTn id="10" dur="1" fill="hold">
+                                        <p:cTn id="14" dur="1" fill="hold">
                                           <p:stCondLst>
                                             <p:cond delay="0"/>
                                           </p:stCondLst>
                                         </p:cTn>
                                         <p:tgtEl>
                                           <p:spTgt spid="14"/>
+                                        </p:tgtEl>
+                                        <p:attrNameLst>
+                                          <p:attrName>style.visibility</p:attrName>
+                                        </p:attrNameLst>
+                                      </p:cBhvr>
+                                      <p:to>
+                                        <p:strVal val="visible"/>
+                                      </p:to>
+                                    </p:set>
+                                  </p:childTnLst>
+                                </p:cTn>
+                              </p:par>
+                            </p:childTnLst>
+                          </p:cTn>
+                        </p:par>
+                      </p:childTnLst>
+                    </p:cTn>
+                  </p:par>
+                  <p:par>
+                    <p:cTn id="15" fill="hold">
+                      <p:stCondLst>
+                        <p:cond delay="indefinite"/>
+                      </p:stCondLst>
+                      <p:childTnLst>
+                        <p:par>
+                          <p:cTn id="16" fill="hold">
+                            <p:stCondLst>
+                              <p:cond delay="0"/>
+                            </p:stCondLst>
+                            <p:childTnLst>
+                              <p:par>
+                                <p:cTn id="17" presetID="1" presetClass="entr" presetSubtype="0" fill="hold" nodeType="clickEffect">
+                                  <p:stCondLst>
+                                    <p:cond delay="0"/>
+                                  </p:stCondLst>
+                                  <p:childTnLst>
+                                    <p:set>
+                                      <p:cBhvr>
+                                        <p:cTn id="18" dur="1" fill="hold">
+                                          <p:stCondLst>
+                                            <p:cond delay="0"/>
+                                          </p:stCondLst>
+                                        </p:cTn>
+                                        <p:tgtEl>
+                                          <p:spTgt spid="9"/>
+                                        </p:tgtEl>
+                                        <p:attrNameLst>
+                                          <p:attrName>style.visibility</p:attrName>
+                                        </p:attrNameLst>
+                                      </p:cBhvr>
+                                      <p:to>
+                                        <p:strVal val="visible"/>
+                                      </p:to>
+                                    </p:set>
+                                  </p:childTnLst>
+                                </p:cTn>
+                              </p:par>
+                            </p:childTnLst>
+                          </p:cTn>
+                        </p:par>
+                      </p:childTnLst>
+                    </p:cTn>
+                  </p:par>
+                  <p:par>
+                    <p:cTn id="19" fill="hold">
+                      <p:stCondLst>
+                        <p:cond delay="indefinite"/>
+                      </p:stCondLst>
+                      <p:childTnLst>
+                        <p:par>
+                          <p:cTn id="20" fill="hold">
+                            <p:stCondLst>
+                              <p:cond delay="0"/>
+                            </p:stCondLst>
+                            <p:childTnLst>
+                              <p:par>
+                                <p:cTn id="21" presetID="1" presetClass="entr" presetSubtype="0" fill="hold" nodeType="clickEffect">
+                                  <p:stCondLst>
+                                    <p:cond delay="0"/>
+                                  </p:stCondLst>
+                                  <p:childTnLst>
+                                    <p:set>
+                                      <p:cBhvr>
+                                        <p:cTn id="22" dur="1" fill="hold">
+                                          <p:stCondLst>
+                                            <p:cond delay="0"/>
+                                          </p:stCondLst>
+                                        </p:cTn>
+                                        <p:tgtEl>
+                                          <p:spTgt spid="10"/>
                                         </p:tgtEl>
                                         <p:attrNameLst>
                                           <p:attrName>style.visibility</p:attrName>
@@ -9954,10 +9206,366 @@
       </p:par>
     </p:tnLst>
     <p:bldLst>
-      <p:bldP spid="14" grpId="0" animBg="1"/>
-      <p:bldP spid="16" grpId="0" animBg="1"/>
-      <p:bldP spid="15" grpId="0" animBg="1"/>
+      <p:bldP spid="11" grpId="0" animBg="1"/>
+      <p:bldP spid="12" grpId="0"/>
+      <p:bldP spid="13" grpId="0"/>
+      <p:bldP spid="14" grpId="0"/>
     </p:bldLst>
+  </p:timing>
+</p:sld>
+</file>
+
+<file path=ppt/slides/slide9.xml><?xml version="1.0" encoding="utf-8"?>
+<p:sld xmlns:a="http://schemas.openxmlformats.org/drawingml/2006/main" xmlns:r="http://schemas.openxmlformats.org/officeDocument/2006/relationships" xmlns:p="http://schemas.openxmlformats.org/presentationml/2006/main">
+  <p:cSld>
+    <p:spTree>
+      <p:nvGrpSpPr>
+        <p:cNvPr id="1" name=""/>
+        <p:cNvGrpSpPr/>
+        <p:nvPr/>
+      </p:nvGrpSpPr>
+      <p:grpSpPr>
+        <a:xfrm>
+          <a:off x="0" y="0"/>
+          <a:ext cx="0" cy="0"/>
+          <a:chOff x="0" y="0"/>
+          <a:chExt cx="0" cy="0"/>
+        </a:xfrm>
+      </p:grpSpPr>
+      <p:sp>
+        <p:nvSpPr>
+          <p:cNvPr id="2" name="Title 1"/>
+          <p:cNvSpPr>
+            <a:spLocks noGrp="1"/>
+          </p:cNvSpPr>
+          <p:nvPr>
+            <p:ph type="title"/>
+          </p:nvPr>
+        </p:nvSpPr>
+        <p:spPr>
+          <a:xfrm>
+            <a:off x="583661" y="559677"/>
+            <a:ext cx="4143982" cy="798246"/>
+          </a:xfrm>
+        </p:spPr>
+        <p:txBody>
+          <a:bodyPr>
+            <a:noAutofit/>
+          </a:bodyPr>
+          <a:lstStyle/>
+          <a:p>
+            <a:pPr algn="l"/>
+            <a:r>
+              <a:rPr lang="en-US" sz="4000" dirty="0" smtClean="0"/>
+              <a:t>Final Model</a:t>
+            </a:r>
+            <a:endParaRPr lang="en-US" sz="4000" dirty="0"/>
+          </a:p>
+        </p:txBody>
+      </p:sp>
+      <p:sp>
+        <p:nvSpPr>
+          <p:cNvPr id="8" name="Content Placeholder 3"/>
+          <p:cNvSpPr txBox="1">
+            <a:spLocks/>
+          </p:cNvSpPr>
+          <p:nvPr/>
+        </p:nvSpPr>
+        <p:spPr>
+          <a:xfrm>
+            <a:off x="583662" y="1357922"/>
+            <a:ext cx="3669362" cy="4702636"/>
+          </a:xfrm>
+          <a:prstGeom prst="rect">
+            <a:avLst/>
+          </a:prstGeom>
+        </p:spPr>
+        <p:txBody>
+          <a:bodyPr/>
+          <a:lstStyle>
+            <a:lvl1pPr marL="283464" indent="-283464" algn="l" defTabSz="914400" rtl="0" eaLnBrk="1" latinLnBrk="0" hangingPunct="1">
+              <a:lnSpc>
+                <a:spcPct val="112000"/>
+              </a:lnSpc>
+              <a:spcBef>
+                <a:spcPts val="900"/>
+              </a:spcBef>
+              <a:buFont typeface="Arial" panose="020B0604020202020204" pitchFamily="34" charset="0"/>
+              <a:buChar char="•"/>
+              <a:defRPr sz="2000" kern="1200" baseline="0">
+                <a:solidFill>
+                  <a:schemeClr val="tx1">
+                    <a:lumMod val="85000"/>
+                    <a:lumOff val="15000"/>
+                  </a:schemeClr>
+                </a:solidFill>
+                <a:latin typeface="+mn-lt"/>
+                <a:ea typeface="+mn-ea"/>
+                <a:cs typeface="+mn-cs"/>
+              </a:defRPr>
+            </a:lvl1pPr>
+            <a:lvl2pPr marL="283464" indent="-283464" algn="l" defTabSz="914400" rtl="0" eaLnBrk="1" latinLnBrk="0" hangingPunct="1">
+              <a:lnSpc>
+                <a:spcPct val="112000"/>
+              </a:lnSpc>
+              <a:spcBef>
+                <a:spcPts val="900"/>
+              </a:spcBef>
+              <a:buFont typeface="Corbel" panose="020B0503020204020204" pitchFamily="34" charset="0"/>
+              <a:buChar char="–"/>
+              <a:defRPr sz="1800" kern="1200" baseline="0">
+                <a:solidFill>
+                  <a:schemeClr val="tx1">
+                    <a:lumMod val="85000"/>
+                    <a:lumOff val="15000"/>
+                  </a:schemeClr>
+                </a:solidFill>
+                <a:latin typeface="+mn-lt"/>
+                <a:ea typeface="+mn-ea"/>
+                <a:cs typeface="+mn-cs"/>
+              </a:defRPr>
+            </a:lvl2pPr>
+            <a:lvl3pPr marL="283464" indent="-283464" algn="l" defTabSz="914400" rtl="0" eaLnBrk="1" latinLnBrk="0" hangingPunct="1">
+              <a:lnSpc>
+                <a:spcPct val="112000"/>
+              </a:lnSpc>
+              <a:spcBef>
+                <a:spcPts val="900"/>
+              </a:spcBef>
+              <a:buFont typeface="Arial" panose="020B0604020202020204" pitchFamily="34" charset="0"/>
+              <a:buChar char="•"/>
+              <a:defRPr sz="1600" kern="1200" baseline="0">
+                <a:solidFill>
+                  <a:schemeClr val="tx1">
+                    <a:lumMod val="85000"/>
+                    <a:lumOff val="15000"/>
+                  </a:schemeClr>
+                </a:solidFill>
+                <a:latin typeface="+mn-lt"/>
+                <a:ea typeface="+mn-ea"/>
+                <a:cs typeface="+mn-cs"/>
+              </a:defRPr>
+            </a:lvl3pPr>
+            <a:lvl4pPr marL="283464" indent="-283464" algn="l" defTabSz="914400" rtl="0" eaLnBrk="1" latinLnBrk="0" hangingPunct="1">
+              <a:lnSpc>
+                <a:spcPct val="112000"/>
+              </a:lnSpc>
+              <a:spcBef>
+                <a:spcPts val="900"/>
+              </a:spcBef>
+              <a:buFont typeface="Corbel" panose="020B0503020204020204" pitchFamily="34" charset="0"/>
+              <a:buChar char="–"/>
+              <a:defRPr sz="1400" kern="1200" baseline="0">
+                <a:solidFill>
+                  <a:schemeClr val="tx1">
+                    <a:lumMod val="85000"/>
+                    <a:lumOff val="15000"/>
+                  </a:schemeClr>
+                </a:solidFill>
+                <a:latin typeface="+mn-lt"/>
+                <a:ea typeface="+mn-ea"/>
+                <a:cs typeface="+mn-cs"/>
+              </a:defRPr>
+            </a:lvl4pPr>
+            <a:lvl5pPr marL="283464" indent="-283464" algn="l" defTabSz="914400" rtl="0" eaLnBrk="1" latinLnBrk="0" hangingPunct="1">
+              <a:lnSpc>
+                <a:spcPct val="112000"/>
+              </a:lnSpc>
+              <a:spcBef>
+                <a:spcPts val="900"/>
+              </a:spcBef>
+              <a:buFont typeface="Arial" panose="020B0604020202020204" pitchFamily="34" charset="0"/>
+              <a:buChar char="•"/>
+              <a:defRPr sz="1400" i="1" kern="1200" baseline="0">
+                <a:solidFill>
+                  <a:schemeClr val="tx1">
+                    <a:lumMod val="85000"/>
+                    <a:lumOff val="15000"/>
+                  </a:schemeClr>
+                </a:solidFill>
+                <a:latin typeface="+mn-lt"/>
+                <a:ea typeface="+mn-ea"/>
+                <a:cs typeface="+mn-cs"/>
+              </a:defRPr>
+            </a:lvl5pPr>
+            <a:lvl6pPr marL="283464" indent="-283464" algn="l" defTabSz="914400" rtl="0" eaLnBrk="1" latinLnBrk="0" hangingPunct="1">
+              <a:lnSpc>
+                <a:spcPct val="112000"/>
+              </a:lnSpc>
+              <a:spcBef>
+                <a:spcPts val="1300"/>
+              </a:spcBef>
+              <a:buFont typeface="Corbel" panose="020B0503020204020204" pitchFamily="34" charset="0"/>
+              <a:buChar char="–"/>
+              <a:defRPr sz="1400" kern="1200">
+                <a:solidFill>
+                  <a:schemeClr val="tx1">
+                    <a:lumMod val="85000"/>
+                    <a:lumOff val="15000"/>
+                  </a:schemeClr>
+                </a:solidFill>
+                <a:latin typeface="+mn-lt"/>
+                <a:ea typeface="+mn-ea"/>
+                <a:cs typeface="+mn-cs"/>
+              </a:defRPr>
+            </a:lvl6pPr>
+            <a:lvl7pPr marL="283464" indent="-283464" algn="l" defTabSz="914400" rtl="0" eaLnBrk="1" latinLnBrk="0" hangingPunct="1">
+              <a:lnSpc>
+                <a:spcPct val="112000"/>
+              </a:lnSpc>
+              <a:spcBef>
+                <a:spcPts val="1300"/>
+              </a:spcBef>
+              <a:buFont typeface="Arial" panose="020B0604020202020204" pitchFamily="34" charset="0"/>
+              <a:buChar char="•"/>
+              <a:defRPr sz="1400" i="1" kern="1200">
+                <a:solidFill>
+                  <a:schemeClr val="tx1">
+                    <a:lumMod val="85000"/>
+                    <a:lumOff val="15000"/>
+                  </a:schemeClr>
+                </a:solidFill>
+                <a:latin typeface="+mn-lt"/>
+                <a:ea typeface="+mn-ea"/>
+                <a:cs typeface="+mn-cs"/>
+              </a:defRPr>
+            </a:lvl7pPr>
+            <a:lvl8pPr marL="283464" indent="-283464" algn="l" defTabSz="914400" rtl="0" eaLnBrk="1" latinLnBrk="0" hangingPunct="1">
+              <a:lnSpc>
+                <a:spcPct val="112000"/>
+              </a:lnSpc>
+              <a:spcBef>
+                <a:spcPts val="1300"/>
+              </a:spcBef>
+              <a:buFont typeface="Corbel" panose="020B0503020204020204" pitchFamily="34" charset="0"/>
+              <a:buChar char="–"/>
+              <a:defRPr sz="1400" kern="1200">
+                <a:solidFill>
+                  <a:schemeClr val="tx1">
+                    <a:lumMod val="85000"/>
+                    <a:lumOff val="15000"/>
+                  </a:schemeClr>
+                </a:solidFill>
+                <a:latin typeface="+mn-lt"/>
+                <a:ea typeface="+mn-ea"/>
+                <a:cs typeface="+mn-cs"/>
+              </a:defRPr>
+            </a:lvl8pPr>
+            <a:lvl9pPr marL="283464" indent="-283464" algn="l" defTabSz="914400" rtl="0" eaLnBrk="1" latinLnBrk="0" hangingPunct="1">
+              <a:lnSpc>
+                <a:spcPct val="112000"/>
+              </a:lnSpc>
+              <a:spcBef>
+                <a:spcPts val="1300"/>
+              </a:spcBef>
+              <a:buFont typeface="Arial" panose="020B0604020202020204" pitchFamily="34" charset="0"/>
+              <a:buChar char="•"/>
+              <a:defRPr sz="1400" i="1" kern="1200" baseline="0">
+                <a:solidFill>
+                  <a:schemeClr val="tx1">
+                    <a:lumMod val="85000"/>
+                    <a:lumOff val="15000"/>
+                  </a:schemeClr>
+                </a:solidFill>
+                <a:latin typeface="+mn-lt"/>
+                <a:ea typeface="+mn-ea"/>
+                <a:cs typeface="+mn-cs"/>
+              </a:defRPr>
+            </a:lvl9pPr>
+          </a:lstStyle>
+          <a:p>
+            <a:r>
+              <a:rPr lang="en-US" dirty="0" smtClean="0"/>
+              <a:t>Raised R</a:t>
+            </a:r>
+            <a:r>
+              <a:rPr lang="en-US" baseline="30000" dirty="0" smtClean="0"/>
+              <a:t>2</a:t>
+            </a:r>
+            <a:r>
+              <a:rPr lang="en-US" dirty="0" smtClean="0"/>
+              <a:t> from baseline of 0.2099 to 0.4815 (LR) or 0.458 (RR) </a:t>
+            </a:r>
+          </a:p>
+          <a:p>
+            <a:pPr marL="685800" lvl="1" indent="-685800"/>
+            <a:r>
+              <a:rPr lang="en-US" dirty="0"/>
+              <a:t>Model parameters: </a:t>
+            </a:r>
+          </a:p>
+          <a:p>
+            <a:pPr marL="1039813" lvl="2" indent="-1039813"/>
+            <a:r>
+              <a:rPr lang="en-US" dirty="0"/>
+              <a:t>dropped columns for Operating Income, Total Equity, and Net Income due to their multicollinearity </a:t>
+            </a:r>
+          </a:p>
+          <a:p>
+            <a:pPr marL="1039813" lvl="2" indent="-1039813"/>
+            <a:r>
+              <a:rPr lang="en-US" dirty="0"/>
+              <a:t>Transformed y via box-cox </a:t>
+            </a:r>
+            <a:r>
+              <a:rPr lang="en-US" dirty="0" smtClean="0"/>
+              <a:t>transformation</a:t>
+            </a:r>
+          </a:p>
+          <a:p>
+            <a:r>
+              <a:rPr lang="en-US" dirty="0" smtClean="0"/>
+              <a:t>Another good model was the log of financial with a box-cox transformation on y</a:t>
+            </a:r>
+          </a:p>
+        </p:txBody>
+      </p:sp>
+      <p:pic>
+        <p:nvPicPr>
+          <p:cNvPr id="5" name="Picture 4"/>
+          <p:cNvPicPr>
+            <a:picLocks noChangeAspect="1"/>
+          </p:cNvPicPr>
+          <p:nvPr/>
+        </p:nvPicPr>
+        <p:blipFill>
+          <a:blip r:embed="rId3">
+            <a:extLst>
+              <a:ext uri="{28A0092B-C50C-407E-A947-70E740481C1C}">
+                <a14:useLocalDpi xmlns:a14="http://schemas.microsoft.com/office/drawing/2010/main" val="0"/>
+              </a:ext>
+            </a:extLst>
+          </a:blip>
+          <a:stretch>
+            <a:fillRect/>
+          </a:stretch>
+        </p:blipFill>
+        <p:spPr>
+          <a:xfrm>
+            <a:off x="4253024" y="1652644"/>
+            <a:ext cx="7681308" cy="3271765"/>
+          </a:xfrm>
+          <a:prstGeom prst="rect">
+            <a:avLst/>
+          </a:prstGeom>
+        </p:spPr>
+      </p:pic>
+    </p:spTree>
+    <p:extLst>
+      <p:ext uri="{BB962C8B-B14F-4D97-AF65-F5344CB8AC3E}">
+        <p14:creationId xmlns:p14="http://schemas.microsoft.com/office/powerpoint/2010/main" val="294554680"/>
+      </p:ext>
+    </p:extLst>
+  </p:cSld>
+  <p:clrMapOvr>
+    <a:masterClrMapping/>
+  </p:clrMapOvr>
+  <p:timing>
+    <p:tnLst>
+      <p:par>
+        <p:cTn id="1" dur="indefinite" restart="never" nodeType="tmRoot"/>
+      </p:par>
+    </p:tnLst>
   </p:timing>
 </p:sld>
 </file>
